--- a/Lecture Slides/VideoLectureSlides/15.3.pptx
+++ b/Lecture Slides/VideoLectureSlides/15.3.pptx
@@ -16,7 +16,7 @@
     <p:sldId id="292" r:id="rId10"/>
     <p:sldId id="294" r:id="rId11"/>
     <p:sldId id="295" r:id="rId12"/>
-    <p:sldId id="268" r:id="rId13"/>
+    <p:sldId id="298" r:id="rId13"/>
     <p:sldId id="287" r:id="rId14"/>
     <p:sldId id="263" r:id="rId15"/>
     <p:sldId id="296" r:id="rId16"/>
@@ -234,7 +234,7 @@
           <a:p>
             <a:fld id="{1AA1AB63-216F-4D5B-8811-CCB935E98D4A}" type="datetimeFigureOut">
               <a:rPr lang="en-US" smtClean="0"/>
-              <a:t>1/13/2022</a:t>
+              <a:t>8/3/2023</a:t>
             </a:fld>
             <a:endParaRPr lang="en-US" dirty="0"/>
           </a:p>
@@ -4382,6 +4382,681 @@
       </p:sp>
       <p:sp>
         <p:nvSpPr>
+          <p:cNvPr id="4" name="Rectangle 3">
+            <a:extLst>
+              <a:ext uri="{FF2B5EF4-FFF2-40B4-BE49-F238E27FC236}">
+                <a16:creationId xmlns:a16="http://schemas.microsoft.com/office/drawing/2014/main" id="{576A5DFD-F1FC-732A-62F9-84464DC1BD2F}"/>
+              </a:ext>
+            </a:extLst>
+          </p:cNvPr>
+          <p:cNvSpPr/>
+          <p:nvPr/>
+        </p:nvSpPr>
+        <p:spPr>
+          <a:xfrm>
+            <a:off x="4547314" y="4372522"/>
+            <a:ext cx="3962400" cy="1676400"/>
+          </a:xfrm>
+          <a:prstGeom prst="rect">
+            <a:avLst/>
+          </a:prstGeom>
+          <a:solidFill>
+            <a:schemeClr val="bg2">
+              <a:lumMod val="75000"/>
+            </a:schemeClr>
+          </a:solidFill>
+          <a:ln>
+            <a:noFill/>
+          </a:ln>
+        </p:spPr>
+        <p:style>
+          <a:lnRef idx="2">
+            <a:schemeClr val="accent1">
+              <a:shade val="50000"/>
+            </a:schemeClr>
+          </a:lnRef>
+          <a:fillRef idx="1">
+            <a:schemeClr val="accent1"/>
+          </a:fillRef>
+          <a:effectRef idx="0">
+            <a:schemeClr val="accent1"/>
+          </a:effectRef>
+          <a:fontRef idx="minor">
+            <a:schemeClr val="lt1"/>
+          </a:fontRef>
+        </p:style>
+        <p:txBody>
+          <a:bodyPr rtlCol="0" anchor="ctr"/>
+          <a:lstStyle/>
+          <a:p>
+            <a:pPr algn="ctr"/>
+            <a:endParaRPr lang="en-US"/>
+          </a:p>
+        </p:txBody>
+      </p:sp>
+      <p:sp>
+        <p:nvSpPr>
+          <p:cNvPr id="7" name="Frame 6">
+            <a:extLst>
+              <a:ext uri="{FF2B5EF4-FFF2-40B4-BE49-F238E27FC236}">
+                <a16:creationId xmlns:a16="http://schemas.microsoft.com/office/drawing/2014/main" id="{C7C8DE9E-914F-B7C3-F51C-DC7366C5EEB6}"/>
+              </a:ext>
+            </a:extLst>
+          </p:cNvPr>
+          <p:cNvSpPr/>
+          <p:nvPr/>
+        </p:nvSpPr>
+        <p:spPr>
+          <a:xfrm>
+            <a:off x="4090114" y="1515022"/>
+            <a:ext cx="4953000" cy="4876800"/>
+          </a:xfrm>
+          <a:prstGeom prst="frame">
+            <a:avLst>
+              <a:gd name="adj1" fmla="val 17383"/>
+            </a:avLst>
+          </a:prstGeom>
+          <a:solidFill>
+            <a:schemeClr val="bg1"/>
+          </a:solidFill>
+          <a:ln>
+            <a:noFill/>
+          </a:ln>
+          <a:effectLst>
+            <a:softEdge rad="127000"/>
+          </a:effectLst>
+        </p:spPr>
+        <p:style>
+          <a:lnRef idx="2">
+            <a:schemeClr val="accent1">
+              <a:shade val="50000"/>
+            </a:schemeClr>
+          </a:lnRef>
+          <a:fillRef idx="1">
+            <a:schemeClr val="accent1"/>
+          </a:fillRef>
+          <a:effectRef idx="0">
+            <a:schemeClr val="accent1"/>
+          </a:effectRef>
+          <a:fontRef idx="minor">
+            <a:schemeClr val="lt1"/>
+          </a:fontRef>
+        </p:style>
+        <p:txBody>
+          <a:bodyPr rtlCol="0" anchor="ctr"/>
+          <a:lstStyle/>
+          <a:p>
+            <a:pPr algn="ctr"/>
+            <a:endParaRPr lang="en-US" dirty="0">
+              <a:solidFill>
+                <a:schemeClr val="tx1"/>
+              </a:solidFill>
+            </a:endParaRPr>
+          </a:p>
+        </p:txBody>
+      </p:sp>
+      <p:pic>
+        <p:nvPicPr>
+          <p:cNvPr id="1026" name="Picture 2" descr="Vector clip art of metal adjustable wrench">
+            <a:extLst>
+              <a:ext uri="{FF2B5EF4-FFF2-40B4-BE49-F238E27FC236}">
+                <a16:creationId xmlns:a16="http://schemas.microsoft.com/office/drawing/2014/main" id="{1EA40432-26E4-7185-AF03-493B464BAD8E}"/>
+              </a:ext>
+            </a:extLst>
+          </p:cNvPr>
+          <p:cNvPicPr>
+            <a:picLocks noChangeAspect="1" noChangeArrowheads="1"/>
+          </p:cNvPicPr>
+          <p:nvPr/>
+        </p:nvPicPr>
+        <p:blipFill>
+          <a:blip r:embed="rId2">
+            <a:extLst>
+              <a:ext uri="{28A0092B-C50C-407E-A947-70E740481C1C}">
+                <a14:useLocalDpi xmlns:a14="http://schemas.microsoft.com/office/drawing/2010/main" val="0"/>
+              </a:ext>
+            </a:extLst>
+          </a:blip>
+          <a:srcRect/>
+          <a:stretch>
+            <a:fillRect/>
+          </a:stretch>
+        </p:blipFill>
+        <p:spPr bwMode="auto">
+          <a:xfrm rot="16200000">
+            <a:off x="5566917" y="2382224"/>
+            <a:ext cx="2514600" cy="2514600"/>
+          </a:xfrm>
+          <a:prstGeom prst="rect">
+            <a:avLst/>
+          </a:prstGeom>
+          <a:noFill/>
+          <a:ln>
+            <a:noFill/>
+          </a:ln>
+          <a:extLst>
+            <a:ext uri="{909E8E84-426E-40DD-AFC4-6F175D3DCCD1}">
+              <a14:hiddenFill xmlns:a14="http://schemas.microsoft.com/office/drawing/2010/main">
+                <a:solidFill>
+                  <a:srgbClr val="FFFFFF"/>
+                </a:solidFill>
+              </a14:hiddenFill>
+            </a:ext>
+          </a:extLst>
+        </p:spPr>
+      </p:pic>
+      <p:cxnSp>
+        <p:nvCxnSpPr>
+          <p:cNvPr id="6" name="Straight Arrow Connector 5">
+            <a:extLst>
+              <a:ext uri="{FF2B5EF4-FFF2-40B4-BE49-F238E27FC236}">
+                <a16:creationId xmlns:a16="http://schemas.microsoft.com/office/drawing/2014/main" id="{EAB9C8FF-4C5F-7F37-0352-4E3522BB0A32}"/>
+              </a:ext>
+            </a:extLst>
+          </p:cNvPr>
+          <p:cNvCxnSpPr>
+            <a:cxnSpLocks/>
+          </p:cNvCxnSpPr>
+          <p:nvPr/>
+        </p:nvCxnSpPr>
+        <p:spPr>
+          <a:xfrm>
+            <a:off x="6629400" y="2486451"/>
+            <a:ext cx="0" cy="809199"/>
+          </a:xfrm>
+          <a:prstGeom prst="straightConnector1">
+            <a:avLst/>
+          </a:prstGeom>
+          <a:ln>
+            <a:prstDash val="lgDash"/>
+            <a:tailEnd type="triangle"/>
+          </a:ln>
+        </p:spPr>
+        <p:style>
+          <a:lnRef idx="1">
+            <a:schemeClr val="accent1"/>
+          </a:lnRef>
+          <a:fillRef idx="0">
+            <a:schemeClr val="accent1"/>
+          </a:fillRef>
+          <a:effectRef idx="0">
+            <a:schemeClr val="accent1"/>
+          </a:effectRef>
+          <a:fontRef idx="minor">
+            <a:schemeClr val="tx1"/>
+          </a:fontRef>
+        </p:style>
+      </p:cxnSp>
+      <mc:AlternateContent xmlns:mc="http://schemas.openxmlformats.org/markup-compatibility/2006">
+        <mc:Choice xmlns:a14="http://schemas.microsoft.com/office/drawing/2010/main" Requires="a14">
+          <p:sp>
+            <p:nvSpPr>
+              <p:cNvPr id="10" name="TextBox 9">
+                <a:extLst>
+                  <a:ext uri="{FF2B5EF4-FFF2-40B4-BE49-F238E27FC236}">
+                    <a16:creationId xmlns:a16="http://schemas.microsoft.com/office/drawing/2014/main" id="{D007DC1D-FABD-9393-35F6-8661CF9FFEE6}"/>
+                  </a:ext>
+                </a:extLst>
+              </p:cNvPr>
+              <p:cNvSpPr txBox="1"/>
+              <p:nvPr/>
+            </p:nvSpPr>
+            <p:spPr>
+              <a:xfrm>
+                <a:off x="6280289" y="2169840"/>
+                <a:ext cx="331629" cy="369332"/>
+              </a:xfrm>
+              <a:prstGeom prst="rect">
+                <a:avLst/>
+              </a:prstGeom>
+              <a:noFill/>
+            </p:spPr>
+            <p:txBody>
+              <a:bodyPr wrap="none" lIns="0" tIns="0" rIns="0" bIns="0" rtlCol="0">
+                <a:spAutoFit/>
+              </a:bodyPr>
+              <a:lstStyle/>
+              <a:p>
+                <a14:m>
+                  <m:oMathPara xmlns:m="http://schemas.openxmlformats.org/officeDocument/2006/math">
+                    <m:oMathParaPr>
+                      <m:jc m:val="centerGroup"/>
+                    </m:oMathParaPr>
+                    <m:oMath xmlns:m="http://schemas.openxmlformats.org/officeDocument/2006/math">
+                      <m:sSub>
+                        <m:sSubPr>
+                          <m:ctrlPr>
+                            <a:rPr lang="en-US" sz="2400" i="1" smtClean="0">
+                              <a:solidFill>
+                                <a:schemeClr val="accent1"/>
+                              </a:solidFill>
+                              <a:latin typeface="Cambria Math" panose="02040503050406030204" pitchFamily="18" charset="0"/>
+                            </a:rPr>
+                          </m:ctrlPr>
+                        </m:sSubPr>
+                        <m:e>
+                          <m:r>
+                            <a:rPr lang="en-US" sz="2400" b="0" i="1" smtClean="0">
+                              <a:solidFill>
+                                <a:schemeClr val="accent1"/>
+                              </a:solidFill>
+                              <a:latin typeface="Cambria Math" panose="02040503050406030204" pitchFamily="18" charset="0"/>
+                            </a:rPr>
+                            <m:t>𝑣</m:t>
+                          </m:r>
+                        </m:e>
+                        <m:sub>
+                          <m:r>
+                            <a:rPr lang="en-US" sz="2400" b="0" i="1" smtClean="0">
+                              <a:solidFill>
+                                <a:schemeClr val="accent1"/>
+                              </a:solidFill>
+                              <a:latin typeface="Cambria Math" panose="02040503050406030204" pitchFamily="18" charset="0"/>
+                            </a:rPr>
+                            <m:t>𝑖</m:t>
+                          </m:r>
+                        </m:sub>
+                      </m:sSub>
+                    </m:oMath>
+                  </m:oMathPara>
+                </a14:m>
+                <a:endParaRPr lang="en-US" dirty="0"/>
+              </a:p>
+            </p:txBody>
+          </p:sp>
+        </mc:Choice>
+        <mc:Fallback>
+          <p:sp>
+            <p:nvSpPr>
+              <p:cNvPr id="10" name="TextBox 9">
+                <a:extLst>
+                  <a:ext uri="{FF2B5EF4-FFF2-40B4-BE49-F238E27FC236}">
+                    <a16:creationId xmlns:a16="http://schemas.microsoft.com/office/drawing/2014/main" id="{D007DC1D-FABD-9393-35F6-8661CF9FFEE6}"/>
+                  </a:ext>
+                </a:extLst>
+              </p:cNvPr>
+              <p:cNvSpPr txBox="1">
+                <a:spLocks noRot="1" noChangeAspect="1" noMove="1" noResize="1" noEditPoints="1" noAdjustHandles="1" noChangeArrowheads="1" noChangeShapeType="1" noTextEdit="1"/>
+              </p:cNvSpPr>
+              <p:nvPr/>
+            </p:nvSpPr>
+            <p:spPr>
+              <a:xfrm>
+                <a:off x="6280289" y="2169840"/>
+                <a:ext cx="331629" cy="369332"/>
+              </a:xfrm>
+              <a:prstGeom prst="rect">
+                <a:avLst/>
+              </a:prstGeom>
+              <a:blipFill>
+                <a:blip r:embed="rId3"/>
+                <a:stretch>
+                  <a:fillRect l="-12727" r="-7273" b="-14754"/>
+                </a:stretch>
+              </a:blipFill>
+            </p:spPr>
+            <p:txBody>
+              <a:bodyPr/>
+              <a:lstStyle/>
+              <a:p>
+                <a:r>
+                  <a:rPr lang="en-US">
+                    <a:noFill/>
+                  </a:rPr>
+                  <a:t> </a:t>
+                </a:r>
+              </a:p>
+            </p:txBody>
+          </p:sp>
+        </mc:Fallback>
+      </mc:AlternateContent>
+      <p:cxnSp>
+        <p:nvCxnSpPr>
+          <p:cNvPr id="11" name="Straight Arrow Connector 10">
+            <a:extLst>
+              <a:ext uri="{FF2B5EF4-FFF2-40B4-BE49-F238E27FC236}">
+                <a16:creationId xmlns:a16="http://schemas.microsoft.com/office/drawing/2014/main" id="{40169E70-0C0E-E8FF-E0ED-162AFC295E29}"/>
+              </a:ext>
+            </a:extLst>
+          </p:cNvPr>
+          <p:cNvCxnSpPr>
+            <a:cxnSpLocks/>
+          </p:cNvCxnSpPr>
+          <p:nvPr/>
+        </p:nvCxnSpPr>
+        <p:spPr>
+          <a:xfrm flipV="1">
+            <a:off x="6858000" y="2743200"/>
+            <a:ext cx="0" cy="486200"/>
+          </a:xfrm>
+          <a:prstGeom prst="straightConnector1">
+            <a:avLst/>
+          </a:prstGeom>
+          <a:ln>
+            <a:prstDash val="lgDash"/>
+            <a:tailEnd type="triangle"/>
+          </a:ln>
+        </p:spPr>
+        <p:style>
+          <a:lnRef idx="1">
+            <a:schemeClr val="accent1"/>
+          </a:lnRef>
+          <a:fillRef idx="0">
+            <a:schemeClr val="accent1"/>
+          </a:fillRef>
+          <a:effectRef idx="0">
+            <a:schemeClr val="accent1"/>
+          </a:effectRef>
+          <a:fontRef idx="minor">
+            <a:schemeClr val="tx1"/>
+          </a:fontRef>
+        </p:style>
+      </p:cxnSp>
+      <mc:AlternateContent xmlns:mc="http://schemas.openxmlformats.org/markup-compatibility/2006">
+        <mc:Choice xmlns:a14="http://schemas.microsoft.com/office/drawing/2010/main" Requires="a14">
+          <p:sp>
+            <p:nvSpPr>
+              <p:cNvPr id="12" name="TextBox 11">
+                <a:extLst>
+                  <a:ext uri="{FF2B5EF4-FFF2-40B4-BE49-F238E27FC236}">
+                    <a16:creationId xmlns:a16="http://schemas.microsoft.com/office/drawing/2014/main" id="{E7389BB9-5448-5753-ADA9-16C31305461E}"/>
+                  </a:ext>
+                </a:extLst>
+              </p:cNvPr>
+              <p:cNvSpPr txBox="1"/>
+              <p:nvPr/>
+            </p:nvSpPr>
+            <p:spPr>
+              <a:xfrm>
+                <a:off x="6920441" y="2528638"/>
+                <a:ext cx="367408" cy="398955"/>
+              </a:xfrm>
+              <a:prstGeom prst="rect">
+                <a:avLst/>
+              </a:prstGeom>
+              <a:noFill/>
+            </p:spPr>
+            <p:txBody>
+              <a:bodyPr wrap="none" lIns="0" tIns="0" rIns="0" bIns="0" rtlCol="0">
+                <a:spAutoFit/>
+              </a:bodyPr>
+              <a:lstStyle/>
+              <a:p>
+                <a14:m>
+                  <m:oMathPara xmlns:m="http://schemas.openxmlformats.org/officeDocument/2006/math">
+                    <m:oMathParaPr>
+                      <m:jc m:val="centerGroup"/>
+                    </m:oMathParaPr>
+                    <m:oMath xmlns:m="http://schemas.openxmlformats.org/officeDocument/2006/math">
+                      <m:sSub>
+                        <m:sSubPr>
+                          <m:ctrlPr>
+                            <a:rPr lang="en-US" sz="2400" i="1" smtClean="0">
+                              <a:solidFill>
+                                <a:schemeClr val="accent1"/>
+                              </a:solidFill>
+                              <a:latin typeface="Cambria Math" panose="02040503050406030204" pitchFamily="18" charset="0"/>
+                            </a:rPr>
+                          </m:ctrlPr>
+                        </m:sSubPr>
+                        <m:e>
+                          <m:r>
+                            <a:rPr lang="en-US" sz="2400" b="0" i="1" smtClean="0">
+                              <a:solidFill>
+                                <a:schemeClr val="accent1"/>
+                              </a:solidFill>
+                              <a:latin typeface="Cambria Math" panose="02040503050406030204" pitchFamily="18" charset="0"/>
+                            </a:rPr>
+                            <m:t>𝑣</m:t>
+                          </m:r>
+                        </m:e>
+                        <m:sub>
+                          <m:r>
+                            <a:rPr lang="en-US" sz="2400" b="0" i="1" smtClean="0">
+                              <a:solidFill>
+                                <a:schemeClr val="accent1"/>
+                              </a:solidFill>
+                              <a:latin typeface="Cambria Math" panose="02040503050406030204" pitchFamily="18" charset="0"/>
+                            </a:rPr>
+                            <m:t>𝑓</m:t>
+                          </m:r>
+                        </m:sub>
+                      </m:sSub>
+                    </m:oMath>
+                  </m:oMathPara>
+                </a14:m>
+                <a:endParaRPr lang="en-US" dirty="0"/>
+              </a:p>
+            </p:txBody>
+          </p:sp>
+        </mc:Choice>
+        <mc:Fallback>
+          <p:sp>
+            <p:nvSpPr>
+              <p:cNvPr id="12" name="TextBox 11">
+                <a:extLst>
+                  <a:ext uri="{FF2B5EF4-FFF2-40B4-BE49-F238E27FC236}">
+                    <a16:creationId xmlns:a16="http://schemas.microsoft.com/office/drawing/2014/main" id="{E7389BB9-5448-5753-ADA9-16C31305461E}"/>
+                  </a:ext>
+                </a:extLst>
+              </p:cNvPr>
+              <p:cNvSpPr txBox="1">
+                <a:spLocks noRot="1" noChangeAspect="1" noMove="1" noResize="1" noEditPoints="1" noAdjustHandles="1" noChangeArrowheads="1" noChangeShapeType="1" noTextEdit="1"/>
+              </p:cNvSpPr>
+              <p:nvPr/>
+            </p:nvSpPr>
+            <p:spPr>
+              <a:xfrm>
+                <a:off x="6920441" y="2528638"/>
+                <a:ext cx="367408" cy="398955"/>
+              </a:xfrm>
+              <a:prstGeom prst="rect">
+                <a:avLst/>
+              </a:prstGeom>
+              <a:blipFill>
+                <a:blip r:embed="rId4"/>
+                <a:stretch>
+                  <a:fillRect l="-11475" r="-13115" b="-27692"/>
+                </a:stretch>
+              </a:blipFill>
+            </p:spPr>
+            <p:txBody>
+              <a:bodyPr/>
+              <a:lstStyle/>
+              <a:p>
+                <a:r>
+                  <a:rPr lang="en-US">
+                    <a:noFill/>
+                  </a:rPr>
+                  <a:t> </a:t>
+                </a:r>
+              </a:p>
+            </p:txBody>
+          </p:sp>
+        </mc:Fallback>
+      </mc:AlternateContent>
+      <p:sp>
+        <p:nvSpPr>
+          <p:cNvPr id="16" name="Arc 15">
+            <a:extLst>
+              <a:ext uri="{FF2B5EF4-FFF2-40B4-BE49-F238E27FC236}">
+                <a16:creationId xmlns:a16="http://schemas.microsoft.com/office/drawing/2014/main" id="{912A77BB-8DE7-DD86-9F9D-5937E110D7C2}"/>
+              </a:ext>
+            </a:extLst>
+          </p:cNvPr>
+          <p:cNvSpPr/>
+          <p:nvPr/>
+        </p:nvSpPr>
+        <p:spPr>
+          <a:xfrm>
+            <a:off x="6159778" y="1981200"/>
+            <a:ext cx="1145301" cy="1143000"/>
+          </a:xfrm>
+          <a:prstGeom prst="arc">
+            <a:avLst>
+              <a:gd name="adj1" fmla="val 11492077"/>
+              <a:gd name="adj2" fmla="val 0"/>
+            </a:avLst>
+          </a:prstGeom>
+          <a:ln w="9525" cap="flat" cmpd="sng" algn="ctr">
+            <a:solidFill>
+              <a:schemeClr val="accent1"/>
+            </a:solidFill>
+            <a:prstDash val="lgDash"/>
+            <a:round/>
+            <a:headEnd type="none" w="med" len="med"/>
+            <a:tailEnd type="triangle" w="med" len="med"/>
+          </a:ln>
+        </p:spPr>
+        <p:style>
+          <a:lnRef idx="0">
+            <a:scrgbClr r="0" g="0" b="0"/>
+          </a:lnRef>
+          <a:fillRef idx="0">
+            <a:scrgbClr r="0" g="0" b="0"/>
+          </a:fillRef>
+          <a:effectRef idx="0">
+            <a:scrgbClr r="0" g="0" b="0"/>
+          </a:effectRef>
+          <a:fontRef idx="minor">
+            <a:schemeClr val="tx1"/>
+          </a:fontRef>
+        </p:style>
+        <p:txBody>
+          <a:bodyPr rtlCol="0" anchor="ctr"/>
+          <a:lstStyle/>
+          <a:p>
+            <a:pPr algn="ctr"/>
+            <a:endParaRPr lang="en-US"/>
+          </a:p>
+        </p:txBody>
+      </p:sp>
+      <mc:AlternateContent xmlns:mc="http://schemas.openxmlformats.org/markup-compatibility/2006">
+        <mc:Choice xmlns:a14="http://schemas.microsoft.com/office/drawing/2010/main" Requires="a14">
+          <p:sp>
+            <p:nvSpPr>
+              <p:cNvPr id="17" name="TextBox 16">
+                <a:extLst>
+                  <a:ext uri="{FF2B5EF4-FFF2-40B4-BE49-F238E27FC236}">
+                    <a16:creationId xmlns:a16="http://schemas.microsoft.com/office/drawing/2014/main" id="{542BC376-8D27-18E2-ABAE-DE68A60FE382}"/>
+                  </a:ext>
+                </a:extLst>
+              </p:cNvPr>
+              <p:cNvSpPr txBox="1"/>
+              <p:nvPr/>
+            </p:nvSpPr>
+            <p:spPr>
+              <a:xfrm>
+                <a:off x="6566614" y="1534072"/>
+                <a:ext cx="426527" cy="398955"/>
+              </a:xfrm>
+              <a:prstGeom prst="rect">
+                <a:avLst/>
+              </a:prstGeom>
+              <a:noFill/>
+            </p:spPr>
+            <p:txBody>
+              <a:bodyPr wrap="none" lIns="0" tIns="0" rIns="0" bIns="0" rtlCol="0">
+                <a:spAutoFit/>
+              </a:bodyPr>
+              <a:lstStyle/>
+              <a:p>
+                <a14:m>
+                  <m:oMathPara xmlns:m="http://schemas.openxmlformats.org/officeDocument/2006/math">
+                    <m:oMathParaPr>
+                      <m:jc m:val="centerGroup"/>
+                    </m:oMathParaPr>
+                    <m:oMath xmlns:m="http://schemas.openxmlformats.org/officeDocument/2006/math">
+                      <m:sSub>
+                        <m:sSubPr>
+                          <m:ctrlPr>
+                            <a:rPr lang="en-US" sz="2400" i="1" smtClean="0">
+                              <a:solidFill>
+                                <a:schemeClr val="accent1"/>
+                              </a:solidFill>
+                              <a:latin typeface="Cambria Math" panose="02040503050406030204" pitchFamily="18" charset="0"/>
+                            </a:rPr>
+                          </m:ctrlPr>
+                        </m:sSubPr>
+                        <m:e>
+                          <m:r>
+                            <a:rPr lang="en-US" sz="2400" i="1" smtClean="0">
+                              <a:solidFill>
+                                <a:schemeClr val="accent1"/>
+                              </a:solidFill>
+                              <a:latin typeface="Cambria Math" panose="02040503050406030204" pitchFamily="18" charset="0"/>
+                              <a:ea typeface="Cambria Math" panose="02040503050406030204" pitchFamily="18" charset="0"/>
+                            </a:rPr>
+                            <m:t>𝜔</m:t>
+                          </m:r>
+                        </m:e>
+                        <m:sub>
+                          <m:r>
+                            <a:rPr lang="en-US" sz="2400" b="0" i="1" smtClean="0">
+                              <a:solidFill>
+                                <a:schemeClr val="accent1"/>
+                              </a:solidFill>
+                              <a:latin typeface="Cambria Math" panose="02040503050406030204" pitchFamily="18" charset="0"/>
+                            </a:rPr>
+                            <m:t>𝑓</m:t>
+                          </m:r>
+                        </m:sub>
+                      </m:sSub>
+                    </m:oMath>
+                  </m:oMathPara>
+                </a14:m>
+                <a:endParaRPr lang="en-US" dirty="0"/>
+              </a:p>
+            </p:txBody>
+          </p:sp>
+        </mc:Choice>
+        <mc:Fallback>
+          <p:sp>
+            <p:nvSpPr>
+              <p:cNvPr id="17" name="TextBox 16">
+                <a:extLst>
+                  <a:ext uri="{FF2B5EF4-FFF2-40B4-BE49-F238E27FC236}">
+                    <a16:creationId xmlns:a16="http://schemas.microsoft.com/office/drawing/2014/main" id="{542BC376-8D27-18E2-ABAE-DE68A60FE382}"/>
+                  </a:ext>
+                </a:extLst>
+              </p:cNvPr>
+              <p:cNvSpPr txBox="1">
+                <a:spLocks noRot="1" noChangeAspect="1" noMove="1" noResize="1" noEditPoints="1" noAdjustHandles="1" noChangeArrowheads="1" noChangeShapeType="1" noTextEdit="1"/>
+              </p:cNvSpPr>
+              <p:nvPr/>
+            </p:nvSpPr>
+            <p:spPr>
+              <a:xfrm>
+                <a:off x="6566614" y="1534072"/>
+                <a:ext cx="426527" cy="398955"/>
+              </a:xfrm>
+              <a:prstGeom prst="rect">
+                <a:avLst/>
+              </a:prstGeom>
+              <a:blipFill>
+                <a:blip r:embed="rId5"/>
+                <a:stretch>
+                  <a:fillRect l="-8571" r="-11429" b="-27692"/>
+                </a:stretch>
+              </a:blipFill>
+            </p:spPr>
+            <p:txBody>
+              <a:bodyPr/>
+              <a:lstStyle/>
+              <a:p>
+                <a:r>
+                  <a:rPr lang="en-US">
+                    <a:noFill/>
+                  </a:rPr>
+                  <a:t> </a:t>
+                </a:r>
+              </a:p>
+            </p:txBody>
+          </p:sp>
+        </mc:Fallback>
+      </mc:AlternateContent>
+      <p:sp>
+        <p:nvSpPr>
           <p:cNvPr id="3" name="Content Placeholder 2">
             <a:extLst>
               <a:ext uri="{FF2B5EF4-FFF2-40B4-BE49-F238E27FC236}">
@@ -4431,53 +5106,6 @@
           </a:p>
         </p:txBody>
       </p:sp>
-      <p:pic>
-        <p:nvPicPr>
-          <p:cNvPr id="2050" name="Picture 2" descr="A wrench dropped on a rigid floor">
-            <a:extLst>
-              <a:ext uri="{FF2B5EF4-FFF2-40B4-BE49-F238E27FC236}">
-                <a16:creationId xmlns:a16="http://schemas.microsoft.com/office/drawing/2014/main" id="{BD0F55E3-F3AA-40A5-8037-E20CD0260E9D}"/>
-              </a:ext>
-            </a:extLst>
-          </p:cNvPr>
-          <p:cNvPicPr>
-            <a:picLocks noChangeAspect="1" noChangeArrowheads="1"/>
-          </p:cNvPicPr>
-          <p:nvPr/>
-        </p:nvPicPr>
-        <p:blipFill>
-          <a:blip r:embed="rId2">
-            <a:extLst>
-              <a:ext uri="{28A0092B-C50C-407E-A947-70E740481C1C}">
-                <a14:useLocalDpi xmlns:a14="http://schemas.microsoft.com/office/drawing/2010/main" val="0"/>
-              </a:ext>
-            </a:extLst>
-          </a:blip>
-          <a:srcRect/>
-          <a:stretch>
-            <a:fillRect/>
-          </a:stretch>
-        </p:blipFill>
-        <p:spPr bwMode="auto">
-          <a:xfrm>
-            <a:off x="4933950" y="2285999"/>
-            <a:ext cx="3714750" cy="2790825"/>
-          </a:xfrm>
-          <a:prstGeom prst="rect">
-            <a:avLst/>
-          </a:prstGeom>
-          <a:noFill/>
-          <a:extLst>
-            <a:ext uri="{909E8E84-426E-40DD-AFC4-6F175D3DCCD1}">
-              <a14:hiddenFill xmlns:a14="http://schemas.microsoft.com/office/drawing/2010/main">
-                <a:solidFill>
-                  <a:srgbClr val="FFFFFF"/>
-                </a:solidFill>
-              </a14:hiddenFill>
-            </a:ext>
-          </a:extLst>
-        </p:spPr>
-      </p:pic>
     </p:spTree>
     <p:extLst>
       <p:ext uri="{BB962C8B-B14F-4D97-AF65-F5344CB8AC3E}">
@@ -4558,7 +5186,7 @@
                             </p:stCondLst>
                             <p:childTnLst>
                               <p:par>
-                                <p:cTn id="9" presetID="10" presetClass="entr" presetSubtype="0" fill="hold" nodeType="clickEffect">
+                                <p:cTn id="9" presetID="10" presetClass="entr" presetSubtype="0" fill="hold" grpId="0" nodeType="clickEffect">
                                   <p:stCondLst>
                                     <p:cond delay="0"/>
                                   </p:stCondLst>
@@ -4571,7 +5199,7 @@
                                           </p:stCondLst>
                                         </p:cTn>
                                         <p:tgtEl>
-                                          <p:spTgt spid="2050"/>
+                                          <p:spTgt spid="4"/>
                                         </p:tgtEl>
                                         <p:attrNameLst>
                                           <p:attrName>style.visibility</p:attrName>
@@ -4585,7 +5213,288 @@
                                       <p:cBhvr>
                                         <p:cTn id="11" dur="500"/>
                                         <p:tgtEl>
-                                          <p:spTgt spid="2050"/>
+                                          <p:spTgt spid="4"/>
+                                        </p:tgtEl>
+                                      </p:cBhvr>
+                                    </p:animEffect>
+                                  </p:childTnLst>
+                                </p:cTn>
+                              </p:par>
+                              <p:par>
+                                <p:cTn id="12" presetID="10" presetClass="entr" presetSubtype="0" fill="hold" nodeType="withEffect">
+                                  <p:stCondLst>
+                                    <p:cond delay="0"/>
+                                  </p:stCondLst>
+                                  <p:childTnLst>
+                                    <p:set>
+                                      <p:cBhvr>
+                                        <p:cTn id="13" dur="1" fill="hold">
+                                          <p:stCondLst>
+                                            <p:cond delay="0"/>
+                                          </p:stCondLst>
+                                        </p:cTn>
+                                        <p:tgtEl>
+                                          <p:spTgt spid="1026"/>
+                                        </p:tgtEl>
+                                        <p:attrNameLst>
+                                          <p:attrName>style.visibility</p:attrName>
+                                        </p:attrNameLst>
+                                      </p:cBhvr>
+                                      <p:to>
+                                        <p:strVal val="visible"/>
+                                      </p:to>
+                                    </p:set>
+                                    <p:animEffect transition="in" filter="fade">
+                                      <p:cBhvr>
+                                        <p:cTn id="14" dur="500"/>
+                                        <p:tgtEl>
+                                          <p:spTgt spid="1026"/>
+                                        </p:tgtEl>
+                                      </p:cBhvr>
+                                    </p:animEffect>
+                                  </p:childTnLst>
+                                </p:cTn>
+                              </p:par>
+                            </p:childTnLst>
+                          </p:cTn>
+                        </p:par>
+                      </p:childTnLst>
+                    </p:cTn>
+                  </p:par>
+                  <p:par>
+                    <p:cTn id="15" fill="hold">
+                      <p:stCondLst>
+                        <p:cond delay="indefinite"/>
+                      </p:stCondLst>
+                      <p:childTnLst>
+                        <p:par>
+                          <p:cTn id="16" fill="hold">
+                            <p:stCondLst>
+                              <p:cond delay="0"/>
+                            </p:stCondLst>
+                            <p:childTnLst>
+                              <p:par>
+                                <p:cTn id="17" presetID="10" presetClass="entr" presetSubtype="0" fill="hold" nodeType="clickEffect">
+                                  <p:stCondLst>
+                                    <p:cond delay="0"/>
+                                  </p:stCondLst>
+                                  <p:childTnLst>
+                                    <p:set>
+                                      <p:cBhvr>
+                                        <p:cTn id="18" dur="1" fill="hold">
+                                          <p:stCondLst>
+                                            <p:cond delay="0"/>
+                                          </p:stCondLst>
+                                        </p:cTn>
+                                        <p:tgtEl>
+                                          <p:spTgt spid="6"/>
+                                        </p:tgtEl>
+                                        <p:attrNameLst>
+                                          <p:attrName>style.visibility</p:attrName>
+                                        </p:attrNameLst>
+                                      </p:cBhvr>
+                                      <p:to>
+                                        <p:strVal val="visible"/>
+                                      </p:to>
+                                    </p:set>
+                                    <p:animEffect transition="in" filter="fade">
+                                      <p:cBhvr>
+                                        <p:cTn id="19" dur="500"/>
+                                        <p:tgtEl>
+                                          <p:spTgt spid="6"/>
+                                        </p:tgtEl>
+                                      </p:cBhvr>
+                                    </p:animEffect>
+                                  </p:childTnLst>
+                                </p:cTn>
+                              </p:par>
+                              <p:par>
+                                <p:cTn id="20" presetID="10" presetClass="entr" presetSubtype="0" fill="hold" grpId="0" nodeType="withEffect">
+                                  <p:stCondLst>
+                                    <p:cond delay="0"/>
+                                  </p:stCondLst>
+                                  <p:childTnLst>
+                                    <p:set>
+                                      <p:cBhvr>
+                                        <p:cTn id="21" dur="1" fill="hold">
+                                          <p:stCondLst>
+                                            <p:cond delay="0"/>
+                                          </p:stCondLst>
+                                        </p:cTn>
+                                        <p:tgtEl>
+                                          <p:spTgt spid="10"/>
+                                        </p:tgtEl>
+                                        <p:attrNameLst>
+                                          <p:attrName>style.visibility</p:attrName>
+                                        </p:attrNameLst>
+                                      </p:cBhvr>
+                                      <p:to>
+                                        <p:strVal val="visible"/>
+                                      </p:to>
+                                    </p:set>
+                                    <p:animEffect transition="in" filter="fade">
+                                      <p:cBhvr>
+                                        <p:cTn id="22" dur="500"/>
+                                        <p:tgtEl>
+                                          <p:spTgt spid="10"/>
+                                        </p:tgtEl>
+                                      </p:cBhvr>
+                                    </p:animEffect>
+                                  </p:childTnLst>
+                                </p:cTn>
+                              </p:par>
+                            </p:childTnLst>
+                          </p:cTn>
+                        </p:par>
+                      </p:childTnLst>
+                    </p:cTn>
+                  </p:par>
+                  <p:par>
+                    <p:cTn id="23" fill="hold">
+                      <p:stCondLst>
+                        <p:cond delay="indefinite"/>
+                      </p:stCondLst>
+                      <p:childTnLst>
+                        <p:par>
+                          <p:cTn id="24" fill="hold">
+                            <p:stCondLst>
+                              <p:cond delay="0"/>
+                            </p:stCondLst>
+                            <p:childTnLst>
+                              <p:par>
+                                <p:cTn id="25" presetID="10" presetClass="entr" presetSubtype="0" fill="hold" nodeType="clickEffect">
+                                  <p:stCondLst>
+                                    <p:cond delay="0"/>
+                                  </p:stCondLst>
+                                  <p:childTnLst>
+                                    <p:set>
+                                      <p:cBhvr>
+                                        <p:cTn id="26" dur="1" fill="hold">
+                                          <p:stCondLst>
+                                            <p:cond delay="0"/>
+                                          </p:stCondLst>
+                                        </p:cTn>
+                                        <p:tgtEl>
+                                          <p:spTgt spid="11"/>
+                                        </p:tgtEl>
+                                        <p:attrNameLst>
+                                          <p:attrName>style.visibility</p:attrName>
+                                        </p:attrNameLst>
+                                      </p:cBhvr>
+                                      <p:to>
+                                        <p:strVal val="visible"/>
+                                      </p:to>
+                                    </p:set>
+                                    <p:animEffect transition="in" filter="fade">
+                                      <p:cBhvr>
+                                        <p:cTn id="27" dur="500"/>
+                                        <p:tgtEl>
+                                          <p:spTgt spid="11"/>
+                                        </p:tgtEl>
+                                      </p:cBhvr>
+                                    </p:animEffect>
+                                  </p:childTnLst>
+                                </p:cTn>
+                              </p:par>
+                              <p:par>
+                                <p:cTn id="28" presetID="10" presetClass="entr" presetSubtype="0" fill="hold" grpId="0" nodeType="withEffect">
+                                  <p:stCondLst>
+                                    <p:cond delay="0"/>
+                                  </p:stCondLst>
+                                  <p:childTnLst>
+                                    <p:set>
+                                      <p:cBhvr>
+                                        <p:cTn id="29" dur="1" fill="hold">
+                                          <p:stCondLst>
+                                            <p:cond delay="0"/>
+                                          </p:stCondLst>
+                                        </p:cTn>
+                                        <p:tgtEl>
+                                          <p:spTgt spid="12"/>
+                                        </p:tgtEl>
+                                        <p:attrNameLst>
+                                          <p:attrName>style.visibility</p:attrName>
+                                        </p:attrNameLst>
+                                      </p:cBhvr>
+                                      <p:to>
+                                        <p:strVal val="visible"/>
+                                      </p:to>
+                                    </p:set>
+                                    <p:animEffect transition="in" filter="fade">
+                                      <p:cBhvr>
+                                        <p:cTn id="30" dur="500"/>
+                                        <p:tgtEl>
+                                          <p:spTgt spid="12"/>
+                                        </p:tgtEl>
+                                      </p:cBhvr>
+                                    </p:animEffect>
+                                  </p:childTnLst>
+                                </p:cTn>
+                              </p:par>
+                              <p:par>
+                                <p:cTn id="31" presetID="10" presetClass="entr" presetSubtype="0" fill="hold" grpId="0" nodeType="withEffect">
+                                  <p:stCondLst>
+                                    <p:cond delay="0"/>
+                                  </p:stCondLst>
+                                  <p:childTnLst>
+                                    <p:set>
+                                      <p:cBhvr>
+                                        <p:cTn id="32" dur="1" fill="hold">
+                                          <p:stCondLst>
+                                            <p:cond delay="0"/>
+                                          </p:stCondLst>
+                                        </p:cTn>
+                                        <p:tgtEl>
+                                          <p:spTgt spid="16"/>
+                                        </p:tgtEl>
+                                        <p:attrNameLst>
+                                          <p:attrName>style.visibility</p:attrName>
+                                        </p:attrNameLst>
+                                      </p:cBhvr>
+                                      <p:to>
+                                        <p:strVal val="visible"/>
+                                      </p:to>
+                                    </p:set>
+                                    <p:animEffect transition="in" filter="fade">
+                                      <p:cBhvr>
+                                        <p:cTn id="33" dur="500"/>
+                                        <p:tgtEl>
+                                          <p:spTgt spid="16"/>
+                                        </p:tgtEl>
+                                      </p:cBhvr>
+                                    </p:animEffect>
+                                  </p:childTnLst>
+                                </p:cTn>
+                              </p:par>
+                              <p:par>
+                                <p:cTn id="34" presetID="10" presetClass="entr" presetSubtype="0" fill="hold" grpId="0" nodeType="withEffect">
+                                  <p:stCondLst>
+                                    <p:cond delay="0"/>
+                                  </p:stCondLst>
+                                  <p:childTnLst>
+                                    <p:set>
+                                      <p:cBhvr>
+                                        <p:cTn id="35" dur="1" fill="hold">
+                                          <p:stCondLst>
+                                            <p:cond delay="0"/>
+                                          </p:stCondLst>
+                                        </p:cTn>
+                                        <p:tgtEl>
+                                          <p:spTgt spid="17"/>
+                                        </p:tgtEl>
+                                        <p:attrNameLst>
+                                          <p:attrName>style.visibility</p:attrName>
+                                        </p:attrNameLst>
+                                      </p:cBhvr>
+                                      <p:to>
+                                        <p:strVal val="visible"/>
+                                      </p:to>
+                                    </p:set>
+                                    <p:animEffect transition="in" filter="fade">
+                                      <p:cBhvr>
+                                        <p:cTn id="36" dur="500"/>
+                                        <p:tgtEl>
+                                          <p:spTgt spid="17"/>
                                         </p:tgtEl>
                                       </p:cBhvr>
                                     </p:animEffect>
@@ -4620,7 +5529,12 @@
       </p:par>
     </p:tnLst>
     <p:bldLst>
-      <p:bldP spid="3" grpId="0" uiExpand="1" build="p"/>
+      <p:bldP spid="4" grpId="0" animBg="1"/>
+      <p:bldP spid="10" grpId="0"/>
+      <p:bldP spid="12" grpId="0"/>
+      <p:bldP spid="16" grpId="0" animBg="1"/>
+      <p:bldP spid="17" grpId="0"/>
+      <p:bldP spid="3" grpId="0" build="p"/>
     </p:bldLst>
   </p:timing>
 </p:sld>
@@ -5099,6 +6013,279 @@
       </p:sp>
       <p:sp>
         <p:nvSpPr>
+          <p:cNvPr id="4" name="Slide Number Placeholder 3">
+            <a:extLst>
+              <a:ext uri="{FF2B5EF4-FFF2-40B4-BE49-F238E27FC236}">
+                <a16:creationId xmlns:a16="http://schemas.microsoft.com/office/drawing/2014/main" id="{9BB3DA46-FC30-4BC3-BB3B-F0EA9E371B04}"/>
+              </a:ext>
+            </a:extLst>
+          </p:cNvPr>
+          <p:cNvSpPr>
+            <a:spLocks noGrp="1"/>
+          </p:cNvSpPr>
+          <p:nvPr>
+            <p:ph type="sldNum" sz="quarter" idx="12"/>
+          </p:nvPr>
+        </p:nvSpPr>
+        <p:spPr/>
+        <p:txBody>
+          <a:bodyPr/>
+          <a:lstStyle/>
+          <a:p>
+            <a:fld id="{929262FE-7F58-4A1E-8AF3-5A510A86DEBD}" type="slidenum">
+              <a:rPr lang="en-US" smtClean="0"/>
+              <a:t>4</a:t>
+            </a:fld>
+            <a:endParaRPr lang="en-US" dirty="0"/>
+          </a:p>
+        </p:txBody>
+      </p:sp>
+      <p:sp>
+        <p:nvSpPr>
+          <p:cNvPr id="8" name="Frame 7">
+            <a:extLst>
+              <a:ext uri="{FF2B5EF4-FFF2-40B4-BE49-F238E27FC236}">
+                <a16:creationId xmlns:a16="http://schemas.microsoft.com/office/drawing/2014/main" id="{D4A244C2-AE92-CF71-63D8-67892ECAFDF8}"/>
+              </a:ext>
+            </a:extLst>
+          </p:cNvPr>
+          <p:cNvSpPr/>
+          <p:nvPr/>
+        </p:nvSpPr>
+        <p:spPr>
+          <a:xfrm>
+            <a:off x="4090114" y="1515022"/>
+            <a:ext cx="4953000" cy="4876800"/>
+          </a:xfrm>
+          <a:prstGeom prst="frame">
+            <a:avLst>
+              <a:gd name="adj1" fmla="val 17383"/>
+            </a:avLst>
+          </a:prstGeom>
+          <a:solidFill>
+            <a:schemeClr val="bg1"/>
+          </a:solidFill>
+          <a:effectLst>
+            <a:softEdge rad="127000"/>
+          </a:effectLst>
+        </p:spPr>
+        <p:style>
+          <a:lnRef idx="2">
+            <a:schemeClr val="accent1">
+              <a:shade val="50000"/>
+            </a:schemeClr>
+          </a:lnRef>
+          <a:fillRef idx="1">
+            <a:schemeClr val="accent1"/>
+          </a:fillRef>
+          <a:effectRef idx="0">
+            <a:schemeClr val="accent1"/>
+          </a:effectRef>
+          <a:fontRef idx="minor">
+            <a:schemeClr val="lt1"/>
+          </a:fontRef>
+        </p:style>
+        <p:txBody>
+          <a:bodyPr rtlCol="0" anchor="ctr"/>
+          <a:lstStyle/>
+          <a:p>
+            <a:pPr algn="ctr"/>
+            <a:endParaRPr lang="en-US" dirty="0">
+              <a:solidFill>
+                <a:schemeClr val="tx1"/>
+              </a:solidFill>
+            </a:endParaRPr>
+          </a:p>
+        </p:txBody>
+      </p:sp>
+      <p:grpSp>
+        <p:nvGrpSpPr>
+          <p:cNvPr id="33" name="Group 32">
+            <a:extLst>
+              <a:ext uri="{FF2B5EF4-FFF2-40B4-BE49-F238E27FC236}">
+                <a16:creationId xmlns:a16="http://schemas.microsoft.com/office/drawing/2014/main" id="{68A44B14-13E0-6E5C-307F-4C04AF30E7C6}"/>
+              </a:ext>
+            </a:extLst>
+          </p:cNvPr>
+          <p:cNvGrpSpPr/>
+          <p:nvPr/>
+        </p:nvGrpSpPr>
+        <p:grpSpPr>
+          <a:xfrm>
+            <a:off x="4090114" y="1515022"/>
+            <a:ext cx="4953000" cy="4876800"/>
+            <a:chOff x="4090114" y="1515022"/>
+            <a:chExt cx="4953000" cy="4876800"/>
+          </a:xfrm>
+        </p:grpSpPr>
+        <p:sp>
+          <p:nvSpPr>
+            <p:cNvPr id="10" name="Rectangle 9">
+              <a:extLst>
+                <a:ext uri="{FF2B5EF4-FFF2-40B4-BE49-F238E27FC236}">
+                  <a16:creationId xmlns:a16="http://schemas.microsoft.com/office/drawing/2014/main" id="{A4DAD9DB-FC73-5FCD-67BA-9BF3711FC374}"/>
+                </a:ext>
+              </a:extLst>
+            </p:cNvPr>
+            <p:cNvSpPr/>
+            <p:nvPr/>
+          </p:nvSpPr>
+          <p:spPr>
+            <a:xfrm>
+              <a:off x="4547314" y="4372522"/>
+              <a:ext cx="3962400" cy="1676400"/>
+            </a:xfrm>
+            <a:prstGeom prst="rect">
+              <a:avLst/>
+            </a:prstGeom>
+            <a:solidFill>
+              <a:schemeClr val="bg2">
+                <a:lumMod val="75000"/>
+              </a:schemeClr>
+            </a:solidFill>
+            <a:ln>
+              <a:noFill/>
+            </a:ln>
+          </p:spPr>
+          <p:style>
+            <a:lnRef idx="2">
+              <a:schemeClr val="accent1">
+                <a:shade val="50000"/>
+              </a:schemeClr>
+            </a:lnRef>
+            <a:fillRef idx="1">
+              <a:schemeClr val="accent1"/>
+            </a:fillRef>
+            <a:effectRef idx="0">
+              <a:schemeClr val="accent1"/>
+            </a:effectRef>
+            <a:fontRef idx="minor">
+              <a:schemeClr val="lt1"/>
+            </a:fontRef>
+          </p:style>
+          <p:txBody>
+            <a:bodyPr rtlCol="0" anchor="ctr"/>
+            <a:lstStyle/>
+            <a:p>
+              <a:pPr algn="ctr"/>
+              <a:endParaRPr lang="en-US"/>
+            </a:p>
+          </p:txBody>
+        </p:sp>
+        <p:sp>
+          <p:nvSpPr>
+            <p:cNvPr id="11" name="Frame 10">
+              <a:extLst>
+                <a:ext uri="{FF2B5EF4-FFF2-40B4-BE49-F238E27FC236}">
+                  <a16:creationId xmlns:a16="http://schemas.microsoft.com/office/drawing/2014/main" id="{6BD9615C-2963-0313-3333-A144B006F183}"/>
+                </a:ext>
+              </a:extLst>
+            </p:cNvPr>
+            <p:cNvSpPr/>
+            <p:nvPr/>
+          </p:nvSpPr>
+          <p:spPr>
+            <a:xfrm>
+              <a:off x="4090114" y="1515022"/>
+              <a:ext cx="4953000" cy="4876800"/>
+            </a:xfrm>
+            <a:prstGeom prst="frame">
+              <a:avLst>
+                <a:gd name="adj1" fmla="val 17383"/>
+              </a:avLst>
+            </a:prstGeom>
+            <a:solidFill>
+              <a:schemeClr val="bg1"/>
+            </a:solidFill>
+            <a:ln>
+              <a:noFill/>
+            </a:ln>
+            <a:effectLst>
+              <a:softEdge rad="127000"/>
+            </a:effectLst>
+          </p:spPr>
+          <p:style>
+            <a:lnRef idx="2">
+              <a:schemeClr val="accent1">
+                <a:shade val="50000"/>
+              </a:schemeClr>
+            </a:lnRef>
+            <a:fillRef idx="1">
+              <a:schemeClr val="accent1"/>
+            </a:fillRef>
+            <a:effectRef idx="0">
+              <a:schemeClr val="accent1"/>
+            </a:effectRef>
+            <a:fontRef idx="minor">
+              <a:schemeClr val="lt1"/>
+            </a:fontRef>
+          </p:style>
+          <p:txBody>
+            <a:bodyPr rtlCol="0" anchor="ctr"/>
+            <a:lstStyle/>
+            <a:p>
+              <a:pPr algn="ctr"/>
+              <a:endParaRPr lang="en-US" dirty="0">
+                <a:solidFill>
+                  <a:schemeClr val="tx1"/>
+                </a:solidFill>
+              </a:endParaRPr>
+            </a:p>
+          </p:txBody>
+        </p:sp>
+        <p:pic>
+          <p:nvPicPr>
+            <p:cNvPr id="12" name="Picture 2" descr="Vector clip art of metal adjustable wrench">
+              <a:extLst>
+                <a:ext uri="{FF2B5EF4-FFF2-40B4-BE49-F238E27FC236}">
+                  <a16:creationId xmlns:a16="http://schemas.microsoft.com/office/drawing/2014/main" id="{62FC2D0F-F92A-B840-194D-ED261F92E622}"/>
+                </a:ext>
+              </a:extLst>
+            </p:cNvPr>
+            <p:cNvPicPr>
+              <a:picLocks noChangeAspect="1" noChangeArrowheads="1"/>
+            </p:cNvPicPr>
+            <p:nvPr/>
+          </p:nvPicPr>
+          <p:blipFill>
+            <a:blip r:embed="rId2">
+              <a:extLst>
+                <a:ext uri="{28A0092B-C50C-407E-A947-70E740481C1C}">
+                  <a14:useLocalDpi xmlns:a14="http://schemas.microsoft.com/office/drawing/2010/main" val="0"/>
+                </a:ext>
+              </a:extLst>
+            </a:blip>
+            <a:srcRect/>
+            <a:stretch>
+              <a:fillRect/>
+            </a:stretch>
+          </p:blipFill>
+          <p:spPr bwMode="auto">
+            <a:xfrm rot="16200000">
+              <a:off x="5566917" y="2382224"/>
+              <a:ext cx="2514600" cy="2514600"/>
+            </a:xfrm>
+            <a:prstGeom prst="rect">
+              <a:avLst/>
+            </a:prstGeom>
+            <a:noFill/>
+            <a:ln>
+              <a:noFill/>
+            </a:ln>
+            <a:extLst>
+              <a:ext uri="{909E8E84-426E-40DD-AFC4-6F175D3DCCD1}">
+                <a14:hiddenFill xmlns:a14="http://schemas.microsoft.com/office/drawing/2010/main">
+                  <a:solidFill>
+                    <a:srgbClr val="FFFFFF"/>
+                  </a:solidFill>
+                </a14:hiddenFill>
+              </a:ext>
+            </a:extLst>
+          </p:spPr>
+        </p:pic>
+      </p:grpSp>
+      <p:sp>
+        <p:nvSpPr>
           <p:cNvPr id="3" name="Content Placeholder 2">
             <a:extLst>
               <a:ext uri="{FF2B5EF4-FFF2-40B4-BE49-F238E27FC236}">
@@ -5121,7 +6308,7 @@
         </p:spPr>
         <p:txBody>
           <a:bodyPr>
-            <a:normAutofit fontScale="85000" lnSpcReduction="10000"/>
+            <a:normAutofit fontScale="77500" lnSpcReduction="20000"/>
           </a:bodyPr>
           <a:lstStyle/>
           <a:p>
@@ -5141,87 +6328,436 @@
             <a:pPr lvl="1"/>
             <a:r>
               <a:rPr lang="en-US" dirty="0"/>
-              <a:t>The normal direction is perpendicular to the surface and will be in the direction of the impact forces.</a:t>
+              <a:t>The normal direction is perpendicular to the surface </a:t>
             </a:r>
+          </a:p>
+          <a:p>
+            <a:r>
+              <a:rPr lang="en-US" dirty="0"/>
+              <a:t>We will also look specifically at two points</a:t>
+            </a:r>
+          </a:p>
+          <a:p>
+            <a:pPr lvl="1"/>
+            <a:r>
+              <a:rPr lang="en-US" dirty="0"/>
+              <a:t>The center of mass of the body (G)</a:t>
+            </a:r>
+          </a:p>
+          <a:p>
+            <a:pPr lvl="1"/>
+            <a:r>
+              <a:rPr lang="en-US" dirty="0"/>
+              <a:t>The point of impact (P)</a:t>
+            </a:r>
+          </a:p>
+          <a:p>
+            <a:pPr lvl="1"/>
+            <a:endParaRPr lang="en-US" dirty="0"/>
           </a:p>
         </p:txBody>
       </p:sp>
-      <p:sp>
-        <p:nvSpPr>
-          <p:cNvPr id="4" name="Slide Number Placeholder 3">
+      <p:cxnSp>
+        <p:nvCxnSpPr>
+          <p:cNvPr id="20" name="Straight Arrow Connector 19">
             <a:extLst>
               <a:ext uri="{FF2B5EF4-FFF2-40B4-BE49-F238E27FC236}">
-                <a16:creationId xmlns:a16="http://schemas.microsoft.com/office/drawing/2014/main" id="{9BB3DA46-FC30-4BC3-BB3B-F0EA9E371B04}"/>
+                <a16:creationId xmlns:a16="http://schemas.microsoft.com/office/drawing/2014/main" id="{BDF95259-ED95-6665-4BA3-C09DAA524436}"/>
               </a:ext>
             </a:extLst>
           </p:cNvPr>
-          <p:cNvSpPr>
-            <a:spLocks noGrp="1"/>
-          </p:cNvSpPr>
-          <p:nvPr>
-            <p:ph type="sldNum" sz="quarter" idx="12"/>
-          </p:nvPr>
-        </p:nvSpPr>
-        <p:spPr/>
-        <p:txBody>
-          <a:bodyPr/>
-          <a:lstStyle/>
-          <a:p>
-            <a:fld id="{929262FE-7F58-4A1E-8AF3-5A510A86DEBD}" type="slidenum">
-              <a:rPr lang="en-US" smtClean="0"/>
-              <a:t>4</a:t>
-            </a:fld>
-            <a:endParaRPr lang="en-US" dirty="0"/>
-          </a:p>
-        </p:txBody>
-      </p:sp>
-      <p:pic>
-        <p:nvPicPr>
-          <p:cNvPr id="5" name="Picture 2" descr="A wrench dropped on a rigid floor">
+          <p:cNvCxnSpPr/>
+          <p:nvPr/>
+        </p:nvCxnSpPr>
+        <p:spPr>
+          <a:xfrm>
+            <a:off x="5943600" y="4372522"/>
+            <a:ext cx="914400" cy="0"/>
+          </a:xfrm>
+          <a:prstGeom prst="straightConnector1">
+            <a:avLst/>
+          </a:prstGeom>
+          <a:ln>
+            <a:tailEnd type="triangle"/>
+          </a:ln>
+        </p:spPr>
+        <p:style>
+          <a:lnRef idx="2">
+            <a:schemeClr val="dk1"/>
+          </a:lnRef>
+          <a:fillRef idx="0">
+            <a:schemeClr val="dk1"/>
+          </a:fillRef>
+          <a:effectRef idx="1">
+            <a:schemeClr val="dk1"/>
+          </a:effectRef>
+          <a:fontRef idx="minor">
+            <a:schemeClr val="tx1"/>
+          </a:fontRef>
+        </p:style>
+      </p:cxnSp>
+      <p:cxnSp>
+        <p:nvCxnSpPr>
+          <p:cNvPr id="21" name="Straight Arrow Connector 20">
             <a:extLst>
               <a:ext uri="{FF2B5EF4-FFF2-40B4-BE49-F238E27FC236}">
-                <a16:creationId xmlns:a16="http://schemas.microsoft.com/office/drawing/2014/main" id="{C7C20865-EED8-468C-9F12-9F9A051A017F}"/>
+                <a16:creationId xmlns:a16="http://schemas.microsoft.com/office/drawing/2014/main" id="{52FA43C5-2878-6298-13B0-34B474DAFB02}"/>
               </a:ext>
             </a:extLst>
           </p:cNvPr>
-          <p:cNvPicPr>
-            <a:picLocks noChangeAspect="1" noChangeArrowheads="1"/>
-          </p:cNvPicPr>
+          <p:cNvCxnSpPr>
+            <a:cxnSpLocks/>
+          </p:cNvCxnSpPr>
           <p:nvPr/>
-        </p:nvPicPr>
-        <p:blipFill>
-          <a:blip r:embed="rId2">
+        </p:nvCxnSpPr>
+        <p:spPr>
+          <a:xfrm flipV="1">
+            <a:off x="5943600" y="3057525"/>
+            <a:ext cx="0" cy="1324522"/>
+          </a:xfrm>
+          <a:prstGeom prst="straightConnector1">
+            <a:avLst/>
+          </a:prstGeom>
+          <a:ln>
+            <a:tailEnd type="triangle"/>
+          </a:ln>
+        </p:spPr>
+        <p:style>
+          <a:lnRef idx="2">
+            <a:schemeClr val="dk1"/>
+          </a:lnRef>
+          <a:fillRef idx="0">
+            <a:schemeClr val="dk1"/>
+          </a:fillRef>
+          <a:effectRef idx="1">
+            <a:schemeClr val="dk1"/>
+          </a:effectRef>
+          <a:fontRef idx="minor">
+            <a:schemeClr val="tx1"/>
+          </a:fontRef>
+        </p:style>
+      </p:cxnSp>
+      <p:sp>
+        <p:nvSpPr>
+          <p:cNvPr id="24" name="TextBox 23">
             <a:extLst>
-              <a:ext uri="{28A0092B-C50C-407E-A947-70E740481C1C}">
-                <a14:useLocalDpi xmlns:a14="http://schemas.microsoft.com/office/drawing/2010/main" val="0"/>
+              <a:ext uri="{FF2B5EF4-FFF2-40B4-BE49-F238E27FC236}">
+                <a16:creationId xmlns:a16="http://schemas.microsoft.com/office/drawing/2014/main" id="{00742FDC-460B-AA6B-A07E-FAFD7D8F76F5}"/>
               </a:ext>
             </a:extLst>
-          </a:blip>
-          <a:srcRect/>
-          <a:stretch>
-            <a:fillRect/>
-          </a:stretch>
-        </p:blipFill>
-        <p:spPr bwMode="auto">
+          </p:cNvPr>
+          <p:cNvSpPr txBox="1"/>
+          <p:nvPr/>
+        </p:nvSpPr>
+        <p:spPr>
           <a:xfrm>
-            <a:off x="4933950" y="2285999"/>
-            <a:ext cx="3714750" cy="2790825"/>
+            <a:off x="6777287" y="4342827"/>
+            <a:ext cx="261610" cy="369332"/>
           </a:xfrm>
           <a:prstGeom prst="rect">
             <a:avLst/>
           </a:prstGeom>
           <a:noFill/>
-          <a:extLst>
-            <a:ext uri="{909E8E84-426E-40DD-AFC4-6F175D3DCCD1}">
-              <a14:hiddenFill xmlns:a14="http://schemas.microsoft.com/office/drawing/2010/main">
+        </p:spPr>
+        <p:txBody>
+          <a:bodyPr wrap="none" rtlCol="0">
+            <a:spAutoFit/>
+          </a:bodyPr>
+          <a:lstStyle/>
+          <a:p>
+            <a:r>
+              <a:rPr lang="en-US" dirty="0"/>
+              <a:t>t</a:t>
+            </a:r>
+          </a:p>
+        </p:txBody>
+      </p:sp>
+      <p:sp>
+        <p:nvSpPr>
+          <p:cNvPr id="25" name="TextBox 24">
+            <a:extLst>
+              <a:ext uri="{FF2B5EF4-FFF2-40B4-BE49-F238E27FC236}">
+                <a16:creationId xmlns:a16="http://schemas.microsoft.com/office/drawing/2014/main" id="{B58B51CB-065C-4A9F-96DC-AFA75CD8A545}"/>
+              </a:ext>
+            </a:extLst>
+          </p:cNvPr>
+          <p:cNvSpPr txBox="1"/>
+          <p:nvPr/>
+        </p:nvSpPr>
+        <p:spPr>
+          <a:xfrm>
+            <a:off x="5790353" y="2602468"/>
+            <a:ext cx="306494" cy="369332"/>
+          </a:xfrm>
+          <a:prstGeom prst="rect">
+            <a:avLst/>
+          </a:prstGeom>
+          <a:noFill/>
+        </p:spPr>
+        <p:txBody>
+          <a:bodyPr wrap="none" rtlCol="0">
+            <a:spAutoFit/>
+          </a:bodyPr>
+          <a:lstStyle/>
+          <a:p>
+            <a:r>
+              <a:rPr lang="en-US" dirty="0"/>
+              <a:t>n</a:t>
+            </a:r>
+          </a:p>
+        </p:txBody>
+      </p:sp>
+      <p:cxnSp>
+        <p:nvCxnSpPr>
+          <p:cNvPr id="27" name="Straight Arrow Connector 26">
+            <a:extLst>
+              <a:ext uri="{FF2B5EF4-FFF2-40B4-BE49-F238E27FC236}">
+                <a16:creationId xmlns:a16="http://schemas.microsoft.com/office/drawing/2014/main" id="{75CB1BD4-DF6B-582A-86EC-C475D75706F7}"/>
+              </a:ext>
+            </a:extLst>
+          </p:cNvPr>
+          <p:cNvCxnSpPr/>
+          <p:nvPr/>
+        </p:nvCxnSpPr>
+        <p:spPr>
+          <a:xfrm flipV="1">
+            <a:off x="5943600" y="3767931"/>
+            <a:ext cx="0" cy="609600"/>
+          </a:xfrm>
+          <a:prstGeom prst="straightConnector1">
+            <a:avLst/>
+          </a:prstGeom>
+          <a:ln>
+            <a:solidFill>
+              <a:srgbClr val="FF0000"/>
+            </a:solidFill>
+            <a:tailEnd type="triangle"/>
+          </a:ln>
+        </p:spPr>
+        <p:style>
+          <a:lnRef idx="3">
+            <a:schemeClr val="dk1"/>
+          </a:lnRef>
+          <a:fillRef idx="0">
+            <a:schemeClr val="dk1"/>
+          </a:fillRef>
+          <a:effectRef idx="2">
+            <a:schemeClr val="dk1"/>
+          </a:effectRef>
+          <a:fontRef idx="minor">
+            <a:schemeClr val="tx1"/>
+          </a:fontRef>
+        </p:style>
+      </p:cxnSp>
+      <p:sp>
+        <p:nvSpPr>
+          <p:cNvPr id="28" name="TextBox 27">
+            <a:extLst>
+              <a:ext uri="{FF2B5EF4-FFF2-40B4-BE49-F238E27FC236}">
+                <a16:creationId xmlns:a16="http://schemas.microsoft.com/office/drawing/2014/main" id="{45FDCB0C-EE57-673F-8229-BD1BEE8BEA66}"/>
+              </a:ext>
+            </a:extLst>
+          </p:cNvPr>
+          <p:cNvSpPr txBox="1"/>
+          <p:nvPr/>
+        </p:nvSpPr>
+        <p:spPr>
+          <a:xfrm>
+            <a:off x="5138720" y="3748787"/>
+            <a:ext cx="720069" cy="369332"/>
+          </a:xfrm>
+          <a:prstGeom prst="rect">
+            <a:avLst/>
+          </a:prstGeom>
+          <a:noFill/>
+        </p:spPr>
+        <p:txBody>
+          <a:bodyPr wrap="none" rtlCol="0">
+            <a:spAutoFit/>
+          </a:bodyPr>
+          <a:lstStyle/>
+          <a:p>
+            <a:r>
+              <a:rPr lang="en-US" dirty="0">
                 <a:solidFill>
-                  <a:srgbClr val="FFFFFF"/>
+                  <a:srgbClr val="FF0000"/>
                 </a:solidFill>
-              </a14:hiddenFill>
-            </a:ext>
-          </a:extLst>
+              </a:rPr>
+              <a:t>F</a:t>
+            </a:r>
+            <a:r>
+              <a:rPr lang="en-US" baseline="-25000" dirty="0">
+                <a:solidFill>
+                  <a:srgbClr val="FF0000"/>
+                </a:solidFill>
+              </a:rPr>
+              <a:t>impact</a:t>
+            </a:r>
+          </a:p>
+        </p:txBody>
+      </p:sp>
+      <p:sp>
+        <p:nvSpPr>
+          <p:cNvPr id="29" name="Oval 28">
+            <a:extLst>
+              <a:ext uri="{FF2B5EF4-FFF2-40B4-BE49-F238E27FC236}">
+                <a16:creationId xmlns:a16="http://schemas.microsoft.com/office/drawing/2014/main" id="{0E1ABC33-1118-D650-51B4-7037A6A9C7A7}"/>
+              </a:ext>
+            </a:extLst>
+          </p:cNvPr>
+          <p:cNvSpPr/>
+          <p:nvPr/>
+        </p:nvSpPr>
+        <p:spPr>
+          <a:xfrm>
+            <a:off x="6685847" y="3548083"/>
+            <a:ext cx="91440" cy="91440"/>
+          </a:xfrm>
+          <a:prstGeom prst="ellipse">
+            <a:avLst/>
+          </a:prstGeom>
         </p:spPr>
-      </p:pic>
+        <p:style>
+          <a:lnRef idx="2">
+            <a:schemeClr val="dk1">
+              <a:shade val="50000"/>
+            </a:schemeClr>
+          </a:lnRef>
+          <a:fillRef idx="1">
+            <a:schemeClr val="dk1"/>
+          </a:fillRef>
+          <a:effectRef idx="0">
+            <a:schemeClr val="dk1"/>
+          </a:effectRef>
+          <a:fontRef idx="minor">
+            <a:schemeClr val="lt1"/>
+          </a:fontRef>
+        </p:style>
+        <p:txBody>
+          <a:bodyPr rtlCol="0" anchor="ctr"/>
+          <a:lstStyle/>
+          <a:p>
+            <a:pPr algn="ctr"/>
+            <a:endParaRPr lang="en-US"/>
+          </a:p>
+        </p:txBody>
+      </p:sp>
+      <p:sp>
+        <p:nvSpPr>
+          <p:cNvPr id="30" name="Oval 29">
+            <a:extLst>
+              <a:ext uri="{FF2B5EF4-FFF2-40B4-BE49-F238E27FC236}">
+                <a16:creationId xmlns:a16="http://schemas.microsoft.com/office/drawing/2014/main" id="{08A1A680-8146-6312-A4AB-A05E0A80181E}"/>
+              </a:ext>
+            </a:extLst>
+          </p:cNvPr>
+          <p:cNvSpPr/>
+          <p:nvPr/>
+        </p:nvSpPr>
+        <p:spPr>
+          <a:xfrm>
+            <a:off x="5897879" y="4318759"/>
+            <a:ext cx="91440" cy="91440"/>
+          </a:xfrm>
+          <a:prstGeom prst="ellipse">
+            <a:avLst/>
+          </a:prstGeom>
+        </p:spPr>
+        <p:style>
+          <a:lnRef idx="2">
+            <a:schemeClr val="dk1">
+              <a:shade val="50000"/>
+            </a:schemeClr>
+          </a:lnRef>
+          <a:fillRef idx="1">
+            <a:schemeClr val="dk1"/>
+          </a:fillRef>
+          <a:effectRef idx="0">
+            <a:schemeClr val="dk1"/>
+          </a:effectRef>
+          <a:fontRef idx="minor">
+            <a:schemeClr val="lt1"/>
+          </a:fontRef>
+        </p:style>
+        <p:txBody>
+          <a:bodyPr rtlCol="0" anchor="ctr"/>
+          <a:lstStyle/>
+          <a:p>
+            <a:pPr algn="ctr"/>
+            <a:endParaRPr lang="en-US"/>
+          </a:p>
+        </p:txBody>
+      </p:sp>
+      <p:sp>
+        <p:nvSpPr>
+          <p:cNvPr id="31" name="TextBox 30">
+            <a:extLst>
+              <a:ext uri="{FF2B5EF4-FFF2-40B4-BE49-F238E27FC236}">
+                <a16:creationId xmlns:a16="http://schemas.microsoft.com/office/drawing/2014/main" id="{A5010818-CDDE-FB48-6C6B-DFBD9ED6EC4C}"/>
+              </a:ext>
+            </a:extLst>
+          </p:cNvPr>
+          <p:cNvSpPr txBox="1"/>
+          <p:nvPr/>
+        </p:nvSpPr>
+        <p:spPr>
+          <a:xfrm>
+            <a:off x="6472969" y="3104363"/>
+            <a:ext cx="330540" cy="369332"/>
+          </a:xfrm>
+          <a:prstGeom prst="rect">
+            <a:avLst/>
+          </a:prstGeom>
+          <a:noFill/>
+        </p:spPr>
+        <p:txBody>
+          <a:bodyPr wrap="none" rtlCol="0">
+            <a:spAutoFit/>
+          </a:bodyPr>
+          <a:lstStyle/>
+          <a:p>
+            <a:r>
+              <a:rPr lang="en-US" dirty="0"/>
+              <a:t>G</a:t>
+            </a:r>
+          </a:p>
+        </p:txBody>
+      </p:sp>
+      <p:sp>
+        <p:nvSpPr>
+          <p:cNvPr id="32" name="TextBox 31">
+            <a:extLst>
+              <a:ext uri="{FF2B5EF4-FFF2-40B4-BE49-F238E27FC236}">
+                <a16:creationId xmlns:a16="http://schemas.microsoft.com/office/drawing/2014/main" id="{C4FBA491-8130-6C76-DE5B-11044ECDCD8B}"/>
+              </a:ext>
+            </a:extLst>
+          </p:cNvPr>
+          <p:cNvSpPr txBox="1"/>
+          <p:nvPr/>
+        </p:nvSpPr>
+        <p:spPr>
+          <a:xfrm>
+            <a:off x="5766307" y="4417348"/>
+            <a:ext cx="303288" cy="369332"/>
+          </a:xfrm>
+          <a:prstGeom prst="rect">
+            <a:avLst/>
+          </a:prstGeom>
+          <a:noFill/>
+        </p:spPr>
+        <p:txBody>
+          <a:bodyPr wrap="none" rtlCol="0">
+            <a:spAutoFit/>
+          </a:bodyPr>
+          <a:lstStyle/>
+          <a:p>
+            <a:r>
+              <a:rPr lang="en-US" dirty="0"/>
+              <a:t>P</a:t>
+            </a:r>
+          </a:p>
+        </p:txBody>
+      </p:sp>
     </p:spTree>
     <p:extLst>
       <p:ext uri="{BB962C8B-B14F-4D97-AF65-F5344CB8AC3E}">
@@ -5351,7 +6887,7 @@
                             </p:stCondLst>
                             <p:childTnLst>
                               <p:par>
-                                <p:cTn id="13" presetID="1" presetClass="entr" presetSubtype="0" fill="hold" grpId="0" nodeType="clickEffect">
+                                <p:cTn id="13" presetID="10" presetClass="entr" presetSubtype="0" fill="hold" nodeType="clickEffect">
                                   <p:stCondLst>
                                     <p:cond delay="0"/>
                                   </p:stCondLst>
@@ -5359,6 +6895,94 @@
                                     <p:set>
                                       <p:cBhvr>
                                         <p:cTn id="14" dur="1" fill="hold">
+                                          <p:stCondLst>
+                                            <p:cond delay="0"/>
+                                          </p:stCondLst>
+                                        </p:cTn>
+                                        <p:tgtEl>
+                                          <p:spTgt spid="20"/>
+                                        </p:tgtEl>
+                                        <p:attrNameLst>
+                                          <p:attrName>style.visibility</p:attrName>
+                                        </p:attrNameLst>
+                                      </p:cBhvr>
+                                      <p:to>
+                                        <p:strVal val="visible"/>
+                                      </p:to>
+                                    </p:set>
+                                    <p:animEffect transition="in" filter="fade">
+                                      <p:cBhvr>
+                                        <p:cTn id="15" dur="500"/>
+                                        <p:tgtEl>
+                                          <p:spTgt spid="20"/>
+                                        </p:tgtEl>
+                                      </p:cBhvr>
+                                    </p:animEffect>
+                                  </p:childTnLst>
+                                </p:cTn>
+                              </p:par>
+                              <p:par>
+                                <p:cTn id="16" presetID="10" presetClass="entr" presetSubtype="0" fill="hold" grpId="0" nodeType="withEffect">
+                                  <p:stCondLst>
+                                    <p:cond delay="0"/>
+                                  </p:stCondLst>
+                                  <p:childTnLst>
+                                    <p:set>
+                                      <p:cBhvr>
+                                        <p:cTn id="17" dur="1" fill="hold">
+                                          <p:stCondLst>
+                                            <p:cond delay="0"/>
+                                          </p:stCondLst>
+                                        </p:cTn>
+                                        <p:tgtEl>
+                                          <p:spTgt spid="24"/>
+                                        </p:tgtEl>
+                                        <p:attrNameLst>
+                                          <p:attrName>style.visibility</p:attrName>
+                                        </p:attrNameLst>
+                                      </p:cBhvr>
+                                      <p:to>
+                                        <p:strVal val="visible"/>
+                                      </p:to>
+                                    </p:set>
+                                    <p:animEffect transition="in" filter="fade">
+                                      <p:cBhvr>
+                                        <p:cTn id="18" dur="500"/>
+                                        <p:tgtEl>
+                                          <p:spTgt spid="24"/>
+                                        </p:tgtEl>
+                                      </p:cBhvr>
+                                    </p:animEffect>
+                                  </p:childTnLst>
+                                </p:cTn>
+                              </p:par>
+                            </p:childTnLst>
+                          </p:cTn>
+                        </p:par>
+                      </p:childTnLst>
+                    </p:cTn>
+                  </p:par>
+                  <p:par>
+                    <p:cTn id="19" fill="hold">
+                      <p:stCondLst>
+                        <p:cond delay="indefinite"/>
+                      </p:stCondLst>
+                      <p:childTnLst>
+                        <p:par>
+                          <p:cTn id="20" fill="hold">
+                            <p:stCondLst>
+                              <p:cond delay="0"/>
+                            </p:stCondLst>
+                            <p:childTnLst>
+                              <p:par>
+                                <p:cTn id="21" presetID="1" presetClass="entr" presetSubtype="0" fill="hold" grpId="0" nodeType="clickEffect">
+                                  <p:stCondLst>
+                                    <p:cond delay="0"/>
+                                  </p:stCondLst>
+                                  <p:childTnLst>
+                                    <p:set>
+                                      <p:cBhvr>
+                                        <p:cTn id="22" dur="1" fill="hold">
                                           <p:stCondLst>
                                             <p:cond delay="0"/>
                                           </p:stCondLst>
@@ -5378,6 +7002,487 @@
                                         <p:strVal val="visible"/>
                                       </p:to>
                                     </p:set>
+                                  </p:childTnLst>
+                                </p:cTn>
+                              </p:par>
+                            </p:childTnLst>
+                          </p:cTn>
+                        </p:par>
+                      </p:childTnLst>
+                    </p:cTn>
+                  </p:par>
+                  <p:par>
+                    <p:cTn id="23" fill="hold">
+                      <p:stCondLst>
+                        <p:cond delay="indefinite"/>
+                      </p:stCondLst>
+                      <p:childTnLst>
+                        <p:par>
+                          <p:cTn id="24" fill="hold">
+                            <p:stCondLst>
+                              <p:cond delay="0"/>
+                            </p:stCondLst>
+                            <p:childTnLst>
+                              <p:par>
+                                <p:cTn id="25" presetID="10" presetClass="entr" presetSubtype="0" fill="hold" nodeType="clickEffect">
+                                  <p:stCondLst>
+                                    <p:cond delay="0"/>
+                                  </p:stCondLst>
+                                  <p:childTnLst>
+                                    <p:set>
+                                      <p:cBhvr>
+                                        <p:cTn id="26" dur="1" fill="hold">
+                                          <p:stCondLst>
+                                            <p:cond delay="0"/>
+                                          </p:stCondLst>
+                                        </p:cTn>
+                                        <p:tgtEl>
+                                          <p:spTgt spid="21"/>
+                                        </p:tgtEl>
+                                        <p:attrNameLst>
+                                          <p:attrName>style.visibility</p:attrName>
+                                        </p:attrNameLst>
+                                      </p:cBhvr>
+                                      <p:to>
+                                        <p:strVal val="visible"/>
+                                      </p:to>
+                                    </p:set>
+                                    <p:animEffect transition="in" filter="fade">
+                                      <p:cBhvr>
+                                        <p:cTn id="27" dur="500"/>
+                                        <p:tgtEl>
+                                          <p:spTgt spid="21"/>
+                                        </p:tgtEl>
+                                      </p:cBhvr>
+                                    </p:animEffect>
+                                  </p:childTnLst>
+                                </p:cTn>
+                              </p:par>
+                              <p:par>
+                                <p:cTn id="28" presetID="10" presetClass="entr" presetSubtype="0" fill="hold" grpId="0" nodeType="withEffect">
+                                  <p:stCondLst>
+                                    <p:cond delay="0"/>
+                                  </p:stCondLst>
+                                  <p:childTnLst>
+                                    <p:set>
+                                      <p:cBhvr>
+                                        <p:cTn id="29" dur="1" fill="hold">
+                                          <p:stCondLst>
+                                            <p:cond delay="0"/>
+                                          </p:stCondLst>
+                                        </p:cTn>
+                                        <p:tgtEl>
+                                          <p:spTgt spid="25"/>
+                                        </p:tgtEl>
+                                        <p:attrNameLst>
+                                          <p:attrName>style.visibility</p:attrName>
+                                        </p:attrNameLst>
+                                      </p:cBhvr>
+                                      <p:to>
+                                        <p:strVal val="visible"/>
+                                      </p:to>
+                                    </p:set>
+                                    <p:animEffect transition="in" filter="fade">
+                                      <p:cBhvr>
+                                        <p:cTn id="30" dur="500"/>
+                                        <p:tgtEl>
+                                          <p:spTgt spid="25"/>
+                                        </p:tgtEl>
+                                      </p:cBhvr>
+                                    </p:animEffect>
+                                  </p:childTnLst>
+                                </p:cTn>
+                              </p:par>
+                              <p:par>
+                                <p:cTn id="31" presetID="10" presetClass="entr" presetSubtype="0" fill="hold" grpId="0" nodeType="withEffect">
+                                  <p:stCondLst>
+                                    <p:cond delay="0"/>
+                                  </p:stCondLst>
+                                  <p:childTnLst>
+                                    <p:set>
+                                      <p:cBhvr>
+                                        <p:cTn id="32" dur="1" fill="hold">
+                                          <p:stCondLst>
+                                            <p:cond delay="0"/>
+                                          </p:stCondLst>
+                                        </p:cTn>
+                                        <p:tgtEl>
+                                          <p:spTgt spid="28"/>
+                                        </p:tgtEl>
+                                        <p:attrNameLst>
+                                          <p:attrName>style.visibility</p:attrName>
+                                        </p:attrNameLst>
+                                      </p:cBhvr>
+                                      <p:to>
+                                        <p:strVal val="visible"/>
+                                      </p:to>
+                                    </p:set>
+                                    <p:animEffect transition="in" filter="fade">
+                                      <p:cBhvr>
+                                        <p:cTn id="33" dur="500"/>
+                                        <p:tgtEl>
+                                          <p:spTgt spid="28"/>
+                                        </p:tgtEl>
+                                      </p:cBhvr>
+                                    </p:animEffect>
+                                  </p:childTnLst>
+                                </p:cTn>
+                              </p:par>
+                              <p:par>
+                                <p:cTn id="34" presetID="10" presetClass="entr" presetSubtype="0" fill="hold" nodeType="withEffect">
+                                  <p:stCondLst>
+                                    <p:cond delay="0"/>
+                                  </p:stCondLst>
+                                  <p:childTnLst>
+                                    <p:set>
+                                      <p:cBhvr>
+                                        <p:cTn id="35" dur="1" fill="hold">
+                                          <p:stCondLst>
+                                            <p:cond delay="0"/>
+                                          </p:stCondLst>
+                                        </p:cTn>
+                                        <p:tgtEl>
+                                          <p:spTgt spid="27"/>
+                                        </p:tgtEl>
+                                        <p:attrNameLst>
+                                          <p:attrName>style.visibility</p:attrName>
+                                        </p:attrNameLst>
+                                      </p:cBhvr>
+                                      <p:to>
+                                        <p:strVal val="visible"/>
+                                      </p:to>
+                                    </p:set>
+                                    <p:animEffect transition="in" filter="fade">
+                                      <p:cBhvr>
+                                        <p:cTn id="36" dur="500"/>
+                                        <p:tgtEl>
+                                          <p:spTgt spid="27"/>
+                                        </p:tgtEl>
+                                      </p:cBhvr>
+                                    </p:animEffect>
+                                  </p:childTnLst>
+                                </p:cTn>
+                              </p:par>
+                            </p:childTnLst>
+                          </p:cTn>
+                        </p:par>
+                      </p:childTnLst>
+                    </p:cTn>
+                  </p:par>
+                  <p:par>
+                    <p:cTn id="37" fill="hold">
+                      <p:stCondLst>
+                        <p:cond delay="indefinite"/>
+                      </p:stCondLst>
+                      <p:childTnLst>
+                        <p:par>
+                          <p:cTn id="38" fill="hold">
+                            <p:stCondLst>
+                              <p:cond delay="0"/>
+                            </p:stCondLst>
+                            <p:childTnLst>
+                              <p:par>
+                                <p:cTn id="39" presetID="1" presetClass="entr" presetSubtype="0" fill="hold" grpId="0" nodeType="clickEffect">
+                                  <p:stCondLst>
+                                    <p:cond delay="0"/>
+                                  </p:stCondLst>
+                                  <p:childTnLst>
+                                    <p:set>
+                                      <p:cBhvr>
+                                        <p:cTn id="40" dur="1" fill="hold">
+                                          <p:stCondLst>
+                                            <p:cond delay="0"/>
+                                          </p:stCondLst>
+                                        </p:cTn>
+                                        <p:tgtEl>
+                                          <p:spTgt spid="3">
+                                            <p:txEl>
+                                              <p:pRg st="3" end="3"/>
+                                            </p:txEl>
+                                          </p:spTgt>
+                                        </p:tgtEl>
+                                        <p:attrNameLst>
+                                          <p:attrName>style.visibility</p:attrName>
+                                        </p:attrNameLst>
+                                      </p:cBhvr>
+                                      <p:to>
+                                        <p:strVal val="visible"/>
+                                      </p:to>
+                                    </p:set>
+                                  </p:childTnLst>
+                                </p:cTn>
+                              </p:par>
+                            </p:childTnLst>
+                          </p:cTn>
+                        </p:par>
+                      </p:childTnLst>
+                    </p:cTn>
+                  </p:par>
+                  <p:par>
+                    <p:cTn id="41" fill="hold">
+                      <p:stCondLst>
+                        <p:cond delay="indefinite"/>
+                      </p:stCondLst>
+                      <p:childTnLst>
+                        <p:par>
+                          <p:cTn id="42" fill="hold">
+                            <p:stCondLst>
+                              <p:cond delay="0"/>
+                            </p:stCondLst>
+                            <p:childTnLst>
+                              <p:par>
+                                <p:cTn id="43" presetID="1" presetClass="entr" presetSubtype="0" fill="hold" grpId="0" nodeType="clickEffect">
+                                  <p:stCondLst>
+                                    <p:cond delay="0"/>
+                                  </p:stCondLst>
+                                  <p:childTnLst>
+                                    <p:set>
+                                      <p:cBhvr>
+                                        <p:cTn id="44" dur="1" fill="hold">
+                                          <p:stCondLst>
+                                            <p:cond delay="0"/>
+                                          </p:stCondLst>
+                                        </p:cTn>
+                                        <p:tgtEl>
+                                          <p:spTgt spid="3">
+                                            <p:txEl>
+                                              <p:pRg st="4" end="4"/>
+                                            </p:txEl>
+                                          </p:spTgt>
+                                        </p:tgtEl>
+                                        <p:attrNameLst>
+                                          <p:attrName>style.visibility</p:attrName>
+                                        </p:attrNameLst>
+                                      </p:cBhvr>
+                                      <p:to>
+                                        <p:strVal val="visible"/>
+                                      </p:to>
+                                    </p:set>
+                                  </p:childTnLst>
+                                </p:cTn>
+                              </p:par>
+                            </p:childTnLst>
+                          </p:cTn>
+                        </p:par>
+                      </p:childTnLst>
+                    </p:cTn>
+                  </p:par>
+                  <p:par>
+                    <p:cTn id="45" fill="hold">
+                      <p:stCondLst>
+                        <p:cond delay="indefinite"/>
+                      </p:stCondLst>
+                      <p:childTnLst>
+                        <p:par>
+                          <p:cTn id="46" fill="hold">
+                            <p:stCondLst>
+                              <p:cond delay="0"/>
+                            </p:stCondLst>
+                            <p:childTnLst>
+                              <p:par>
+                                <p:cTn id="47" presetID="10" presetClass="entr" presetSubtype="0" fill="hold" grpId="0" nodeType="clickEffect">
+                                  <p:stCondLst>
+                                    <p:cond delay="0"/>
+                                  </p:stCondLst>
+                                  <p:childTnLst>
+                                    <p:set>
+                                      <p:cBhvr>
+                                        <p:cTn id="48" dur="1" fill="hold">
+                                          <p:stCondLst>
+                                            <p:cond delay="0"/>
+                                          </p:stCondLst>
+                                        </p:cTn>
+                                        <p:tgtEl>
+                                          <p:spTgt spid="29"/>
+                                        </p:tgtEl>
+                                        <p:attrNameLst>
+                                          <p:attrName>style.visibility</p:attrName>
+                                        </p:attrNameLst>
+                                      </p:cBhvr>
+                                      <p:to>
+                                        <p:strVal val="visible"/>
+                                      </p:to>
+                                    </p:set>
+                                    <p:animEffect transition="in" filter="fade">
+                                      <p:cBhvr>
+                                        <p:cTn id="49" dur="500"/>
+                                        <p:tgtEl>
+                                          <p:spTgt spid="29"/>
+                                        </p:tgtEl>
+                                      </p:cBhvr>
+                                    </p:animEffect>
+                                  </p:childTnLst>
+                                </p:cTn>
+                              </p:par>
+                              <p:par>
+                                <p:cTn id="50" presetID="10" presetClass="entr" presetSubtype="0" fill="hold" grpId="0" nodeType="withEffect">
+                                  <p:stCondLst>
+                                    <p:cond delay="0"/>
+                                  </p:stCondLst>
+                                  <p:childTnLst>
+                                    <p:set>
+                                      <p:cBhvr>
+                                        <p:cTn id="51" dur="1" fill="hold">
+                                          <p:stCondLst>
+                                            <p:cond delay="0"/>
+                                          </p:stCondLst>
+                                        </p:cTn>
+                                        <p:tgtEl>
+                                          <p:spTgt spid="31"/>
+                                        </p:tgtEl>
+                                        <p:attrNameLst>
+                                          <p:attrName>style.visibility</p:attrName>
+                                        </p:attrNameLst>
+                                      </p:cBhvr>
+                                      <p:to>
+                                        <p:strVal val="visible"/>
+                                      </p:to>
+                                    </p:set>
+                                    <p:animEffect transition="in" filter="fade">
+                                      <p:cBhvr>
+                                        <p:cTn id="52" dur="500"/>
+                                        <p:tgtEl>
+                                          <p:spTgt spid="31"/>
+                                        </p:tgtEl>
+                                      </p:cBhvr>
+                                    </p:animEffect>
+                                  </p:childTnLst>
+                                </p:cTn>
+                              </p:par>
+                            </p:childTnLst>
+                          </p:cTn>
+                        </p:par>
+                      </p:childTnLst>
+                    </p:cTn>
+                  </p:par>
+                  <p:par>
+                    <p:cTn id="53" fill="hold">
+                      <p:stCondLst>
+                        <p:cond delay="indefinite"/>
+                      </p:stCondLst>
+                      <p:childTnLst>
+                        <p:par>
+                          <p:cTn id="54" fill="hold">
+                            <p:stCondLst>
+                              <p:cond delay="0"/>
+                            </p:stCondLst>
+                            <p:childTnLst>
+                              <p:par>
+                                <p:cTn id="55" presetID="1" presetClass="entr" presetSubtype="0" fill="hold" grpId="0" nodeType="clickEffect">
+                                  <p:stCondLst>
+                                    <p:cond delay="0"/>
+                                  </p:stCondLst>
+                                  <p:childTnLst>
+                                    <p:set>
+                                      <p:cBhvr>
+                                        <p:cTn id="56" dur="1" fill="hold">
+                                          <p:stCondLst>
+                                            <p:cond delay="0"/>
+                                          </p:stCondLst>
+                                        </p:cTn>
+                                        <p:tgtEl>
+                                          <p:spTgt spid="3">
+                                            <p:txEl>
+                                              <p:pRg st="5" end="5"/>
+                                            </p:txEl>
+                                          </p:spTgt>
+                                        </p:tgtEl>
+                                        <p:attrNameLst>
+                                          <p:attrName>style.visibility</p:attrName>
+                                        </p:attrNameLst>
+                                      </p:cBhvr>
+                                      <p:to>
+                                        <p:strVal val="visible"/>
+                                      </p:to>
+                                    </p:set>
+                                  </p:childTnLst>
+                                </p:cTn>
+                              </p:par>
+                            </p:childTnLst>
+                          </p:cTn>
+                        </p:par>
+                      </p:childTnLst>
+                    </p:cTn>
+                  </p:par>
+                  <p:par>
+                    <p:cTn id="57" fill="hold">
+                      <p:stCondLst>
+                        <p:cond delay="indefinite"/>
+                      </p:stCondLst>
+                      <p:childTnLst>
+                        <p:par>
+                          <p:cTn id="58" fill="hold">
+                            <p:stCondLst>
+                              <p:cond delay="0"/>
+                            </p:stCondLst>
+                            <p:childTnLst>
+                              <p:par>
+                                <p:cTn id="59" presetID="10" presetClass="entr" presetSubtype="0" fill="hold" grpId="0" nodeType="clickEffect">
+                                  <p:stCondLst>
+                                    <p:cond delay="0"/>
+                                  </p:stCondLst>
+                                  <p:childTnLst>
+                                    <p:set>
+                                      <p:cBhvr>
+                                        <p:cTn id="60" dur="1" fill="hold">
+                                          <p:stCondLst>
+                                            <p:cond delay="0"/>
+                                          </p:stCondLst>
+                                        </p:cTn>
+                                        <p:tgtEl>
+                                          <p:spTgt spid="30"/>
+                                        </p:tgtEl>
+                                        <p:attrNameLst>
+                                          <p:attrName>style.visibility</p:attrName>
+                                        </p:attrNameLst>
+                                      </p:cBhvr>
+                                      <p:to>
+                                        <p:strVal val="visible"/>
+                                      </p:to>
+                                    </p:set>
+                                    <p:animEffect transition="in" filter="fade">
+                                      <p:cBhvr>
+                                        <p:cTn id="61" dur="500"/>
+                                        <p:tgtEl>
+                                          <p:spTgt spid="30"/>
+                                        </p:tgtEl>
+                                      </p:cBhvr>
+                                    </p:animEffect>
+                                  </p:childTnLst>
+                                </p:cTn>
+                              </p:par>
+                              <p:par>
+                                <p:cTn id="62" presetID="10" presetClass="entr" presetSubtype="0" fill="hold" grpId="0" nodeType="withEffect">
+                                  <p:stCondLst>
+                                    <p:cond delay="0"/>
+                                  </p:stCondLst>
+                                  <p:childTnLst>
+                                    <p:set>
+                                      <p:cBhvr>
+                                        <p:cTn id="63" dur="1" fill="hold">
+                                          <p:stCondLst>
+                                            <p:cond delay="0"/>
+                                          </p:stCondLst>
+                                        </p:cTn>
+                                        <p:tgtEl>
+                                          <p:spTgt spid="32"/>
+                                        </p:tgtEl>
+                                        <p:attrNameLst>
+                                          <p:attrName>style.visibility</p:attrName>
+                                        </p:attrNameLst>
+                                      </p:cBhvr>
+                                      <p:to>
+                                        <p:strVal val="visible"/>
+                                      </p:to>
+                                    </p:set>
+                                    <p:animEffect transition="in" filter="fade">
+                                      <p:cBhvr>
+                                        <p:cTn id="64" dur="500"/>
+                                        <p:tgtEl>
+                                          <p:spTgt spid="32"/>
+                                        </p:tgtEl>
+                                      </p:cBhvr>
+                                    </p:animEffect>
                                   </p:childTnLst>
                                 </p:cTn>
                               </p:par>
@@ -5409,7 +7514,14 @@
       </p:par>
     </p:tnLst>
     <p:bldLst>
-      <p:bldP spid="3" grpId="0" build="p"/>
+      <p:bldP spid="3" grpId="0" uiExpand="1" build="p"/>
+      <p:bldP spid="24" grpId="0"/>
+      <p:bldP spid="25" grpId="0"/>
+      <p:bldP spid="28" grpId="0"/>
+      <p:bldP spid="29" grpId="0" animBg="1"/>
+      <p:bldP spid="30" grpId="0" animBg="1"/>
+      <p:bldP spid="31" grpId="0"/>
+      <p:bldP spid="32" grpId="0"/>
     </p:bldLst>
   </p:timing>
 </p:sld>
@@ -5460,8 +7572,703 @@
           </a:p>
         </p:txBody>
       </p:sp>
-      <mc:AlternateContent xmlns:mc="http://schemas.openxmlformats.org/markup-compatibility/2006" xmlns:a14="http://schemas.microsoft.com/office/drawing/2010/main">
-        <mc:Choice Requires="a14">
+      <p:sp>
+        <p:nvSpPr>
+          <p:cNvPr id="4" name="Slide Number Placeholder 3">
+            <a:extLst>
+              <a:ext uri="{FF2B5EF4-FFF2-40B4-BE49-F238E27FC236}">
+                <a16:creationId xmlns:a16="http://schemas.microsoft.com/office/drawing/2014/main" id="{9BB3DA46-FC30-4BC3-BB3B-F0EA9E371B04}"/>
+              </a:ext>
+            </a:extLst>
+          </p:cNvPr>
+          <p:cNvSpPr>
+            <a:spLocks noGrp="1"/>
+          </p:cNvSpPr>
+          <p:nvPr>
+            <p:ph type="sldNum" sz="quarter" idx="12"/>
+          </p:nvPr>
+        </p:nvSpPr>
+        <p:spPr/>
+        <p:txBody>
+          <a:bodyPr/>
+          <a:lstStyle/>
+          <a:p>
+            <a:fld id="{929262FE-7F58-4A1E-8AF3-5A510A86DEBD}" type="slidenum">
+              <a:rPr lang="en-US" smtClean="0"/>
+              <a:t>5</a:t>
+            </a:fld>
+            <a:endParaRPr lang="en-US" dirty="0"/>
+          </a:p>
+        </p:txBody>
+      </p:sp>
+      <p:grpSp>
+        <p:nvGrpSpPr>
+          <p:cNvPr id="21" name="Group 20">
+            <a:extLst>
+              <a:ext uri="{FF2B5EF4-FFF2-40B4-BE49-F238E27FC236}">
+                <a16:creationId xmlns:a16="http://schemas.microsoft.com/office/drawing/2014/main" id="{8127F6A2-A4CF-E734-F937-10155010B527}"/>
+              </a:ext>
+            </a:extLst>
+          </p:cNvPr>
+          <p:cNvGrpSpPr/>
+          <p:nvPr/>
+        </p:nvGrpSpPr>
+        <p:grpSpPr>
+          <a:xfrm>
+            <a:off x="4090114" y="1515022"/>
+            <a:ext cx="4953000" cy="4876800"/>
+            <a:chOff x="4090114" y="1515022"/>
+            <a:chExt cx="4953000" cy="4876800"/>
+          </a:xfrm>
+        </p:grpSpPr>
+        <p:sp>
+          <p:nvSpPr>
+            <p:cNvPr id="6" name="Frame 5">
+              <a:extLst>
+                <a:ext uri="{FF2B5EF4-FFF2-40B4-BE49-F238E27FC236}">
+                  <a16:creationId xmlns:a16="http://schemas.microsoft.com/office/drawing/2014/main" id="{4AF69274-AEFF-FA61-FE49-A0384ECD0D79}"/>
+                </a:ext>
+              </a:extLst>
+            </p:cNvPr>
+            <p:cNvSpPr/>
+            <p:nvPr/>
+          </p:nvSpPr>
+          <p:spPr>
+            <a:xfrm>
+              <a:off x="4090114" y="1515022"/>
+              <a:ext cx="4953000" cy="4876800"/>
+            </a:xfrm>
+            <a:prstGeom prst="frame">
+              <a:avLst>
+                <a:gd name="adj1" fmla="val 17383"/>
+              </a:avLst>
+            </a:prstGeom>
+            <a:solidFill>
+              <a:schemeClr val="bg1"/>
+            </a:solidFill>
+            <a:effectLst>
+              <a:softEdge rad="127000"/>
+            </a:effectLst>
+          </p:spPr>
+          <p:style>
+            <a:lnRef idx="2">
+              <a:schemeClr val="accent1">
+                <a:shade val="50000"/>
+              </a:schemeClr>
+            </a:lnRef>
+            <a:fillRef idx="1">
+              <a:schemeClr val="accent1"/>
+            </a:fillRef>
+            <a:effectRef idx="0">
+              <a:schemeClr val="accent1"/>
+            </a:effectRef>
+            <a:fontRef idx="minor">
+              <a:schemeClr val="lt1"/>
+            </a:fontRef>
+          </p:style>
+          <p:txBody>
+            <a:bodyPr rtlCol="0" anchor="ctr"/>
+            <a:lstStyle/>
+            <a:p>
+              <a:pPr algn="ctr"/>
+              <a:endParaRPr lang="en-US" dirty="0">
+                <a:solidFill>
+                  <a:schemeClr val="tx1"/>
+                </a:solidFill>
+              </a:endParaRPr>
+            </a:p>
+          </p:txBody>
+        </p:sp>
+        <p:grpSp>
+          <p:nvGrpSpPr>
+            <p:cNvPr id="7" name="Group 6">
+              <a:extLst>
+                <a:ext uri="{FF2B5EF4-FFF2-40B4-BE49-F238E27FC236}">
+                  <a16:creationId xmlns:a16="http://schemas.microsoft.com/office/drawing/2014/main" id="{76387B15-86B4-1312-9DD6-60267E900B02}"/>
+                </a:ext>
+              </a:extLst>
+            </p:cNvPr>
+            <p:cNvGrpSpPr/>
+            <p:nvPr/>
+          </p:nvGrpSpPr>
+          <p:grpSpPr>
+            <a:xfrm>
+              <a:off x="4090114" y="1515022"/>
+              <a:ext cx="4953000" cy="4876800"/>
+              <a:chOff x="4191000" y="1600200"/>
+              <a:chExt cx="4953000" cy="4876800"/>
+            </a:xfrm>
+          </p:grpSpPr>
+          <p:sp>
+            <p:nvSpPr>
+              <p:cNvPr id="8" name="Rectangle 7">
+                <a:extLst>
+                  <a:ext uri="{FF2B5EF4-FFF2-40B4-BE49-F238E27FC236}">
+                    <a16:creationId xmlns:a16="http://schemas.microsoft.com/office/drawing/2014/main" id="{A7812F95-094D-8B71-E21D-4435E577253A}"/>
+                  </a:ext>
+                </a:extLst>
+              </p:cNvPr>
+              <p:cNvSpPr/>
+              <p:nvPr/>
+            </p:nvSpPr>
+            <p:spPr>
+              <a:xfrm>
+                <a:off x="4648200" y="4457700"/>
+                <a:ext cx="3962400" cy="1676400"/>
+              </a:xfrm>
+              <a:prstGeom prst="rect">
+                <a:avLst/>
+              </a:prstGeom>
+              <a:solidFill>
+                <a:schemeClr val="bg2">
+                  <a:lumMod val="75000"/>
+                </a:schemeClr>
+              </a:solidFill>
+              <a:ln>
+                <a:noFill/>
+              </a:ln>
+            </p:spPr>
+            <p:style>
+              <a:lnRef idx="2">
+                <a:schemeClr val="accent1">
+                  <a:shade val="50000"/>
+                </a:schemeClr>
+              </a:lnRef>
+              <a:fillRef idx="1">
+                <a:schemeClr val="accent1"/>
+              </a:fillRef>
+              <a:effectRef idx="0">
+                <a:schemeClr val="accent1"/>
+              </a:effectRef>
+              <a:fontRef idx="minor">
+                <a:schemeClr val="lt1"/>
+              </a:fontRef>
+            </p:style>
+            <p:txBody>
+              <a:bodyPr rtlCol="0" anchor="ctr"/>
+              <a:lstStyle/>
+              <a:p>
+                <a:pPr algn="ctr"/>
+                <a:endParaRPr lang="en-US"/>
+              </a:p>
+            </p:txBody>
+          </p:sp>
+          <p:sp>
+            <p:nvSpPr>
+              <p:cNvPr id="9" name="Frame 8">
+                <a:extLst>
+                  <a:ext uri="{FF2B5EF4-FFF2-40B4-BE49-F238E27FC236}">
+                    <a16:creationId xmlns:a16="http://schemas.microsoft.com/office/drawing/2014/main" id="{7F2240EB-0C47-0C77-C8B5-530E3494B2BA}"/>
+                  </a:ext>
+                </a:extLst>
+              </p:cNvPr>
+              <p:cNvSpPr/>
+              <p:nvPr/>
+            </p:nvSpPr>
+            <p:spPr>
+              <a:xfrm>
+                <a:off x="4191000" y="1600200"/>
+                <a:ext cx="4953000" cy="4876800"/>
+              </a:xfrm>
+              <a:prstGeom prst="frame">
+                <a:avLst>
+                  <a:gd name="adj1" fmla="val 17383"/>
+                </a:avLst>
+              </a:prstGeom>
+              <a:solidFill>
+                <a:schemeClr val="bg1"/>
+              </a:solidFill>
+              <a:ln>
+                <a:noFill/>
+              </a:ln>
+              <a:effectLst>
+                <a:softEdge rad="127000"/>
+              </a:effectLst>
+            </p:spPr>
+            <p:style>
+              <a:lnRef idx="2">
+                <a:schemeClr val="accent1">
+                  <a:shade val="50000"/>
+                </a:schemeClr>
+              </a:lnRef>
+              <a:fillRef idx="1">
+                <a:schemeClr val="accent1"/>
+              </a:fillRef>
+              <a:effectRef idx="0">
+                <a:schemeClr val="accent1"/>
+              </a:effectRef>
+              <a:fontRef idx="minor">
+                <a:schemeClr val="lt1"/>
+              </a:fontRef>
+            </p:style>
+            <p:txBody>
+              <a:bodyPr rtlCol="0" anchor="ctr"/>
+              <a:lstStyle/>
+              <a:p>
+                <a:pPr algn="ctr"/>
+                <a:endParaRPr lang="en-US" dirty="0">
+                  <a:solidFill>
+                    <a:schemeClr val="tx1"/>
+                  </a:solidFill>
+                </a:endParaRPr>
+              </a:p>
+            </p:txBody>
+          </p:sp>
+          <p:pic>
+            <p:nvPicPr>
+              <p:cNvPr id="10" name="Picture 2" descr="Vector clip art of metal adjustable wrench">
+                <a:extLst>
+                  <a:ext uri="{FF2B5EF4-FFF2-40B4-BE49-F238E27FC236}">
+                    <a16:creationId xmlns:a16="http://schemas.microsoft.com/office/drawing/2014/main" id="{70229EF2-8C63-33B7-6117-34CA1FB60CCF}"/>
+                  </a:ext>
+                </a:extLst>
+              </p:cNvPr>
+              <p:cNvPicPr>
+                <a:picLocks noChangeAspect="1" noChangeArrowheads="1"/>
+              </p:cNvPicPr>
+              <p:nvPr/>
+            </p:nvPicPr>
+            <p:blipFill>
+              <a:blip r:embed="rId2">
+                <a:extLst>
+                  <a:ext uri="{28A0092B-C50C-407E-A947-70E740481C1C}">
+                    <a14:useLocalDpi xmlns:a14="http://schemas.microsoft.com/office/drawing/2010/main" val="0"/>
+                  </a:ext>
+                </a:extLst>
+              </a:blip>
+              <a:srcRect/>
+              <a:stretch>
+                <a:fillRect/>
+              </a:stretch>
+            </p:blipFill>
+            <p:spPr bwMode="auto">
+              <a:xfrm rot="16200000">
+                <a:off x="5667803" y="2467402"/>
+                <a:ext cx="2514600" cy="2514600"/>
+              </a:xfrm>
+              <a:prstGeom prst="rect">
+                <a:avLst/>
+              </a:prstGeom>
+              <a:noFill/>
+              <a:ln>
+                <a:noFill/>
+              </a:ln>
+              <a:extLst>
+                <a:ext uri="{909E8E84-426E-40DD-AFC4-6F175D3DCCD1}">
+                  <a14:hiddenFill xmlns:a14="http://schemas.microsoft.com/office/drawing/2010/main">
+                    <a:solidFill>
+                      <a:srgbClr val="FFFFFF"/>
+                    </a:solidFill>
+                  </a14:hiddenFill>
+                </a:ext>
+              </a:extLst>
+            </p:spPr>
+          </p:pic>
+        </p:grpSp>
+        <p:cxnSp>
+          <p:nvCxnSpPr>
+            <p:cNvPr id="11" name="Straight Arrow Connector 10">
+              <a:extLst>
+                <a:ext uri="{FF2B5EF4-FFF2-40B4-BE49-F238E27FC236}">
+                  <a16:creationId xmlns:a16="http://schemas.microsoft.com/office/drawing/2014/main" id="{DF6915B1-5C3F-F882-8D00-C602DD3EFB2B}"/>
+                </a:ext>
+              </a:extLst>
+            </p:cNvPr>
+            <p:cNvCxnSpPr/>
+            <p:nvPr/>
+          </p:nvCxnSpPr>
+          <p:spPr>
+            <a:xfrm>
+              <a:off x="5943600" y="4372522"/>
+              <a:ext cx="914400" cy="0"/>
+            </a:xfrm>
+            <a:prstGeom prst="straightConnector1">
+              <a:avLst/>
+            </a:prstGeom>
+            <a:ln>
+              <a:tailEnd type="triangle"/>
+            </a:ln>
+          </p:spPr>
+          <p:style>
+            <a:lnRef idx="2">
+              <a:schemeClr val="dk1"/>
+            </a:lnRef>
+            <a:fillRef idx="0">
+              <a:schemeClr val="dk1"/>
+            </a:fillRef>
+            <a:effectRef idx="1">
+              <a:schemeClr val="dk1"/>
+            </a:effectRef>
+            <a:fontRef idx="minor">
+              <a:schemeClr val="tx1"/>
+            </a:fontRef>
+          </p:style>
+        </p:cxnSp>
+        <p:cxnSp>
+          <p:nvCxnSpPr>
+            <p:cNvPr id="12" name="Straight Arrow Connector 11">
+              <a:extLst>
+                <a:ext uri="{FF2B5EF4-FFF2-40B4-BE49-F238E27FC236}">
+                  <a16:creationId xmlns:a16="http://schemas.microsoft.com/office/drawing/2014/main" id="{675F2CA7-E379-C039-104C-BC3ABCA3B2E8}"/>
+                </a:ext>
+              </a:extLst>
+            </p:cNvPr>
+            <p:cNvCxnSpPr>
+              <a:cxnSpLocks/>
+            </p:cNvCxnSpPr>
+            <p:nvPr/>
+          </p:nvCxnSpPr>
+          <p:spPr>
+            <a:xfrm flipV="1">
+              <a:off x="5943600" y="3057525"/>
+              <a:ext cx="0" cy="1324522"/>
+            </a:xfrm>
+            <a:prstGeom prst="straightConnector1">
+              <a:avLst/>
+            </a:prstGeom>
+            <a:ln>
+              <a:tailEnd type="triangle"/>
+            </a:ln>
+          </p:spPr>
+          <p:style>
+            <a:lnRef idx="2">
+              <a:schemeClr val="dk1"/>
+            </a:lnRef>
+            <a:fillRef idx="0">
+              <a:schemeClr val="dk1"/>
+            </a:fillRef>
+            <a:effectRef idx="1">
+              <a:schemeClr val="dk1"/>
+            </a:effectRef>
+            <a:fontRef idx="minor">
+              <a:schemeClr val="tx1"/>
+            </a:fontRef>
+          </p:style>
+        </p:cxnSp>
+        <p:sp>
+          <p:nvSpPr>
+            <p:cNvPr id="13" name="TextBox 12">
+              <a:extLst>
+                <a:ext uri="{FF2B5EF4-FFF2-40B4-BE49-F238E27FC236}">
+                  <a16:creationId xmlns:a16="http://schemas.microsoft.com/office/drawing/2014/main" id="{7A36E8FA-33DF-517D-3A40-51164F267B86}"/>
+                </a:ext>
+              </a:extLst>
+            </p:cNvPr>
+            <p:cNvSpPr txBox="1"/>
+            <p:nvPr/>
+          </p:nvSpPr>
+          <p:spPr>
+            <a:xfrm>
+              <a:off x="6777287" y="4342827"/>
+              <a:ext cx="261610" cy="369332"/>
+            </a:xfrm>
+            <a:prstGeom prst="rect">
+              <a:avLst/>
+            </a:prstGeom>
+            <a:noFill/>
+          </p:spPr>
+          <p:txBody>
+            <a:bodyPr wrap="none" rtlCol="0">
+              <a:spAutoFit/>
+            </a:bodyPr>
+            <a:lstStyle/>
+            <a:p>
+              <a:r>
+                <a:rPr lang="en-US" dirty="0"/>
+                <a:t>t</a:t>
+              </a:r>
+            </a:p>
+          </p:txBody>
+        </p:sp>
+        <p:sp>
+          <p:nvSpPr>
+            <p:cNvPr id="14" name="TextBox 13">
+              <a:extLst>
+                <a:ext uri="{FF2B5EF4-FFF2-40B4-BE49-F238E27FC236}">
+                  <a16:creationId xmlns:a16="http://schemas.microsoft.com/office/drawing/2014/main" id="{E1780810-E5D2-20DA-B20F-D0445B126AE9}"/>
+                </a:ext>
+              </a:extLst>
+            </p:cNvPr>
+            <p:cNvSpPr txBox="1"/>
+            <p:nvPr/>
+          </p:nvSpPr>
+          <p:spPr>
+            <a:xfrm>
+              <a:off x="5790353" y="2602468"/>
+              <a:ext cx="306494" cy="369332"/>
+            </a:xfrm>
+            <a:prstGeom prst="rect">
+              <a:avLst/>
+            </a:prstGeom>
+            <a:noFill/>
+          </p:spPr>
+          <p:txBody>
+            <a:bodyPr wrap="none" rtlCol="0">
+              <a:spAutoFit/>
+            </a:bodyPr>
+            <a:lstStyle/>
+            <a:p>
+              <a:r>
+                <a:rPr lang="en-US" dirty="0"/>
+                <a:t>n</a:t>
+              </a:r>
+            </a:p>
+          </p:txBody>
+        </p:sp>
+        <p:cxnSp>
+          <p:nvCxnSpPr>
+            <p:cNvPr id="15" name="Straight Arrow Connector 14">
+              <a:extLst>
+                <a:ext uri="{FF2B5EF4-FFF2-40B4-BE49-F238E27FC236}">
+                  <a16:creationId xmlns:a16="http://schemas.microsoft.com/office/drawing/2014/main" id="{7003F170-00A1-D353-D14D-89DF47414FFD}"/>
+                </a:ext>
+              </a:extLst>
+            </p:cNvPr>
+            <p:cNvCxnSpPr/>
+            <p:nvPr/>
+          </p:nvCxnSpPr>
+          <p:spPr>
+            <a:xfrm flipV="1">
+              <a:off x="5943600" y="3767931"/>
+              <a:ext cx="0" cy="609600"/>
+            </a:xfrm>
+            <a:prstGeom prst="straightConnector1">
+              <a:avLst/>
+            </a:prstGeom>
+            <a:ln>
+              <a:solidFill>
+                <a:srgbClr val="FF0000"/>
+              </a:solidFill>
+              <a:tailEnd type="triangle"/>
+            </a:ln>
+          </p:spPr>
+          <p:style>
+            <a:lnRef idx="3">
+              <a:schemeClr val="dk1"/>
+            </a:lnRef>
+            <a:fillRef idx="0">
+              <a:schemeClr val="dk1"/>
+            </a:fillRef>
+            <a:effectRef idx="2">
+              <a:schemeClr val="dk1"/>
+            </a:effectRef>
+            <a:fontRef idx="minor">
+              <a:schemeClr val="tx1"/>
+            </a:fontRef>
+          </p:style>
+        </p:cxnSp>
+        <p:sp>
+          <p:nvSpPr>
+            <p:cNvPr id="16" name="TextBox 15">
+              <a:extLst>
+                <a:ext uri="{FF2B5EF4-FFF2-40B4-BE49-F238E27FC236}">
+                  <a16:creationId xmlns:a16="http://schemas.microsoft.com/office/drawing/2014/main" id="{8F4AAC53-5AED-EF2E-9881-454B03FB92C8}"/>
+                </a:ext>
+              </a:extLst>
+            </p:cNvPr>
+            <p:cNvSpPr txBox="1"/>
+            <p:nvPr/>
+          </p:nvSpPr>
+          <p:spPr>
+            <a:xfrm>
+              <a:off x="5138720" y="3748787"/>
+              <a:ext cx="720069" cy="369332"/>
+            </a:xfrm>
+            <a:prstGeom prst="rect">
+              <a:avLst/>
+            </a:prstGeom>
+            <a:noFill/>
+          </p:spPr>
+          <p:txBody>
+            <a:bodyPr wrap="none" rtlCol="0">
+              <a:spAutoFit/>
+            </a:bodyPr>
+            <a:lstStyle/>
+            <a:p>
+              <a:r>
+                <a:rPr lang="en-US" dirty="0">
+                  <a:solidFill>
+                    <a:srgbClr val="FF0000"/>
+                  </a:solidFill>
+                </a:rPr>
+                <a:t>F</a:t>
+              </a:r>
+              <a:r>
+                <a:rPr lang="en-US" baseline="-25000" dirty="0">
+                  <a:solidFill>
+                    <a:srgbClr val="FF0000"/>
+                  </a:solidFill>
+                </a:rPr>
+                <a:t>impact</a:t>
+              </a:r>
+            </a:p>
+          </p:txBody>
+        </p:sp>
+        <p:sp>
+          <p:nvSpPr>
+            <p:cNvPr id="17" name="Oval 16">
+              <a:extLst>
+                <a:ext uri="{FF2B5EF4-FFF2-40B4-BE49-F238E27FC236}">
+                  <a16:creationId xmlns:a16="http://schemas.microsoft.com/office/drawing/2014/main" id="{031F0ED0-69AC-6084-4D8C-CCC639AEAEB4}"/>
+                </a:ext>
+              </a:extLst>
+            </p:cNvPr>
+            <p:cNvSpPr/>
+            <p:nvPr/>
+          </p:nvSpPr>
+          <p:spPr>
+            <a:xfrm>
+              <a:off x="6685847" y="3548083"/>
+              <a:ext cx="91440" cy="91440"/>
+            </a:xfrm>
+            <a:prstGeom prst="ellipse">
+              <a:avLst/>
+            </a:prstGeom>
+          </p:spPr>
+          <p:style>
+            <a:lnRef idx="2">
+              <a:schemeClr val="dk1">
+                <a:shade val="50000"/>
+              </a:schemeClr>
+            </a:lnRef>
+            <a:fillRef idx="1">
+              <a:schemeClr val="dk1"/>
+            </a:fillRef>
+            <a:effectRef idx="0">
+              <a:schemeClr val="dk1"/>
+            </a:effectRef>
+            <a:fontRef idx="minor">
+              <a:schemeClr val="lt1"/>
+            </a:fontRef>
+          </p:style>
+          <p:txBody>
+            <a:bodyPr rtlCol="0" anchor="ctr"/>
+            <a:lstStyle/>
+            <a:p>
+              <a:pPr algn="ctr"/>
+              <a:endParaRPr lang="en-US"/>
+            </a:p>
+          </p:txBody>
+        </p:sp>
+        <p:sp>
+          <p:nvSpPr>
+            <p:cNvPr id="18" name="Oval 17">
+              <a:extLst>
+                <a:ext uri="{FF2B5EF4-FFF2-40B4-BE49-F238E27FC236}">
+                  <a16:creationId xmlns:a16="http://schemas.microsoft.com/office/drawing/2014/main" id="{85D9EA53-5C47-2AEC-AA16-4CAC124B49AF}"/>
+                </a:ext>
+              </a:extLst>
+            </p:cNvPr>
+            <p:cNvSpPr/>
+            <p:nvPr/>
+          </p:nvSpPr>
+          <p:spPr>
+            <a:xfrm>
+              <a:off x="5897879" y="4318759"/>
+              <a:ext cx="91440" cy="91440"/>
+            </a:xfrm>
+            <a:prstGeom prst="ellipse">
+              <a:avLst/>
+            </a:prstGeom>
+          </p:spPr>
+          <p:style>
+            <a:lnRef idx="2">
+              <a:schemeClr val="dk1">
+                <a:shade val="50000"/>
+              </a:schemeClr>
+            </a:lnRef>
+            <a:fillRef idx="1">
+              <a:schemeClr val="dk1"/>
+            </a:fillRef>
+            <a:effectRef idx="0">
+              <a:schemeClr val="dk1"/>
+            </a:effectRef>
+            <a:fontRef idx="minor">
+              <a:schemeClr val="lt1"/>
+            </a:fontRef>
+          </p:style>
+          <p:txBody>
+            <a:bodyPr rtlCol="0" anchor="ctr"/>
+            <a:lstStyle/>
+            <a:p>
+              <a:pPr algn="ctr"/>
+              <a:endParaRPr lang="en-US"/>
+            </a:p>
+          </p:txBody>
+        </p:sp>
+        <p:sp>
+          <p:nvSpPr>
+            <p:cNvPr id="19" name="TextBox 18">
+              <a:extLst>
+                <a:ext uri="{FF2B5EF4-FFF2-40B4-BE49-F238E27FC236}">
+                  <a16:creationId xmlns:a16="http://schemas.microsoft.com/office/drawing/2014/main" id="{E3C57C7F-4AD4-FC62-2BFD-C1AFC8BAACEF}"/>
+                </a:ext>
+              </a:extLst>
+            </p:cNvPr>
+            <p:cNvSpPr txBox="1"/>
+            <p:nvPr/>
+          </p:nvSpPr>
+          <p:spPr>
+            <a:xfrm>
+              <a:off x="6472969" y="3104363"/>
+              <a:ext cx="330540" cy="369332"/>
+            </a:xfrm>
+            <a:prstGeom prst="rect">
+              <a:avLst/>
+            </a:prstGeom>
+            <a:noFill/>
+          </p:spPr>
+          <p:txBody>
+            <a:bodyPr wrap="none" rtlCol="0">
+              <a:spAutoFit/>
+            </a:bodyPr>
+            <a:lstStyle/>
+            <a:p>
+              <a:r>
+                <a:rPr lang="en-US" dirty="0"/>
+                <a:t>G</a:t>
+              </a:r>
+            </a:p>
+          </p:txBody>
+        </p:sp>
+        <p:sp>
+          <p:nvSpPr>
+            <p:cNvPr id="20" name="TextBox 19">
+              <a:extLst>
+                <a:ext uri="{FF2B5EF4-FFF2-40B4-BE49-F238E27FC236}">
+                  <a16:creationId xmlns:a16="http://schemas.microsoft.com/office/drawing/2014/main" id="{A12CBA8D-CAA4-A23E-B43D-19B7499C61D2}"/>
+                </a:ext>
+              </a:extLst>
+            </p:cNvPr>
+            <p:cNvSpPr txBox="1"/>
+            <p:nvPr/>
+          </p:nvSpPr>
+          <p:spPr>
+            <a:xfrm>
+              <a:off x="5766307" y="4417348"/>
+              <a:ext cx="303288" cy="369332"/>
+            </a:xfrm>
+            <a:prstGeom prst="rect">
+              <a:avLst/>
+            </a:prstGeom>
+            <a:noFill/>
+          </p:spPr>
+          <p:txBody>
+            <a:bodyPr wrap="none" rtlCol="0">
+              <a:spAutoFit/>
+            </a:bodyPr>
+            <a:lstStyle/>
+            <a:p>
+              <a:r>
+                <a:rPr lang="en-US" dirty="0"/>
+                <a:t>P</a:t>
+              </a:r>
+            </a:p>
+          </p:txBody>
+        </p:sp>
+      </p:grpSp>
+      <mc:AlternateContent xmlns:mc="http://schemas.openxmlformats.org/markup-compatibility/2006">
+        <mc:Choice xmlns:a14="http://schemas.microsoft.com/office/drawing/2010/main" Requires="a14">
           <p:sp>
             <p:nvSpPr>
               <p:cNvPr id="3" name="Content Placeholder 2">
@@ -5481,12 +8288,12 @@
             <p:spPr>
               <a:xfrm>
                 <a:off x="457200" y="1600200"/>
-                <a:ext cx="4343400" cy="4983162"/>
+                <a:ext cx="4114800" cy="4983162"/>
               </a:xfrm>
             </p:spPr>
             <p:txBody>
               <a:bodyPr>
-                <a:normAutofit fontScale="92500"/>
+                <a:normAutofit fontScale="92500" lnSpcReduction="10000"/>
               </a:bodyPr>
               <a:lstStyle/>
               <a:p>
@@ -5540,7 +8347,13 @@
                             <a:rPr lang="en-US" b="0" i="1" smtClean="0">
                               <a:latin typeface="Cambria Math" panose="02040503050406030204" pitchFamily="18" charset="0"/>
                             </a:rPr>
-                            <m:t>𝑡𝐶</m:t>
+                            <m:t>𝑡</m:t>
+                          </m:r>
+                          <m:r>
+                            <a:rPr lang="en-US" b="0" i="1" smtClean="0">
+                              <a:latin typeface="Cambria Math" panose="02040503050406030204" pitchFamily="18" charset="0"/>
+                            </a:rPr>
+                            <m:t>𝐺</m:t>
                           </m:r>
                           <m:r>
                             <a:rPr lang="en-US" i="1">
@@ -5577,7 +8390,13 @@
                             <a:rPr lang="en-US" i="1">
                               <a:latin typeface="Cambria Math" panose="02040503050406030204" pitchFamily="18" charset="0"/>
                             </a:rPr>
-                            <m:t>𝑡𝐶</m:t>
+                            <m:t>𝑡</m:t>
+                          </m:r>
+                          <m:r>
+                            <a:rPr lang="en-US" b="0" i="1" smtClean="0">
+                              <a:latin typeface="Cambria Math" panose="02040503050406030204" pitchFamily="18" charset="0"/>
+                            </a:rPr>
+                            <m:t>𝐺</m:t>
                           </m:r>
                           <m:r>
                             <a:rPr lang="en-US" b="0" i="1" smtClean="0">
@@ -5598,7 +8417,7 @@
             </p:txBody>
           </p:sp>
         </mc:Choice>
-        <mc:Fallback xmlns="">
+        <mc:Fallback>
           <p:sp>
             <p:nvSpPr>
               <p:cNvPr id="3" name="Content Placeholder 2">
@@ -5618,12 +8437,12 @@
             <p:spPr>
               <a:xfrm>
                 <a:off x="457200" y="1600200"/>
-                <a:ext cx="4343400" cy="4983162"/>
+                <a:ext cx="4114800" cy="4983162"/>
               </a:xfrm>
               <a:blipFill>
-                <a:blip r:embed="rId2"/>
+                <a:blip r:embed="rId3"/>
                 <a:stretch>
-                  <a:fillRect l="-2805" t="-1469" r="-3787"/>
+                  <a:fillRect l="-2963" t="-2448" r="-4889"/>
                 </a:stretch>
               </a:blipFill>
             </p:spPr>
@@ -5642,82 +8461,6 @@
           </p:sp>
         </mc:Fallback>
       </mc:AlternateContent>
-      <p:sp>
-        <p:nvSpPr>
-          <p:cNvPr id="4" name="Slide Number Placeholder 3">
-            <a:extLst>
-              <a:ext uri="{FF2B5EF4-FFF2-40B4-BE49-F238E27FC236}">
-                <a16:creationId xmlns:a16="http://schemas.microsoft.com/office/drawing/2014/main" id="{9BB3DA46-FC30-4BC3-BB3B-F0EA9E371B04}"/>
-              </a:ext>
-            </a:extLst>
-          </p:cNvPr>
-          <p:cNvSpPr>
-            <a:spLocks noGrp="1"/>
-          </p:cNvSpPr>
-          <p:nvPr>
-            <p:ph type="sldNum" sz="quarter" idx="12"/>
-          </p:nvPr>
-        </p:nvSpPr>
-        <p:spPr/>
-        <p:txBody>
-          <a:bodyPr/>
-          <a:lstStyle/>
-          <a:p>
-            <a:fld id="{929262FE-7F58-4A1E-8AF3-5A510A86DEBD}" type="slidenum">
-              <a:rPr lang="en-US" smtClean="0"/>
-              <a:t>5</a:t>
-            </a:fld>
-            <a:endParaRPr lang="en-US" dirty="0"/>
-          </a:p>
-        </p:txBody>
-      </p:sp>
-      <p:pic>
-        <p:nvPicPr>
-          <p:cNvPr id="5" name="Picture 2" descr="A wrench dropped on a rigid floor">
-            <a:extLst>
-              <a:ext uri="{FF2B5EF4-FFF2-40B4-BE49-F238E27FC236}">
-                <a16:creationId xmlns:a16="http://schemas.microsoft.com/office/drawing/2014/main" id="{C7C20865-EED8-468C-9F12-9F9A051A017F}"/>
-              </a:ext>
-            </a:extLst>
-          </p:cNvPr>
-          <p:cNvPicPr>
-            <a:picLocks noChangeAspect="1" noChangeArrowheads="1"/>
-          </p:cNvPicPr>
-          <p:nvPr/>
-        </p:nvPicPr>
-        <p:blipFill>
-          <a:blip r:embed="rId3">
-            <a:extLst>
-              <a:ext uri="{28A0092B-C50C-407E-A947-70E740481C1C}">
-                <a14:useLocalDpi xmlns:a14="http://schemas.microsoft.com/office/drawing/2010/main" val="0"/>
-              </a:ext>
-            </a:extLst>
-          </a:blip>
-          <a:srcRect/>
-          <a:stretch>
-            <a:fillRect/>
-          </a:stretch>
-        </p:blipFill>
-        <p:spPr bwMode="auto">
-          <a:xfrm>
-            <a:off x="4933950" y="2285999"/>
-            <a:ext cx="3714750" cy="2790825"/>
-          </a:xfrm>
-          <a:prstGeom prst="rect">
-            <a:avLst/>
-          </a:prstGeom>
-          <a:noFill/>
-          <a:extLst>
-            <a:ext uri="{909E8E84-426E-40DD-AFC4-6F175D3DCCD1}">
-              <a14:hiddenFill xmlns:a14="http://schemas.microsoft.com/office/drawing/2010/main">
-                <a:solidFill>
-                  <a:srgbClr val="FFFFFF"/>
-                </a:solidFill>
-              </a14:hiddenFill>
-            </a:ext>
-          </a:extLst>
-        </p:spPr>
-      </p:pic>
     </p:spTree>
     <p:extLst>
       <p:ext uri="{BB962C8B-B14F-4D97-AF65-F5344CB8AC3E}">
@@ -5956,8 +8699,703 @@
           </a:p>
         </p:txBody>
       </p:sp>
-      <mc:AlternateContent xmlns:mc="http://schemas.openxmlformats.org/markup-compatibility/2006" xmlns:a14="http://schemas.microsoft.com/office/drawing/2010/main">
-        <mc:Choice Requires="a14">
+      <p:sp>
+        <p:nvSpPr>
+          <p:cNvPr id="4" name="Slide Number Placeholder 3">
+            <a:extLst>
+              <a:ext uri="{FF2B5EF4-FFF2-40B4-BE49-F238E27FC236}">
+                <a16:creationId xmlns:a16="http://schemas.microsoft.com/office/drawing/2014/main" id="{9BB3DA46-FC30-4BC3-BB3B-F0EA9E371B04}"/>
+              </a:ext>
+            </a:extLst>
+          </p:cNvPr>
+          <p:cNvSpPr>
+            <a:spLocks noGrp="1"/>
+          </p:cNvSpPr>
+          <p:nvPr>
+            <p:ph type="sldNum" sz="quarter" idx="12"/>
+          </p:nvPr>
+        </p:nvSpPr>
+        <p:spPr/>
+        <p:txBody>
+          <a:bodyPr/>
+          <a:lstStyle/>
+          <a:p>
+            <a:fld id="{929262FE-7F58-4A1E-8AF3-5A510A86DEBD}" type="slidenum">
+              <a:rPr lang="en-US" smtClean="0"/>
+              <a:t>6</a:t>
+            </a:fld>
+            <a:endParaRPr lang="en-US" dirty="0"/>
+          </a:p>
+        </p:txBody>
+      </p:sp>
+      <p:grpSp>
+        <p:nvGrpSpPr>
+          <p:cNvPr id="6" name="Group 5">
+            <a:extLst>
+              <a:ext uri="{FF2B5EF4-FFF2-40B4-BE49-F238E27FC236}">
+                <a16:creationId xmlns:a16="http://schemas.microsoft.com/office/drawing/2014/main" id="{3B83A22A-272D-B112-D89D-72876D8EA1BA}"/>
+              </a:ext>
+            </a:extLst>
+          </p:cNvPr>
+          <p:cNvGrpSpPr/>
+          <p:nvPr/>
+        </p:nvGrpSpPr>
+        <p:grpSpPr>
+          <a:xfrm>
+            <a:off x="4090114" y="1515022"/>
+            <a:ext cx="4953000" cy="4876800"/>
+            <a:chOff x="4090114" y="1515022"/>
+            <a:chExt cx="4953000" cy="4876800"/>
+          </a:xfrm>
+        </p:grpSpPr>
+        <p:sp>
+          <p:nvSpPr>
+            <p:cNvPr id="7" name="Frame 6">
+              <a:extLst>
+                <a:ext uri="{FF2B5EF4-FFF2-40B4-BE49-F238E27FC236}">
+                  <a16:creationId xmlns:a16="http://schemas.microsoft.com/office/drawing/2014/main" id="{75A42B4C-47E0-A776-B398-CFEA2B76FD36}"/>
+                </a:ext>
+              </a:extLst>
+            </p:cNvPr>
+            <p:cNvSpPr/>
+            <p:nvPr/>
+          </p:nvSpPr>
+          <p:spPr>
+            <a:xfrm>
+              <a:off x="4090114" y="1515022"/>
+              <a:ext cx="4953000" cy="4876800"/>
+            </a:xfrm>
+            <a:prstGeom prst="frame">
+              <a:avLst>
+                <a:gd name="adj1" fmla="val 17383"/>
+              </a:avLst>
+            </a:prstGeom>
+            <a:solidFill>
+              <a:schemeClr val="bg1"/>
+            </a:solidFill>
+            <a:effectLst>
+              <a:softEdge rad="127000"/>
+            </a:effectLst>
+          </p:spPr>
+          <p:style>
+            <a:lnRef idx="2">
+              <a:schemeClr val="accent1">
+                <a:shade val="50000"/>
+              </a:schemeClr>
+            </a:lnRef>
+            <a:fillRef idx="1">
+              <a:schemeClr val="accent1"/>
+            </a:fillRef>
+            <a:effectRef idx="0">
+              <a:schemeClr val="accent1"/>
+            </a:effectRef>
+            <a:fontRef idx="minor">
+              <a:schemeClr val="lt1"/>
+            </a:fontRef>
+          </p:style>
+          <p:txBody>
+            <a:bodyPr rtlCol="0" anchor="ctr"/>
+            <a:lstStyle/>
+            <a:p>
+              <a:pPr algn="ctr"/>
+              <a:endParaRPr lang="en-US" dirty="0">
+                <a:solidFill>
+                  <a:schemeClr val="tx1"/>
+                </a:solidFill>
+              </a:endParaRPr>
+            </a:p>
+          </p:txBody>
+        </p:sp>
+        <p:grpSp>
+          <p:nvGrpSpPr>
+            <p:cNvPr id="8" name="Group 7">
+              <a:extLst>
+                <a:ext uri="{FF2B5EF4-FFF2-40B4-BE49-F238E27FC236}">
+                  <a16:creationId xmlns:a16="http://schemas.microsoft.com/office/drawing/2014/main" id="{7E6BEDEB-2B82-F46D-62D1-2E14DDB1A677}"/>
+                </a:ext>
+              </a:extLst>
+            </p:cNvPr>
+            <p:cNvGrpSpPr/>
+            <p:nvPr/>
+          </p:nvGrpSpPr>
+          <p:grpSpPr>
+            <a:xfrm>
+              <a:off x="4090114" y="1515022"/>
+              <a:ext cx="4953000" cy="4876800"/>
+              <a:chOff x="4191000" y="1600200"/>
+              <a:chExt cx="4953000" cy="4876800"/>
+            </a:xfrm>
+          </p:grpSpPr>
+          <p:sp>
+            <p:nvSpPr>
+              <p:cNvPr id="19" name="Rectangle 18">
+                <a:extLst>
+                  <a:ext uri="{FF2B5EF4-FFF2-40B4-BE49-F238E27FC236}">
+                    <a16:creationId xmlns:a16="http://schemas.microsoft.com/office/drawing/2014/main" id="{8B558A9C-4848-1BF4-8177-8B34AFFC9DFB}"/>
+                  </a:ext>
+                </a:extLst>
+              </p:cNvPr>
+              <p:cNvSpPr/>
+              <p:nvPr/>
+            </p:nvSpPr>
+            <p:spPr>
+              <a:xfrm>
+                <a:off x="4648200" y="4457700"/>
+                <a:ext cx="3962400" cy="1676400"/>
+              </a:xfrm>
+              <a:prstGeom prst="rect">
+                <a:avLst/>
+              </a:prstGeom>
+              <a:solidFill>
+                <a:schemeClr val="bg2">
+                  <a:lumMod val="75000"/>
+                </a:schemeClr>
+              </a:solidFill>
+              <a:ln>
+                <a:noFill/>
+              </a:ln>
+            </p:spPr>
+            <p:style>
+              <a:lnRef idx="2">
+                <a:schemeClr val="accent1">
+                  <a:shade val="50000"/>
+                </a:schemeClr>
+              </a:lnRef>
+              <a:fillRef idx="1">
+                <a:schemeClr val="accent1"/>
+              </a:fillRef>
+              <a:effectRef idx="0">
+                <a:schemeClr val="accent1"/>
+              </a:effectRef>
+              <a:fontRef idx="minor">
+                <a:schemeClr val="lt1"/>
+              </a:fontRef>
+            </p:style>
+            <p:txBody>
+              <a:bodyPr rtlCol="0" anchor="ctr"/>
+              <a:lstStyle/>
+              <a:p>
+                <a:pPr algn="ctr"/>
+                <a:endParaRPr lang="en-US"/>
+              </a:p>
+            </p:txBody>
+          </p:sp>
+          <p:sp>
+            <p:nvSpPr>
+              <p:cNvPr id="20" name="Frame 19">
+                <a:extLst>
+                  <a:ext uri="{FF2B5EF4-FFF2-40B4-BE49-F238E27FC236}">
+                    <a16:creationId xmlns:a16="http://schemas.microsoft.com/office/drawing/2014/main" id="{59072A58-D6A9-896D-55FA-6275C98E4B54}"/>
+                  </a:ext>
+                </a:extLst>
+              </p:cNvPr>
+              <p:cNvSpPr/>
+              <p:nvPr/>
+            </p:nvSpPr>
+            <p:spPr>
+              <a:xfrm>
+                <a:off x="4191000" y="1600200"/>
+                <a:ext cx="4953000" cy="4876800"/>
+              </a:xfrm>
+              <a:prstGeom prst="frame">
+                <a:avLst>
+                  <a:gd name="adj1" fmla="val 17383"/>
+                </a:avLst>
+              </a:prstGeom>
+              <a:solidFill>
+                <a:schemeClr val="bg1"/>
+              </a:solidFill>
+              <a:ln>
+                <a:noFill/>
+              </a:ln>
+              <a:effectLst>
+                <a:softEdge rad="127000"/>
+              </a:effectLst>
+            </p:spPr>
+            <p:style>
+              <a:lnRef idx="2">
+                <a:schemeClr val="accent1">
+                  <a:shade val="50000"/>
+                </a:schemeClr>
+              </a:lnRef>
+              <a:fillRef idx="1">
+                <a:schemeClr val="accent1"/>
+              </a:fillRef>
+              <a:effectRef idx="0">
+                <a:schemeClr val="accent1"/>
+              </a:effectRef>
+              <a:fontRef idx="minor">
+                <a:schemeClr val="lt1"/>
+              </a:fontRef>
+            </p:style>
+            <p:txBody>
+              <a:bodyPr rtlCol="0" anchor="ctr"/>
+              <a:lstStyle/>
+              <a:p>
+                <a:pPr algn="ctr"/>
+                <a:endParaRPr lang="en-US" dirty="0">
+                  <a:solidFill>
+                    <a:schemeClr val="tx1"/>
+                  </a:solidFill>
+                </a:endParaRPr>
+              </a:p>
+            </p:txBody>
+          </p:sp>
+          <p:pic>
+            <p:nvPicPr>
+              <p:cNvPr id="21" name="Picture 2" descr="Vector clip art of metal adjustable wrench">
+                <a:extLst>
+                  <a:ext uri="{FF2B5EF4-FFF2-40B4-BE49-F238E27FC236}">
+                    <a16:creationId xmlns:a16="http://schemas.microsoft.com/office/drawing/2014/main" id="{2FCC4EC1-F7AD-FD4C-2054-235F3960F0C2}"/>
+                  </a:ext>
+                </a:extLst>
+              </p:cNvPr>
+              <p:cNvPicPr>
+                <a:picLocks noChangeAspect="1" noChangeArrowheads="1"/>
+              </p:cNvPicPr>
+              <p:nvPr/>
+            </p:nvPicPr>
+            <p:blipFill>
+              <a:blip r:embed="rId2">
+                <a:extLst>
+                  <a:ext uri="{28A0092B-C50C-407E-A947-70E740481C1C}">
+                    <a14:useLocalDpi xmlns:a14="http://schemas.microsoft.com/office/drawing/2010/main" val="0"/>
+                  </a:ext>
+                </a:extLst>
+              </a:blip>
+              <a:srcRect/>
+              <a:stretch>
+                <a:fillRect/>
+              </a:stretch>
+            </p:blipFill>
+            <p:spPr bwMode="auto">
+              <a:xfrm rot="16200000">
+                <a:off x="5667803" y="2467402"/>
+                <a:ext cx="2514600" cy="2514600"/>
+              </a:xfrm>
+              <a:prstGeom prst="rect">
+                <a:avLst/>
+              </a:prstGeom>
+              <a:noFill/>
+              <a:ln>
+                <a:noFill/>
+              </a:ln>
+              <a:extLst>
+                <a:ext uri="{909E8E84-426E-40DD-AFC4-6F175D3DCCD1}">
+                  <a14:hiddenFill xmlns:a14="http://schemas.microsoft.com/office/drawing/2010/main">
+                    <a:solidFill>
+                      <a:srgbClr val="FFFFFF"/>
+                    </a:solidFill>
+                  </a14:hiddenFill>
+                </a:ext>
+              </a:extLst>
+            </p:spPr>
+          </p:pic>
+        </p:grpSp>
+        <p:cxnSp>
+          <p:nvCxnSpPr>
+            <p:cNvPr id="9" name="Straight Arrow Connector 8">
+              <a:extLst>
+                <a:ext uri="{FF2B5EF4-FFF2-40B4-BE49-F238E27FC236}">
+                  <a16:creationId xmlns:a16="http://schemas.microsoft.com/office/drawing/2014/main" id="{2ED7B7D0-6638-3ECB-96CB-1F880F83BE12}"/>
+                </a:ext>
+              </a:extLst>
+            </p:cNvPr>
+            <p:cNvCxnSpPr/>
+            <p:nvPr/>
+          </p:nvCxnSpPr>
+          <p:spPr>
+            <a:xfrm>
+              <a:off x="5943600" y="4372522"/>
+              <a:ext cx="914400" cy="0"/>
+            </a:xfrm>
+            <a:prstGeom prst="straightConnector1">
+              <a:avLst/>
+            </a:prstGeom>
+            <a:ln>
+              <a:tailEnd type="triangle"/>
+            </a:ln>
+          </p:spPr>
+          <p:style>
+            <a:lnRef idx="2">
+              <a:schemeClr val="dk1"/>
+            </a:lnRef>
+            <a:fillRef idx="0">
+              <a:schemeClr val="dk1"/>
+            </a:fillRef>
+            <a:effectRef idx="1">
+              <a:schemeClr val="dk1"/>
+            </a:effectRef>
+            <a:fontRef idx="minor">
+              <a:schemeClr val="tx1"/>
+            </a:fontRef>
+          </p:style>
+        </p:cxnSp>
+        <p:cxnSp>
+          <p:nvCxnSpPr>
+            <p:cNvPr id="10" name="Straight Arrow Connector 9">
+              <a:extLst>
+                <a:ext uri="{FF2B5EF4-FFF2-40B4-BE49-F238E27FC236}">
+                  <a16:creationId xmlns:a16="http://schemas.microsoft.com/office/drawing/2014/main" id="{27241BE0-B1BB-91F4-CD82-1DEEA53E13A5}"/>
+                </a:ext>
+              </a:extLst>
+            </p:cNvPr>
+            <p:cNvCxnSpPr>
+              <a:cxnSpLocks/>
+            </p:cNvCxnSpPr>
+            <p:nvPr/>
+          </p:nvCxnSpPr>
+          <p:spPr>
+            <a:xfrm flipV="1">
+              <a:off x="5943600" y="3057525"/>
+              <a:ext cx="0" cy="1324522"/>
+            </a:xfrm>
+            <a:prstGeom prst="straightConnector1">
+              <a:avLst/>
+            </a:prstGeom>
+            <a:ln>
+              <a:tailEnd type="triangle"/>
+            </a:ln>
+          </p:spPr>
+          <p:style>
+            <a:lnRef idx="2">
+              <a:schemeClr val="dk1"/>
+            </a:lnRef>
+            <a:fillRef idx="0">
+              <a:schemeClr val="dk1"/>
+            </a:fillRef>
+            <a:effectRef idx="1">
+              <a:schemeClr val="dk1"/>
+            </a:effectRef>
+            <a:fontRef idx="minor">
+              <a:schemeClr val="tx1"/>
+            </a:fontRef>
+          </p:style>
+        </p:cxnSp>
+        <p:sp>
+          <p:nvSpPr>
+            <p:cNvPr id="11" name="TextBox 10">
+              <a:extLst>
+                <a:ext uri="{FF2B5EF4-FFF2-40B4-BE49-F238E27FC236}">
+                  <a16:creationId xmlns:a16="http://schemas.microsoft.com/office/drawing/2014/main" id="{4F5723D7-053F-381A-37F9-20DDFAB9F235}"/>
+                </a:ext>
+              </a:extLst>
+            </p:cNvPr>
+            <p:cNvSpPr txBox="1"/>
+            <p:nvPr/>
+          </p:nvSpPr>
+          <p:spPr>
+            <a:xfrm>
+              <a:off x="6777287" y="4342827"/>
+              <a:ext cx="261610" cy="369332"/>
+            </a:xfrm>
+            <a:prstGeom prst="rect">
+              <a:avLst/>
+            </a:prstGeom>
+            <a:noFill/>
+          </p:spPr>
+          <p:txBody>
+            <a:bodyPr wrap="none" rtlCol="0">
+              <a:spAutoFit/>
+            </a:bodyPr>
+            <a:lstStyle/>
+            <a:p>
+              <a:r>
+                <a:rPr lang="en-US" dirty="0"/>
+                <a:t>t</a:t>
+              </a:r>
+            </a:p>
+          </p:txBody>
+        </p:sp>
+        <p:sp>
+          <p:nvSpPr>
+            <p:cNvPr id="12" name="TextBox 11">
+              <a:extLst>
+                <a:ext uri="{FF2B5EF4-FFF2-40B4-BE49-F238E27FC236}">
+                  <a16:creationId xmlns:a16="http://schemas.microsoft.com/office/drawing/2014/main" id="{ACB5EF39-FFF3-3C0E-F90B-26A22C005CD0}"/>
+                </a:ext>
+              </a:extLst>
+            </p:cNvPr>
+            <p:cNvSpPr txBox="1"/>
+            <p:nvPr/>
+          </p:nvSpPr>
+          <p:spPr>
+            <a:xfrm>
+              <a:off x="5790353" y="2602468"/>
+              <a:ext cx="306494" cy="369332"/>
+            </a:xfrm>
+            <a:prstGeom prst="rect">
+              <a:avLst/>
+            </a:prstGeom>
+            <a:noFill/>
+          </p:spPr>
+          <p:txBody>
+            <a:bodyPr wrap="none" rtlCol="0">
+              <a:spAutoFit/>
+            </a:bodyPr>
+            <a:lstStyle/>
+            <a:p>
+              <a:r>
+                <a:rPr lang="en-US" dirty="0"/>
+                <a:t>n</a:t>
+              </a:r>
+            </a:p>
+          </p:txBody>
+        </p:sp>
+        <p:cxnSp>
+          <p:nvCxnSpPr>
+            <p:cNvPr id="13" name="Straight Arrow Connector 12">
+              <a:extLst>
+                <a:ext uri="{FF2B5EF4-FFF2-40B4-BE49-F238E27FC236}">
+                  <a16:creationId xmlns:a16="http://schemas.microsoft.com/office/drawing/2014/main" id="{851F5419-8DC3-745A-0CA1-6BDBDDE185C4}"/>
+                </a:ext>
+              </a:extLst>
+            </p:cNvPr>
+            <p:cNvCxnSpPr/>
+            <p:nvPr/>
+          </p:nvCxnSpPr>
+          <p:spPr>
+            <a:xfrm flipV="1">
+              <a:off x="5943600" y="3767931"/>
+              <a:ext cx="0" cy="609600"/>
+            </a:xfrm>
+            <a:prstGeom prst="straightConnector1">
+              <a:avLst/>
+            </a:prstGeom>
+            <a:ln>
+              <a:solidFill>
+                <a:srgbClr val="FF0000"/>
+              </a:solidFill>
+              <a:tailEnd type="triangle"/>
+            </a:ln>
+          </p:spPr>
+          <p:style>
+            <a:lnRef idx="3">
+              <a:schemeClr val="dk1"/>
+            </a:lnRef>
+            <a:fillRef idx="0">
+              <a:schemeClr val="dk1"/>
+            </a:fillRef>
+            <a:effectRef idx="2">
+              <a:schemeClr val="dk1"/>
+            </a:effectRef>
+            <a:fontRef idx="minor">
+              <a:schemeClr val="tx1"/>
+            </a:fontRef>
+          </p:style>
+        </p:cxnSp>
+        <p:sp>
+          <p:nvSpPr>
+            <p:cNvPr id="14" name="TextBox 13">
+              <a:extLst>
+                <a:ext uri="{FF2B5EF4-FFF2-40B4-BE49-F238E27FC236}">
+                  <a16:creationId xmlns:a16="http://schemas.microsoft.com/office/drawing/2014/main" id="{80C7DBF8-7B1B-F366-125E-6FAF142A497F}"/>
+                </a:ext>
+              </a:extLst>
+            </p:cNvPr>
+            <p:cNvSpPr txBox="1"/>
+            <p:nvPr/>
+          </p:nvSpPr>
+          <p:spPr>
+            <a:xfrm>
+              <a:off x="5138720" y="3748787"/>
+              <a:ext cx="720069" cy="369332"/>
+            </a:xfrm>
+            <a:prstGeom prst="rect">
+              <a:avLst/>
+            </a:prstGeom>
+            <a:noFill/>
+          </p:spPr>
+          <p:txBody>
+            <a:bodyPr wrap="none" rtlCol="0">
+              <a:spAutoFit/>
+            </a:bodyPr>
+            <a:lstStyle/>
+            <a:p>
+              <a:r>
+                <a:rPr lang="en-US" dirty="0">
+                  <a:solidFill>
+                    <a:srgbClr val="FF0000"/>
+                  </a:solidFill>
+                </a:rPr>
+                <a:t>F</a:t>
+              </a:r>
+              <a:r>
+                <a:rPr lang="en-US" baseline="-25000" dirty="0">
+                  <a:solidFill>
+                    <a:srgbClr val="FF0000"/>
+                  </a:solidFill>
+                </a:rPr>
+                <a:t>impact</a:t>
+              </a:r>
+            </a:p>
+          </p:txBody>
+        </p:sp>
+        <p:sp>
+          <p:nvSpPr>
+            <p:cNvPr id="15" name="Oval 14">
+              <a:extLst>
+                <a:ext uri="{FF2B5EF4-FFF2-40B4-BE49-F238E27FC236}">
+                  <a16:creationId xmlns:a16="http://schemas.microsoft.com/office/drawing/2014/main" id="{8A061AE8-09A7-8F4F-D4E9-791000B90251}"/>
+                </a:ext>
+              </a:extLst>
+            </p:cNvPr>
+            <p:cNvSpPr/>
+            <p:nvPr/>
+          </p:nvSpPr>
+          <p:spPr>
+            <a:xfrm>
+              <a:off x="6685847" y="3548083"/>
+              <a:ext cx="91440" cy="91440"/>
+            </a:xfrm>
+            <a:prstGeom prst="ellipse">
+              <a:avLst/>
+            </a:prstGeom>
+          </p:spPr>
+          <p:style>
+            <a:lnRef idx="2">
+              <a:schemeClr val="dk1">
+                <a:shade val="50000"/>
+              </a:schemeClr>
+            </a:lnRef>
+            <a:fillRef idx="1">
+              <a:schemeClr val="dk1"/>
+            </a:fillRef>
+            <a:effectRef idx="0">
+              <a:schemeClr val="dk1"/>
+            </a:effectRef>
+            <a:fontRef idx="minor">
+              <a:schemeClr val="lt1"/>
+            </a:fontRef>
+          </p:style>
+          <p:txBody>
+            <a:bodyPr rtlCol="0" anchor="ctr"/>
+            <a:lstStyle/>
+            <a:p>
+              <a:pPr algn="ctr"/>
+              <a:endParaRPr lang="en-US"/>
+            </a:p>
+          </p:txBody>
+        </p:sp>
+        <p:sp>
+          <p:nvSpPr>
+            <p:cNvPr id="16" name="Oval 15">
+              <a:extLst>
+                <a:ext uri="{FF2B5EF4-FFF2-40B4-BE49-F238E27FC236}">
+                  <a16:creationId xmlns:a16="http://schemas.microsoft.com/office/drawing/2014/main" id="{AA5BE3F3-E18F-9D5E-6B17-277FC9ED6998}"/>
+                </a:ext>
+              </a:extLst>
+            </p:cNvPr>
+            <p:cNvSpPr/>
+            <p:nvPr/>
+          </p:nvSpPr>
+          <p:spPr>
+            <a:xfrm>
+              <a:off x="5897879" y="4318759"/>
+              <a:ext cx="91440" cy="91440"/>
+            </a:xfrm>
+            <a:prstGeom prst="ellipse">
+              <a:avLst/>
+            </a:prstGeom>
+          </p:spPr>
+          <p:style>
+            <a:lnRef idx="2">
+              <a:schemeClr val="dk1">
+                <a:shade val="50000"/>
+              </a:schemeClr>
+            </a:lnRef>
+            <a:fillRef idx="1">
+              <a:schemeClr val="dk1"/>
+            </a:fillRef>
+            <a:effectRef idx="0">
+              <a:schemeClr val="dk1"/>
+            </a:effectRef>
+            <a:fontRef idx="minor">
+              <a:schemeClr val="lt1"/>
+            </a:fontRef>
+          </p:style>
+          <p:txBody>
+            <a:bodyPr rtlCol="0" anchor="ctr"/>
+            <a:lstStyle/>
+            <a:p>
+              <a:pPr algn="ctr"/>
+              <a:endParaRPr lang="en-US"/>
+            </a:p>
+          </p:txBody>
+        </p:sp>
+        <p:sp>
+          <p:nvSpPr>
+            <p:cNvPr id="17" name="TextBox 16">
+              <a:extLst>
+                <a:ext uri="{FF2B5EF4-FFF2-40B4-BE49-F238E27FC236}">
+                  <a16:creationId xmlns:a16="http://schemas.microsoft.com/office/drawing/2014/main" id="{1B029407-37B4-B569-95E3-2ABE4F9E7A1A}"/>
+                </a:ext>
+              </a:extLst>
+            </p:cNvPr>
+            <p:cNvSpPr txBox="1"/>
+            <p:nvPr/>
+          </p:nvSpPr>
+          <p:spPr>
+            <a:xfrm>
+              <a:off x="6472969" y="3104363"/>
+              <a:ext cx="330540" cy="369332"/>
+            </a:xfrm>
+            <a:prstGeom prst="rect">
+              <a:avLst/>
+            </a:prstGeom>
+            <a:noFill/>
+          </p:spPr>
+          <p:txBody>
+            <a:bodyPr wrap="none" rtlCol="0">
+              <a:spAutoFit/>
+            </a:bodyPr>
+            <a:lstStyle/>
+            <a:p>
+              <a:r>
+                <a:rPr lang="en-US" dirty="0"/>
+                <a:t>G</a:t>
+              </a:r>
+            </a:p>
+          </p:txBody>
+        </p:sp>
+        <p:sp>
+          <p:nvSpPr>
+            <p:cNvPr id="18" name="TextBox 17">
+              <a:extLst>
+                <a:ext uri="{FF2B5EF4-FFF2-40B4-BE49-F238E27FC236}">
+                  <a16:creationId xmlns:a16="http://schemas.microsoft.com/office/drawing/2014/main" id="{A2AC86D2-D9C8-71DD-493E-88B420D75B08}"/>
+                </a:ext>
+              </a:extLst>
+            </p:cNvPr>
+            <p:cNvSpPr txBox="1"/>
+            <p:nvPr/>
+          </p:nvSpPr>
+          <p:spPr>
+            <a:xfrm>
+              <a:off x="5766307" y="4417348"/>
+              <a:ext cx="303288" cy="369332"/>
+            </a:xfrm>
+            <a:prstGeom prst="rect">
+              <a:avLst/>
+            </a:prstGeom>
+            <a:noFill/>
+          </p:spPr>
+          <p:txBody>
+            <a:bodyPr wrap="none" rtlCol="0">
+              <a:spAutoFit/>
+            </a:bodyPr>
+            <a:lstStyle/>
+            <a:p>
+              <a:r>
+                <a:rPr lang="en-US" dirty="0"/>
+                <a:t>P</a:t>
+              </a:r>
+            </a:p>
+          </p:txBody>
+        </p:sp>
+      </p:grpSp>
+      <mc:AlternateContent xmlns:mc="http://schemas.openxmlformats.org/markup-compatibility/2006">
+        <mc:Choice xmlns:a14="http://schemas.microsoft.com/office/drawing/2010/main" Requires="a14">
           <p:sp>
             <p:nvSpPr>
               <p:cNvPr id="3" name="Content Placeholder 2">
@@ -5977,7 +9415,7 @@
             <p:spPr>
               <a:xfrm>
                 <a:off x="457200" y="1600200"/>
-                <a:ext cx="4343400" cy="4983162"/>
+                <a:ext cx="4136449" cy="4983162"/>
               </a:xfrm>
             </p:spPr>
             <p:txBody>
@@ -5988,13 +9426,21 @@
               <a:p>
                 <a:r>
                   <a:rPr lang="en-US" dirty="0"/>
-                  <a:t>Next, the coefficient of restitution can be applied in the normal direction.</a:t>
+                  <a:t>Next, the coefficient of restitution can be applied to the body.</a:t>
                 </a:r>
               </a:p>
               <a:p>
                 <a:r>
                   <a:rPr lang="en-US" dirty="0"/>
-                  <a:t>This is applied at the </a:t>
+                  <a:t>This is the </a:t>
+                </a:r>
+                <a:r>
+                  <a:rPr lang="en-US" b="1" dirty="0"/>
+                  <a:t>normal velocity</a:t>
+                </a:r>
+                <a:r>
+                  <a:rPr lang="en-US" dirty="0"/>
+                  <a:t> at the </a:t>
                 </a:r>
                 <a:r>
                   <a:rPr lang="en-US" b="1" dirty="0"/>
@@ -6063,7 +9509,7 @@
                                 <a:rPr lang="en-US" b="0" i="1" smtClean="0">
                                   <a:latin typeface="Cambria Math" panose="02040503050406030204" pitchFamily="18" charset="0"/>
                                 </a:rPr>
-                                <m:t>𝐴</m:t>
+                                <m:t>𝑃</m:t>
                               </m:r>
                               <m:r>
                                 <a:rPr lang="en-US" i="1">
@@ -6102,7 +9548,7 @@
                                 <a:rPr lang="en-US" b="0" i="1" smtClean="0">
                                   <a:latin typeface="Cambria Math" panose="02040503050406030204" pitchFamily="18" charset="0"/>
                                 </a:rPr>
-                                <m:t>𝐴</m:t>
+                                <m:t>𝑃</m:t>
                               </m:r>
                               <m:r>
                                 <a:rPr lang="en-US" i="1">
@@ -6125,7 +9571,7 @@
             </p:txBody>
           </p:sp>
         </mc:Choice>
-        <mc:Fallback xmlns="">
+        <mc:Fallback>
           <p:sp>
             <p:nvSpPr>
               <p:cNvPr id="3" name="Content Placeholder 2">
@@ -6145,12 +9591,12 @@
             <p:spPr>
               <a:xfrm>
                 <a:off x="457200" y="1600200"/>
-                <a:ext cx="4343400" cy="4983162"/>
+                <a:ext cx="4136449" cy="4983162"/>
               </a:xfrm>
               <a:blipFill>
-                <a:blip r:embed="rId2"/>
+                <a:blip r:embed="rId3"/>
                 <a:stretch>
-                  <a:fillRect l="-3226" t="-1591" r="-4488"/>
+                  <a:fillRect l="-3387" t="-1591"/>
                 </a:stretch>
               </a:blipFill>
             </p:spPr>
@@ -6169,82 +9615,6 @@
           </p:sp>
         </mc:Fallback>
       </mc:AlternateContent>
-      <p:sp>
-        <p:nvSpPr>
-          <p:cNvPr id="4" name="Slide Number Placeholder 3">
-            <a:extLst>
-              <a:ext uri="{FF2B5EF4-FFF2-40B4-BE49-F238E27FC236}">
-                <a16:creationId xmlns:a16="http://schemas.microsoft.com/office/drawing/2014/main" id="{9BB3DA46-FC30-4BC3-BB3B-F0EA9E371B04}"/>
-              </a:ext>
-            </a:extLst>
-          </p:cNvPr>
-          <p:cNvSpPr>
-            <a:spLocks noGrp="1"/>
-          </p:cNvSpPr>
-          <p:nvPr>
-            <p:ph type="sldNum" sz="quarter" idx="12"/>
-          </p:nvPr>
-        </p:nvSpPr>
-        <p:spPr/>
-        <p:txBody>
-          <a:bodyPr/>
-          <a:lstStyle/>
-          <a:p>
-            <a:fld id="{929262FE-7F58-4A1E-8AF3-5A510A86DEBD}" type="slidenum">
-              <a:rPr lang="en-US" smtClean="0"/>
-              <a:t>6</a:t>
-            </a:fld>
-            <a:endParaRPr lang="en-US" dirty="0"/>
-          </a:p>
-        </p:txBody>
-      </p:sp>
-      <p:pic>
-        <p:nvPicPr>
-          <p:cNvPr id="5" name="Picture 2" descr="A wrench dropped on a rigid floor">
-            <a:extLst>
-              <a:ext uri="{FF2B5EF4-FFF2-40B4-BE49-F238E27FC236}">
-                <a16:creationId xmlns:a16="http://schemas.microsoft.com/office/drawing/2014/main" id="{C7C20865-EED8-468C-9F12-9F9A051A017F}"/>
-              </a:ext>
-            </a:extLst>
-          </p:cNvPr>
-          <p:cNvPicPr>
-            <a:picLocks noChangeAspect="1" noChangeArrowheads="1"/>
-          </p:cNvPicPr>
-          <p:nvPr/>
-        </p:nvPicPr>
-        <p:blipFill>
-          <a:blip r:embed="rId3">
-            <a:extLst>
-              <a:ext uri="{28A0092B-C50C-407E-A947-70E740481C1C}">
-                <a14:useLocalDpi xmlns:a14="http://schemas.microsoft.com/office/drawing/2010/main" val="0"/>
-              </a:ext>
-            </a:extLst>
-          </a:blip>
-          <a:srcRect/>
-          <a:stretch>
-            <a:fillRect/>
-          </a:stretch>
-        </p:blipFill>
-        <p:spPr bwMode="auto">
-          <a:xfrm>
-            <a:off x="4933950" y="2285999"/>
-            <a:ext cx="3714750" cy="2790825"/>
-          </a:xfrm>
-          <a:prstGeom prst="rect">
-            <a:avLst/>
-          </a:prstGeom>
-          <a:noFill/>
-          <a:extLst>
-            <a:ext uri="{909E8E84-426E-40DD-AFC4-6F175D3DCCD1}">
-              <a14:hiddenFill xmlns:a14="http://schemas.microsoft.com/office/drawing/2010/main">
-                <a:solidFill>
-                  <a:srgbClr val="FFFFFF"/>
-                </a:solidFill>
-              </a14:hiddenFill>
-            </a:ext>
-          </a:extLst>
-        </p:spPr>
-      </p:pic>
     </p:spTree>
     <p:extLst>
       <p:ext uri="{BB962C8B-B14F-4D97-AF65-F5344CB8AC3E}">
@@ -6483,14 +9853,1699 @@
           </a:p>
         </p:txBody>
       </p:sp>
-      <mc:AlternateContent xmlns:mc="http://schemas.openxmlformats.org/markup-compatibility/2006" xmlns:a14="http://schemas.microsoft.com/office/drawing/2010/main">
-        <mc:Choice Requires="a14">
+      <p:sp>
+        <p:nvSpPr>
+          <p:cNvPr id="4" name="Slide Number Placeholder 3">
+            <a:extLst>
+              <a:ext uri="{FF2B5EF4-FFF2-40B4-BE49-F238E27FC236}">
+                <a16:creationId xmlns:a16="http://schemas.microsoft.com/office/drawing/2014/main" id="{9BB3DA46-FC30-4BC3-BB3B-F0EA9E371B04}"/>
+              </a:ext>
+            </a:extLst>
+          </p:cNvPr>
+          <p:cNvSpPr>
+            <a:spLocks noGrp="1"/>
+          </p:cNvSpPr>
+          <p:nvPr>
+            <p:ph type="sldNum" sz="quarter" idx="12"/>
+          </p:nvPr>
+        </p:nvSpPr>
+        <p:spPr/>
+        <p:txBody>
+          <a:bodyPr/>
+          <a:lstStyle/>
+          <a:p>
+            <a:fld id="{929262FE-7F58-4A1E-8AF3-5A510A86DEBD}" type="slidenum">
+              <a:rPr lang="en-US" smtClean="0"/>
+              <a:t>7</a:t>
+            </a:fld>
+            <a:endParaRPr lang="en-US" dirty="0"/>
+          </a:p>
+        </p:txBody>
+      </p:sp>
+      <p:grpSp>
+        <p:nvGrpSpPr>
+          <p:cNvPr id="6" name="Group 5">
+            <a:extLst>
+              <a:ext uri="{FF2B5EF4-FFF2-40B4-BE49-F238E27FC236}">
+                <a16:creationId xmlns:a16="http://schemas.microsoft.com/office/drawing/2014/main" id="{80C94F29-1753-690C-C31B-076FFC51C44B}"/>
+              </a:ext>
+            </a:extLst>
+          </p:cNvPr>
+          <p:cNvGrpSpPr/>
+          <p:nvPr/>
+        </p:nvGrpSpPr>
+        <p:grpSpPr>
+          <a:xfrm>
+            <a:off x="4090114" y="1515022"/>
+            <a:ext cx="4953000" cy="4876800"/>
+            <a:chOff x="4090114" y="1515022"/>
+            <a:chExt cx="4953000" cy="4876800"/>
+          </a:xfrm>
+        </p:grpSpPr>
+        <p:sp>
+          <p:nvSpPr>
+            <p:cNvPr id="7" name="Frame 6">
+              <a:extLst>
+                <a:ext uri="{FF2B5EF4-FFF2-40B4-BE49-F238E27FC236}">
+                  <a16:creationId xmlns:a16="http://schemas.microsoft.com/office/drawing/2014/main" id="{867BAA75-CFA8-0AAC-9981-00468FEC5434}"/>
+                </a:ext>
+              </a:extLst>
+            </p:cNvPr>
+            <p:cNvSpPr/>
+            <p:nvPr/>
+          </p:nvSpPr>
+          <p:spPr>
+            <a:xfrm>
+              <a:off x="4090114" y="1515022"/>
+              <a:ext cx="4953000" cy="4876800"/>
+            </a:xfrm>
+            <a:prstGeom prst="frame">
+              <a:avLst>
+                <a:gd name="adj1" fmla="val 17383"/>
+              </a:avLst>
+            </a:prstGeom>
+            <a:solidFill>
+              <a:schemeClr val="bg1"/>
+            </a:solidFill>
+            <a:effectLst>
+              <a:softEdge rad="127000"/>
+            </a:effectLst>
+          </p:spPr>
+          <p:style>
+            <a:lnRef idx="2">
+              <a:schemeClr val="accent1">
+                <a:shade val="50000"/>
+              </a:schemeClr>
+            </a:lnRef>
+            <a:fillRef idx="1">
+              <a:schemeClr val="accent1"/>
+            </a:fillRef>
+            <a:effectRef idx="0">
+              <a:schemeClr val="accent1"/>
+            </a:effectRef>
+            <a:fontRef idx="minor">
+              <a:schemeClr val="lt1"/>
+            </a:fontRef>
+          </p:style>
+          <p:txBody>
+            <a:bodyPr rtlCol="0" anchor="ctr"/>
+            <a:lstStyle/>
+            <a:p>
+              <a:pPr algn="ctr"/>
+              <a:endParaRPr lang="en-US" dirty="0">
+                <a:solidFill>
+                  <a:schemeClr val="tx1"/>
+                </a:solidFill>
+              </a:endParaRPr>
+            </a:p>
+          </p:txBody>
+        </p:sp>
+        <p:grpSp>
+          <p:nvGrpSpPr>
+            <p:cNvPr id="8" name="Group 7">
+              <a:extLst>
+                <a:ext uri="{FF2B5EF4-FFF2-40B4-BE49-F238E27FC236}">
+                  <a16:creationId xmlns:a16="http://schemas.microsoft.com/office/drawing/2014/main" id="{DEBA535C-C8BC-BFE0-A9C8-866637DA588E}"/>
+                </a:ext>
+              </a:extLst>
+            </p:cNvPr>
+            <p:cNvGrpSpPr/>
+            <p:nvPr/>
+          </p:nvGrpSpPr>
+          <p:grpSpPr>
+            <a:xfrm>
+              <a:off x="4090114" y="1515022"/>
+              <a:ext cx="4953000" cy="4876800"/>
+              <a:chOff x="4191000" y="1600200"/>
+              <a:chExt cx="4953000" cy="4876800"/>
+            </a:xfrm>
+          </p:grpSpPr>
+          <p:sp>
+            <p:nvSpPr>
+              <p:cNvPr id="19" name="Rectangle 18">
+                <a:extLst>
+                  <a:ext uri="{FF2B5EF4-FFF2-40B4-BE49-F238E27FC236}">
+                    <a16:creationId xmlns:a16="http://schemas.microsoft.com/office/drawing/2014/main" id="{8D439200-CEF5-47A0-0B18-F98CA92C8FC7}"/>
+                  </a:ext>
+                </a:extLst>
+              </p:cNvPr>
+              <p:cNvSpPr/>
+              <p:nvPr/>
+            </p:nvSpPr>
+            <p:spPr>
+              <a:xfrm>
+                <a:off x="4648200" y="4457700"/>
+                <a:ext cx="3962400" cy="1676400"/>
+              </a:xfrm>
+              <a:prstGeom prst="rect">
+                <a:avLst/>
+              </a:prstGeom>
+              <a:solidFill>
+                <a:schemeClr val="bg2">
+                  <a:lumMod val="75000"/>
+                </a:schemeClr>
+              </a:solidFill>
+              <a:ln>
+                <a:noFill/>
+              </a:ln>
+            </p:spPr>
+            <p:style>
+              <a:lnRef idx="2">
+                <a:schemeClr val="accent1">
+                  <a:shade val="50000"/>
+                </a:schemeClr>
+              </a:lnRef>
+              <a:fillRef idx="1">
+                <a:schemeClr val="accent1"/>
+              </a:fillRef>
+              <a:effectRef idx="0">
+                <a:schemeClr val="accent1"/>
+              </a:effectRef>
+              <a:fontRef idx="minor">
+                <a:schemeClr val="lt1"/>
+              </a:fontRef>
+            </p:style>
+            <p:txBody>
+              <a:bodyPr rtlCol="0" anchor="ctr"/>
+              <a:lstStyle/>
+              <a:p>
+                <a:pPr algn="ctr"/>
+                <a:endParaRPr lang="en-US"/>
+              </a:p>
+            </p:txBody>
+          </p:sp>
+          <p:sp>
+            <p:nvSpPr>
+              <p:cNvPr id="20" name="Frame 19">
+                <a:extLst>
+                  <a:ext uri="{FF2B5EF4-FFF2-40B4-BE49-F238E27FC236}">
+                    <a16:creationId xmlns:a16="http://schemas.microsoft.com/office/drawing/2014/main" id="{9E7777B1-01CD-48CB-7955-AABF7D7D72C2}"/>
+                  </a:ext>
+                </a:extLst>
+              </p:cNvPr>
+              <p:cNvSpPr/>
+              <p:nvPr/>
+            </p:nvSpPr>
+            <p:spPr>
+              <a:xfrm>
+                <a:off x="4191000" y="1600200"/>
+                <a:ext cx="4953000" cy="4876800"/>
+              </a:xfrm>
+              <a:prstGeom prst="frame">
+                <a:avLst>
+                  <a:gd name="adj1" fmla="val 17383"/>
+                </a:avLst>
+              </a:prstGeom>
+              <a:solidFill>
+                <a:schemeClr val="bg1"/>
+              </a:solidFill>
+              <a:ln>
+                <a:noFill/>
+              </a:ln>
+              <a:effectLst>
+                <a:softEdge rad="127000"/>
+              </a:effectLst>
+            </p:spPr>
+            <p:style>
+              <a:lnRef idx="2">
+                <a:schemeClr val="accent1">
+                  <a:shade val="50000"/>
+                </a:schemeClr>
+              </a:lnRef>
+              <a:fillRef idx="1">
+                <a:schemeClr val="accent1"/>
+              </a:fillRef>
+              <a:effectRef idx="0">
+                <a:schemeClr val="accent1"/>
+              </a:effectRef>
+              <a:fontRef idx="minor">
+                <a:schemeClr val="lt1"/>
+              </a:fontRef>
+            </p:style>
+            <p:txBody>
+              <a:bodyPr rtlCol="0" anchor="ctr"/>
+              <a:lstStyle/>
+              <a:p>
+                <a:pPr algn="ctr"/>
+                <a:endParaRPr lang="en-US" dirty="0">
+                  <a:solidFill>
+                    <a:schemeClr val="tx1"/>
+                  </a:solidFill>
+                </a:endParaRPr>
+              </a:p>
+            </p:txBody>
+          </p:sp>
+          <p:pic>
+            <p:nvPicPr>
+              <p:cNvPr id="21" name="Picture 2" descr="Vector clip art of metal adjustable wrench">
+                <a:extLst>
+                  <a:ext uri="{FF2B5EF4-FFF2-40B4-BE49-F238E27FC236}">
+                    <a16:creationId xmlns:a16="http://schemas.microsoft.com/office/drawing/2014/main" id="{549C308B-2366-666C-31DF-13DF30C8C40E}"/>
+                  </a:ext>
+                </a:extLst>
+              </p:cNvPr>
+              <p:cNvPicPr>
+                <a:picLocks noChangeAspect="1" noChangeArrowheads="1"/>
+              </p:cNvPicPr>
+              <p:nvPr/>
+            </p:nvPicPr>
+            <p:blipFill>
+              <a:blip r:embed="rId2">
+                <a:extLst>
+                  <a:ext uri="{28A0092B-C50C-407E-A947-70E740481C1C}">
+                    <a14:useLocalDpi xmlns:a14="http://schemas.microsoft.com/office/drawing/2010/main" val="0"/>
+                  </a:ext>
+                </a:extLst>
+              </a:blip>
+              <a:srcRect/>
+              <a:stretch>
+                <a:fillRect/>
+              </a:stretch>
+            </p:blipFill>
+            <p:spPr bwMode="auto">
+              <a:xfrm rot="16200000">
+                <a:off x="5667803" y="2467402"/>
+                <a:ext cx="2514600" cy="2514600"/>
+              </a:xfrm>
+              <a:prstGeom prst="rect">
+                <a:avLst/>
+              </a:prstGeom>
+              <a:noFill/>
+              <a:ln>
+                <a:noFill/>
+              </a:ln>
+              <a:extLst>
+                <a:ext uri="{909E8E84-426E-40DD-AFC4-6F175D3DCCD1}">
+                  <a14:hiddenFill xmlns:a14="http://schemas.microsoft.com/office/drawing/2010/main">
+                    <a:solidFill>
+                      <a:srgbClr val="FFFFFF"/>
+                    </a:solidFill>
+                  </a14:hiddenFill>
+                </a:ext>
+              </a:extLst>
+            </p:spPr>
+          </p:pic>
+        </p:grpSp>
+        <p:cxnSp>
+          <p:nvCxnSpPr>
+            <p:cNvPr id="9" name="Straight Arrow Connector 8">
+              <a:extLst>
+                <a:ext uri="{FF2B5EF4-FFF2-40B4-BE49-F238E27FC236}">
+                  <a16:creationId xmlns:a16="http://schemas.microsoft.com/office/drawing/2014/main" id="{A0A3B1AE-950E-5140-A123-690B5E9833DA}"/>
+                </a:ext>
+              </a:extLst>
+            </p:cNvPr>
+            <p:cNvCxnSpPr/>
+            <p:nvPr/>
+          </p:nvCxnSpPr>
+          <p:spPr>
+            <a:xfrm>
+              <a:off x="5943600" y="4372522"/>
+              <a:ext cx="914400" cy="0"/>
+            </a:xfrm>
+            <a:prstGeom prst="straightConnector1">
+              <a:avLst/>
+            </a:prstGeom>
+            <a:ln>
+              <a:tailEnd type="triangle"/>
+            </a:ln>
+          </p:spPr>
+          <p:style>
+            <a:lnRef idx="2">
+              <a:schemeClr val="dk1"/>
+            </a:lnRef>
+            <a:fillRef idx="0">
+              <a:schemeClr val="dk1"/>
+            </a:fillRef>
+            <a:effectRef idx="1">
+              <a:schemeClr val="dk1"/>
+            </a:effectRef>
+            <a:fontRef idx="minor">
+              <a:schemeClr val="tx1"/>
+            </a:fontRef>
+          </p:style>
+        </p:cxnSp>
+        <p:cxnSp>
+          <p:nvCxnSpPr>
+            <p:cNvPr id="10" name="Straight Arrow Connector 9">
+              <a:extLst>
+                <a:ext uri="{FF2B5EF4-FFF2-40B4-BE49-F238E27FC236}">
+                  <a16:creationId xmlns:a16="http://schemas.microsoft.com/office/drawing/2014/main" id="{B7B5E238-9CB6-E0A1-8E3C-7BCE74E18176}"/>
+                </a:ext>
+              </a:extLst>
+            </p:cNvPr>
+            <p:cNvCxnSpPr>
+              <a:cxnSpLocks/>
+            </p:cNvCxnSpPr>
+            <p:nvPr/>
+          </p:nvCxnSpPr>
+          <p:spPr>
+            <a:xfrm flipV="1">
+              <a:off x="5943600" y="3057525"/>
+              <a:ext cx="0" cy="1324522"/>
+            </a:xfrm>
+            <a:prstGeom prst="straightConnector1">
+              <a:avLst/>
+            </a:prstGeom>
+            <a:ln>
+              <a:tailEnd type="triangle"/>
+            </a:ln>
+          </p:spPr>
+          <p:style>
+            <a:lnRef idx="2">
+              <a:schemeClr val="dk1"/>
+            </a:lnRef>
+            <a:fillRef idx="0">
+              <a:schemeClr val="dk1"/>
+            </a:fillRef>
+            <a:effectRef idx="1">
+              <a:schemeClr val="dk1"/>
+            </a:effectRef>
+            <a:fontRef idx="minor">
+              <a:schemeClr val="tx1"/>
+            </a:fontRef>
+          </p:style>
+        </p:cxnSp>
+        <p:sp>
+          <p:nvSpPr>
+            <p:cNvPr id="11" name="TextBox 10">
+              <a:extLst>
+                <a:ext uri="{FF2B5EF4-FFF2-40B4-BE49-F238E27FC236}">
+                  <a16:creationId xmlns:a16="http://schemas.microsoft.com/office/drawing/2014/main" id="{956E8D7B-1648-E1CC-1443-28D771BC14FF}"/>
+                </a:ext>
+              </a:extLst>
+            </p:cNvPr>
+            <p:cNvSpPr txBox="1"/>
+            <p:nvPr/>
+          </p:nvSpPr>
+          <p:spPr>
+            <a:xfrm>
+              <a:off x="6777287" y="4342827"/>
+              <a:ext cx="261610" cy="369332"/>
+            </a:xfrm>
+            <a:prstGeom prst="rect">
+              <a:avLst/>
+            </a:prstGeom>
+            <a:noFill/>
+          </p:spPr>
+          <p:txBody>
+            <a:bodyPr wrap="none" rtlCol="0">
+              <a:spAutoFit/>
+            </a:bodyPr>
+            <a:lstStyle/>
+            <a:p>
+              <a:r>
+                <a:rPr lang="en-US" dirty="0"/>
+                <a:t>t</a:t>
+              </a:r>
+            </a:p>
+          </p:txBody>
+        </p:sp>
+        <p:sp>
+          <p:nvSpPr>
+            <p:cNvPr id="12" name="TextBox 11">
+              <a:extLst>
+                <a:ext uri="{FF2B5EF4-FFF2-40B4-BE49-F238E27FC236}">
+                  <a16:creationId xmlns:a16="http://schemas.microsoft.com/office/drawing/2014/main" id="{27B00ADB-9BD1-E656-1EE2-F14AEA932299}"/>
+                </a:ext>
+              </a:extLst>
+            </p:cNvPr>
+            <p:cNvSpPr txBox="1"/>
+            <p:nvPr/>
+          </p:nvSpPr>
+          <p:spPr>
+            <a:xfrm>
+              <a:off x="5790353" y="2602468"/>
+              <a:ext cx="306494" cy="369332"/>
+            </a:xfrm>
+            <a:prstGeom prst="rect">
+              <a:avLst/>
+            </a:prstGeom>
+            <a:noFill/>
+          </p:spPr>
+          <p:txBody>
+            <a:bodyPr wrap="none" rtlCol="0">
+              <a:spAutoFit/>
+            </a:bodyPr>
+            <a:lstStyle/>
+            <a:p>
+              <a:r>
+                <a:rPr lang="en-US" dirty="0"/>
+                <a:t>n</a:t>
+              </a:r>
+            </a:p>
+          </p:txBody>
+        </p:sp>
+        <p:cxnSp>
+          <p:nvCxnSpPr>
+            <p:cNvPr id="13" name="Straight Arrow Connector 12">
+              <a:extLst>
+                <a:ext uri="{FF2B5EF4-FFF2-40B4-BE49-F238E27FC236}">
+                  <a16:creationId xmlns:a16="http://schemas.microsoft.com/office/drawing/2014/main" id="{1B10CDE3-4E91-EAF3-B810-F9B37B99DF68}"/>
+                </a:ext>
+              </a:extLst>
+            </p:cNvPr>
+            <p:cNvCxnSpPr/>
+            <p:nvPr/>
+          </p:nvCxnSpPr>
+          <p:spPr>
+            <a:xfrm flipV="1">
+              <a:off x="5943600" y="3767931"/>
+              <a:ext cx="0" cy="609600"/>
+            </a:xfrm>
+            <a:prstGeom prst="straightConnector1">
+              <a:avLst/>
+            </a:prstGeom>
+            <a:ln>
+              <a:solidFill>
+                <a:srgbClr val="FF0000"/>
+              </a:solidFill>
+              <a:tailEnd type="triangle"/>
+            </a:ln>
+          </p:spPr>
+          <p:style>
+            <a:lnRef idx="3">
+              <a:schemeClr val="dk1"/>
+            </a:lnRef>
+            <a:fillRef idx="0">
+              <a:schemeClr val="dk1"/>
+            </a:fillRef>
+            <a:effectRef idx="2">
+              <a:schemeClr val="dk1"/>
+            </a:effectRef>
+            <a:fontRef idx="minor">
+              <a:schemeClr val="tx1"/>
+            </a:fontRef>
+          </p:style>
+        </p:cxnSp>
+        <p:sp>
+          <p:nvSpPr>
+            <p:cNvPr id="14" name="TextBox 13">
+              <a:extLst>
+                <a:ext uri="{FF2B5EF4-FFF2-40B4-BE49-F238E27FC236}">
+                  <a16:creationId xmlns:a16="http://schemas.microsoft.com/office/drawing/2014/main" id="{60E960D9-C44A-FF1F-720E-5873EA0F93E0}"/>
+                </a:ext>
+              </a:extLst>
+            </p:cNvPr>
+            <p:cNvSpPr txBox="1"/>
+            <p:nvPr/>
+          </p:nvSpPr>
+          <p:spPr>
+            <a:xfrm>
+              <a:off x="5138720" y="3748787"/>
+              <a:ext cx="720069" cy="369332"/>
+            </a:xfrm>
+            <a:prstGeom prst="rect">
+              <a:avLst/>
+            </a:prstGeom>
+            <a:noFill/>
+          </p:spPr>
+          <p:txBody>
+            <a:bodyPr wrap="none" rtlCol="0">
+              <a:spAutoFit/>
+            </a:bodyPr>
+            <a:lstStyle/>
+            <a:p>
+              <a:r>
+                <a:rPr lang="en-US" dirty="0">
+                  <a:solidFill>
+                    <a:srgbClr val="FF0000"/>
+                  </a:solidFill>
+                </a:rPr>
+                <a:t>F</a:t>
+              </a:r>
+              <a:r>
+                <a:rPr lang="en-US" baseline="-25000" dirty="0">
+                  <a:solidFill>
+                    <a:srgbClr val="FF0000"/>
+                  </a:solidFill>
+                </a:rPr>
+                <a:t>impact</a:t>
+              </a:r>
+            </a:p>
+          </p:txBody>
+        </p:sp>
+        <p:sp>
+          <p:nvSpPr>
+            <p:cNvPr id="15" name="Oval 14">
+              <a:extLst>
+                <a:ext uri="{FF2B5EF4-FFF2-40B4-BE49-F238E27FC236}">
+                  <a16:creationId xmlns:a16="http://schemas.microsoft.com/office/drawing/2014/main" id="{00659E97-853E-9FBC-AE0D-43B65F50DDD3}"/>
+                </a:ext>
+              </a:extLst>
+            </p:cNvPr>
+            <p:cNvSpPr/>
+            <p:nvPr/>
+          </p:nvSpPr>
+          <p:spPr>
+            <a:xfrm>
+              <a:off x="6685847" y="3548083"/>
+              <a:ext cx="91440" cy="91440"/>
+            </a:xfrm>
+            <a:prstGeom prst="ellipse">
+              <a:avLst/>
+            </a:prstGeom>
+          </p:spPr>
+          <p:style>
+            <a:lnRef idx="2">
+              <a:schemeClr val="dk1">
+                <a:shade val="50000"/>
+              </a:schemeClr>
+            </a:lnRef>
+            <a:fillRef idx="1">
+              <a:schemeClr val="dk1"/>
+            </a:fillRef>
+            <a:effectRef idx="0">
+              <a:schemeClr val="dk1"/>
+            </a:effectRef>
+            <a:fontRef idx="minor">
+              <a:schemeClr val="lt1"/>
+            </a:fontRef>
+          </p:style>
+          <p:txBody>
+            <a:bodyPr rtlCol="0" anchor="ctr"/>
+            <a:lstStyle/>
+            <a:p>
+              <a:pPr algn="ctr"/>
+              <a:endParaRPr lang="en-US"/>
+            </a:p>
+          </p:txBody>
+        </p:sp>
+        <p:sp>
+          <p:nvSpPr>
+            <p:cNvPr id="16" name="Oval 15">
+              <a:extLst>
+                <a:ext uri="{FF2B5EF4-FFF2-40B4-BE49-F238E27FC236}">
+                  <a16:creationId xmlns:a16="http://schemas.microsoft.com/office/drawing/2014/main" id="{7C862A7B-6EEE-2383-4589-8FA5BD372645}"/>
+                </a:ext>
+              </a:extLst>
+            </p:cNvPr>
+            <p:cNvSpPr/>
+            <p:nvPr/>
+          </p:nvSpPr>
+          <p:spPr>
+            <a:xfrm>
+              <a:off x="5897879" y="4318759"/>
+              <a:ext cx="91440" cy="91440"/>
+            </a:xfrm>
+            <a:prstGeom prst="ellipse">
+              <a:avLst/>
+            </a:prstGeom>
+          </p:spPr>
+          <p:style>
+            <a:lnRef idx="2">
+              <a:schemeClr val="dk1">
+                <a:shade val="50000"/>
+              </a:schemeClr>
+            </a:lnRef>
+            <a:fillRef idx="1">
+              <a:schemeClr val="dk1"/>
+            </a:fillRef>
+            <a:effectRef idx="0">
+              <a:schemeClr val="dk1"/>
+            </a:effectRef>
+            <a:fontRef idx="minor">
+              <a:schemeClr val="lt1"/>
+            </a:fontRef>
+          </p:style>
+          <p:txBody>
+            <a:bodyPr rtlCol="0" anchor="ctr"/>
+            <a:lstStyle/>
+            <a:p>
+              <a:pPr algn="ctr"/>
+              <a:endParaRPr lang="en-US"/>
+            </a:p>
+          </p:txBody>
+        </p:sp>
+        <p:sp>
+          <p:nvSpPr>
+            <p:cNvPr id="17" name="TextBox 16">
+              <a:extLst>
+                <a:ext uri="{FF2B5EF4-FFF2-40B4-BE49-F238E27FC236}">
+                  <a16:creationId xmlns:a16="http://schemas.microsoft.com/office/drawing/2014/main" id="{7F930F71-419B-A00E-C845-DF64304D9B2F}"/>
+                </a:ext>
+              </a:extLst>
+            </p:cNvPr>
+            <p:cNvSpPr txBox="1"/>
+            <p:nvPr/>
+          </p:nvSpPr>
+          <p:spPr>
+            <a:xfrm>
+              <a:off x="6472969" y="3104363"/>
+              <a:ext cx="330540" cy="369332"/>
+            </a:xfrm>
+            <a:prstGeom prst="rect">
+              <a:avLst/>
+            </a:prstGeom>
+            <a:noFill/>
+          </p:spPr>
+          <p:txBody>
+            <a:bodyPr wrap="none" rtlCol="0">
+              <a:spAutoFit/>
+            </a:bodyPr>
+            <a:lstStyle/>
+            <a:p>
+              <a:r>
+                <a:rPr lang="en-US" dirty="0"/>
+                <a:t>G</a:t>
+              </a:r>
+            </a:p>
+          </p:txBody>
+        </p:sp>
+        <p:sp>
+          <p:nvSpPr>
+            <p:cNvPr id="18" name="TextBox 17">
+              <a:extLst>
+                <a:ext uri="{FF2B5EF4-FFF2-40B4-BE49-F238E27FC236}">
+                  <a16:creationId xmlns:a16="http://schemas.microsoft.com/office/drawing/2014/main" id="{D48083CB-B853-B959-BD95-41F3FF7BA73A}"/>
+                </a:ext>
+              </a:extLst>
+            </p:cNvPr>
+            <p:cNvSpPr txBox="1"/>
+            <p:nvPr/>
+          </p:nvSpPr>
+          <p:spPr>
+            <a:xfrm>
+              <a:off x="5766307" y="4417348"/>
+              <a:ext cx="303288" cy="369332"/>
+            </a:xfrm>
+            <a:prstGeom prst="rect">
+              <a:avLst/>
+            </a:prstGeom>
+            <a:noFill/>
+          </p:spPr>
+          <p:txBody>
+            <a:bodyPr wrap="none" rtlCol="0">
+              <a:spAutoFit/>
+            </a:bodyPr>
+            <a:lstStyle/>
+            <a:p>
+              <a:r>
+                <a:rPr lang="en-US" dirty="0"/>
+                <a:t>P</a:t>
+              </a:r>
+            </a:p>
+          </p:txBody>
+        </p:sp>
+      </p:grpSp>
+      <p:sp>
+        <p:nvSpPr>
+          <p:cNvPr id="3" name="Content Placeholder 2">
+            <a:extLst>
+              <a:ext uri="{FF2B5EF4-FFF2-40B4-BE49-F238E27FC236}">
+                <a16:creationId xmlns:a16="http://schemas.microsoft.com/office/drawing/2014/main" id="{0733E3D0-D68F-440F-BA6F-B73521BC8944}"/>
+              </a:ext>
+            </a:extLst>
+          </p:cNvPr>
+          <p:cNvSpPr>
+            <a:spLocks noGrp="1"/>
+          </p:cNvSpPr>
+          <p:nvPr>
+            <p:ph idx="1"/>
+          </p:nvPr>
+        </p:nvSpPr>
+        <p:spPr>
+          <a:xfrm>
+            <a:off x="457200" y="1600200"/>
+            <a:ext cx="4343400" cy="4448722"/>
+          </a:xfrm>
+        </p:spPr>
+        <p:txBody>
+          <a:bodyPr>
+            <a:normAutofit fontScale="77500" lnSpcReduction="20000"/>
+          </a:bodyPr>
+          <a:lstStyle/>
+          <a:p>
+            <a:r>
+              <a:rPr lang="en-US" dirty="0"/>
+              <a:t>Finally, as there are no moments at the point of impact, the angular momentum of the body will be conserved </a:t>
+            </a:r>
+            <a:r>
+              <a:rPr lang="en-US" b="1" dirty="0"/>
+              <a:t>about the point of impact.</a:t>
+            </a:r>
+          </a:p>
+          <a:p>
+            <a:r>
+              <a:rPr lang="en-US" dirty="0"/>
+              <a:t>Since the point of impact is generally not the center of mass or an instant center, we will need to use the </a:t>
+            </a:r>
+            <a:r>
+              <a:rPr lang="en-US" b="1" dirty="0"/>
+              <a:t>angular momentum about any point </a:t>
+            </a:r>
+            <a:r>
+              <a:rPr lang="en-US" dirty="0"/>
+              <a:t>relationship as follows. </a:t>
+            </a:r>
+          </a:p>
+          <a:p>
+            <a:pPr marL="0" indent="0">
+              <a:buNone/>
+            </a:pPr>
+            <a:endParaRPr lang="en-US" dirty="0"/>
+          </a:p>
+          <a:p>
+            <a:endParaRPr lang="en-US" dirty="0"/>
+          </a:p>
+        </p:txBody>
+      </p:sp>
+      <mc:AlternateContent xmlns:mc="http://schemas.openxmlformats.org/markup-compatibility/2006">
+        <mc:Choice xmlns:a14="http://schemas.microsoft.com/office/drawing/2010/main" Requires="a14">
+          <p:sp>
+            <p:nvSpPr>
+              <p:cNvPr id="22" name="Content Placeholder 2">
+                <a:extLst>
+                  <a:ext uri="{FF2B5EF4-FFF2-40B4-BE49-F238E27FC236}">
+                    <a16:creationId xmlns:a16="http://schemas.microsoft.com/office/drawing/2014/main" id="{14297BB5-4029-BF63-7EDF-224D8E66F203}"/>
+                  </a:ext>
+                </a:extLst>
+              </p:cNvPr>
+              <p:cNvSpPr txBox="1">
+                <a:spLocks/>
+              </p:cNvSpPr>
+              <p:nvPr/>
+            </p:nvSpPr>
+            <p:spPr>
+              <a:xfrm>
+                <a:off x="234772" y="5822232"/>
+                <a:ext cx="8674456" cy="623735"/>
+              </a:xfrm>
+              <a:prstGeom prst="rect">
+                <a:avLst/>
+              </a:prstGeom>
+            </p:spPr>
+            <p:txBody>
+              <a:bodyPr vert="horz" lIns="91440" tIns="45720" rIns="91440" bIns="45720" rtlCol="0">
+                <a:normAutofit/>
+              </a:bodyPr>
+              <a:lstStyle>
+                <a:lvl1pPr marL="342900" indent="-342900" algn="l" defTabSz="914400" rtl="0" eaLnBrk="1" latinLnBrk="0" hangingPunct="1">
+                  <a:spcBef>
+                    <a:spcPct val="20000"/>
+                  </a:spcBef>
+                  <a:buFont typeface="Arial" panose="020B0604020202020204" pitchFamily="34" charset="0"/>
+                  <a:buChar char="•"/>
+                  <a:defRPr sz="3200" kern="1200">
+                    <a:solidFill>
+                      <a:schemeClr val="tx1"/>
+                    </a:solidFill>
+                    <a:latin typeface="+mn-lt"/>
+                    <a:ea typeface="+mn-ea"/>
+                    <a:cs typeface="+mn-cs"/>
+                  </a:defRPr>
+                </a:lvl1pPr>
+                <a:lvl2pPr marL="742950" indent="-285750" algn="l" defTabSz="914400" rtl="0" eaLnBrk="1" latinLnBrk="0" hangingPunct="1">
+                  <a:spcBef>
+                    <a:spcPct val="20000"/>
+                  </a:spcBef>
+                  <a:buFont typeface="Arial" panose="020B0604020202020204" pitchFamily="34" charset="0"/>
+                  <a:buChar char="–"/>
+                  <a:defRPr sz="2800" kern="1200">
+                    <a:solidFill>
+                      <a:schemeClr val="tx1"/>
+                    </a:solidFill>
+                    <a:latin typeface="+mn-lt"/>
+                    <a:ea typeface="+mn-ea"/>
+                    <a:cs typeface="+mn-cs"/>
+                  </a:defRPr>
+                </a:lvl2pPr>
+                <a:lvl3pPr marL="1143000" indent="-228600" algn="l" defTabSz="914400" rtl="0" eaLnBrk="1" latinLnBrk="0" hangingPunct="1">
+                  <a:spcBef>
+                    <a:spcPct val="20000"/>
+                  </a:spcBef>
+                  <a:buFont typeface="Arial" panose="020B0604020202020204" pitchFamily="34" charset="0"/>
+                  <a:buChar char="•"/>
+                  <a:defRPr sz="2400" kern="1200">
+                    <a:solidFill>
+                      <a:schemeClr val="tx1"/>
+                    </a:solidFill>
+                    <a:latin typeface="+mn-lt"/>
+                    <a:ea typeface="+mn-ea"/>
+                    <a:cs typeface="+mn-cs"/>
+                  </a:defRPr>
+                </a:lvl3pPr>
+                <a:lvl4pPr marL="1600200" indent="-228600" algn="l" defTabSz="914400" rtl="0" eaLnBrk="1" latinLnBrk="0" hangingPunct="1">
+                  <a:spcBef>
+                    <a:spcPct val="20000"/>
+                  </a:spcBef>
+                  <a:buFont typeface="Arial" panose="020B0604020202020204" pitchFamily="34" charset="0"/>
+                  <a:buChar char="–"/>
+                  <a:defRPr sz="2000" kern="1200">
+                    <a:solidFill>
+                      <a:schemeClr val="tx1"/>
+                    </a:solidFill>
+                    <a:latin typeface="+mn-lt"/>
+                    <a:ea typeface="+mn-ea"/>
+                    <a:cs typeface="+mn-cs"/>
+                  </a:defRPr>
+                </a:lvl4pPr>
+                <a:lvl5pPr marL="2057400" indent="-228600" algn="l" defTabSz="914400" rtl="0" eaLnBrk="1" latinLnBrk="0" hangingPunct="1">
+                  <a:spcBef>
+                    <a:spcPct val="20000"/>
+                  </a:spcBef>
+                  <a:buFont typeface="Arial" panose="020B0604020202020204" pitchFamily="34" charset="0"/>
+                  <a:buChar char="»"/>
+                  <a:defRPr sz="2000" kern="1200">
+                    <a:solidFill>
+                      <a:schemeClr val="tx1"/>
+                    </a:solidFill>
+                    <a:latin typeface="+mn-lt"/>
+                    <a:ea typeface="+mn-ea"/>
+                    <a:cs typeface="+mn-cs"/>
+                  </a:defRPr>
+                </a:lvl5pPr>
+                <a:lvl6pPr marL="2514600" indent="-228600" algn="l" defTabSz="914400" rtl="0" eaLnBrk="1" latinLnBrk="0" hangingPunct="1">
+                  <a:spcBef>
+                    <a:spcPct val="20000"/>
+                  </a:spcBef>
+                  <a:buFont typeface="Arial" panose="020B0604020202020204" pitchFamily="34" charset="0"/>
+                  <a:buChar char="•"/>
+                  <a:defRPr sz="2000" kern="1200">
+                    <a:solidFill>
+                      <a:schemeClr val="tx1"/>
+                    </a:solidFill>
+                    <a:latin typeface="+mn-lt"/>
+                    <a:ea typeface="+mn-ea"/>
+                    <a:cs typeface="+mn-cs"/>
+                  </a:defRPr>
+                </a:lvl6pPr>
+                <a:lvl7pPr marL="2971800" indent="-228600" algn="l" defTabSz="914400" rtl="0" eaLnBrk="1" latinLnBrk="0" hangingPunct="1">
+                  <a:spcBef>
+                    <a:spcPct val="20000"/>
+                  </a:spcBef>
+                  <a:buFont typeface="Arial" panose="020B0604020202020204" pitchFamily="34" charset="0"/>
+                  <a:buChar char="•"/>
+                  <a:defRPr sz="2000" kern="1200">
+                    <a:solidFill>
+                      <a:schemeClr val="tx1"/>
+                    </a:solidFill>
+                    <a:latin typeface="+mn-lt"/>
+                    <a:ea typeface="+mn-ea"/>
+                    <a:cs typeface="+mn-cs"/>
+                  </a:defRPr>
+                </a:lvl7pPr>
+                <a:lvl8pPr marL="3429000" indent="-228600" algn="l" defTabSz="914400" rtl="0" eaLnBrk="1" latinLnBrk="0" hangingPunct="1">
+                  <a:spcBef>
+                    <a:spcPct val="20000"/>
+                  </a:spcBef>
+                  <a:buFont typeface="Arial" panose="020B0604020202020204" pitchFamily="34" charset="0"/>
+                  <a:buChar char="•"/>
+                  <a:defRPr sz="2000" kern="1200">
+                    <a:solidFill>
+                      <a:schemeClr val="tx1"/>
+                    </a:solidFill>
+                    <a:latin typeface="+mn-lt"/>
+                    <a:ea typeface="+mn-ea"/>
+                    <a:cs typeface="+mn-cs"/>
+                  </a:defRPr>
+                </a:lvl8pPr>
+                <a:lvl9pPr marL="3886200" indent="-228600" algn="l" defTabSz="914400" rtl="0" eaLnBrk="1" latinLnBrk="0" hangingPunct="1">
+                  <a:spcBef>
+                    <a:spcPct val="20000"/>
+                  </a:spcBef>
+                  <a:buFont typeface="Arial" panose="020B0604020202020204" pitchFamily="34" charset="0"/>
+                  <a:buChar char="•"/>
+                  <a:defRPr sz="2000" kern="1200">
+                    <a:solidFill>
+                      <a:schemeClr val="tx1"/>
+                    </a:solidFill>
+                    <a:latin typeface="+mn-lt"/>
+                    <a:ea typeface="+mn-ea"/>
+                    <a:cs typeface="+mn-cs"/>
+                  </a:defRPr>
+                </a:lvl9pPr>
+              </a:lstStyle>
+              <a:p>
+                <a:pPr marL="0" indent="0">
+                  <a:buNone/>
+                </a:pPr>
+                <a14:m>
+                  <m:oMathPara xmlns:m="http://schemas.openxmlformats.org/officeDocument/2006/math">
+                    <m:oMathParaPr>
+                      <m:jc m:val="centerGroup"/>
+                    </m:oMathParaPr>
+                    <m:oMath xmlns:m="http://schemas.openxmlformats.org/officeDocument/2006/math">
+                      <m:sSub>
+                        <m:sSubPr>
+                          <m:ctrlPr>
+                            <a:rPr lang="en-US" sz="2800" i="1" smtClean="0">
+                              <a:latin typeface="Cambria Math" panose="02040503050406030204" pitchFamily="18" charset="0"/>
+                            </a:rPr>
+                          </m:ctrlPr>
+                        </m:sSubPr>
+                        <m:e>
+                          <m:r>
+                            <a:rPr lang="en-US" sz="2800" i="1">
+                              <a:latin typeface="Cambria Math" panose="02040503050406030204" pitchFamily="18" charset="0"/>
+                            </a:rPr>
+                            <m:t>𝐼</m:t>
+                          </m:r>
+                        </m:e>
+                        <m:sub>
+                          <m:r>
+                            <a:rPr lang="en-US" sz="2800" i="1">
+                              <a:latin typeface="Cambria Math" panose="02040503050406030204" pitchFamily="18" charset="0"/>
+                            </a:rPr>
+                            <m:t>𝐺</m:t>
+                          </m:r>
+                        </m:sub>
+                      </m:sSub>
+                      <m:r>
+                        <a:rPr lang="en-US" sz="2800" i="1">
+                          <a:latin typeface="Cambria Math" panose="02040503050406030204" pitchFamily="18" charset="0"/>
+                        </a:rPr>
+                        <m:t>∗</m:t>
+                      </m:r>
+                      <m:acc>
+                        <m:accPr>
+                          <m:chr m:val="⃑"/>
+                          <m:ctrlPr>
+                            <a:rPr lang="en-US" sz="2800" i="1">
+                              <a:latin typeface="Cambria Math" panose="02040503050406030204" pitchFamily="18" charset="0"/>
+                            </a:rPr>
+                          </m:ctrlPr>
+                        </m:accPr>
+                        <m:e>
+                          <m:sSub>
+                            <m:sSubPr>
+                              <m:ctrlPr>
+                                <a:rPr lang="en-US" sz="2800" i="1">
+                                  <a:latin typeface="Cambria Math" panose="02040503050406030204" pitchFamily="18" charset="0"/>
+                                  <a:ea typeface="Cambria Math" panose="02040503050406030204" pitchFamily="18" charset="0"/>
+                                </a:rPr>
+                              </m:ctrlPr>
+                            </m:sSubPr>
+                            <m:e>
+                              <m:r>
+                                <m:rPr>
+                                  <m:sty m:val="p"/>
+                                </m:rPr>
+                                <a:rPr lang="en-US" sz="2800">
+                                  <a:latin typeface="Cambria Math" panose="02040503050406030204" pitchFamily="18" charset="0"/>
+                                  <a:ea typeface="Cambria Math" panose="02040503050406030204" pitchFamily="18" charset="0"/>
+                                </a:rPr>
+                                <m:t>ω</m:t>
+                              </m:r>
+                            </m:e>
+                            <m:sub>
+                              <m:r>
+                                <a:rPr lang="en-US" sz="2800" i="1">
+                                  <a:latin typeface="Cambria Math" panose="02040503050406030204" pitchFamily="18" charset="0"/>
+                                  <a:ea typeface="Cambria Math" panose="02040503050406030204" pitchFamily="18" charset="0"/>
+                                </a:rPr>
+                                <m:t>𝑖</m:t>
+                              </m:r>
+                            </m:sub>
+                          </m:sSub>
+                        </m:e>
+                      </m:acc>
+                      <m:r>
+                        <a:rPr lang="en-US" sz="2800" i="1">
+                          <a:latin typeface="Cambria Math" panose="02040503050406030204" pitchFamily="18" charset="0"/>
+                          <a:ea typeface="Cambria Math" panose="02040503050406030204" pitchFamily="18" charset="0"/>
+                        </a:rPr>
+                        <m:t>+</m:t>
+                      </m:r>
+                      <m:acc>
+                        <m:accPr>
+                          <m:chr m:val="⃗"/>
+                          <m:ctrlPr>
+                            <a:rPr lang="en-US" sz="2800" i="1">
+                              <a:latin typeface="Cambria Math" panose="02040503050406030204" pitchFamily="18" charset="0"/>
+                              <a:ea typeface="Cambria Math" panose="02040503050406030204" pitchFamily="18" charset="0"/>
+                            </a:rPr>
+                          </m:ctrlPr>
+                        </m:accPr>
+                        <m:e>
+                          <m:sSub>
+                            <m:sSubPr>
+                              <m:ctrlPr>
+                                <a:rPr lang="en-US" sz="2800" i="1">
+                                  <a:latin typeface="Cambria Math" panose="02040503050406030204" pitchFamily="18" charset="0"/>
+                                  <a:ea typeface="Cambria Math" panose="02040503050406030204" pitchFamily="18" charset="0"/>
+                                </a:rPr>
+                              </m:ctrlPr>
+                            </m:sSubPr>
+                            <m:e>
+                              <m:r>
+                                <a:rPr lang="en-US" sz="2800" i="1">
+                                  <a:latin typeface="Cambria Math" panose="02040503050406030204" pitchFamily="18" charset="0"/>
+                                  <a:ea typeface="Cambria Math" panose="02040503050406030204" pitchFamily="18" charset="0"/>
+                                </a:rPr>
+                                <m:t>𝑟</m:t>
+                              </m:r>
+                            </m:e>
+                            <m:sub>
+                              <m:f>
+                                <m:fPr>
+                                  <m:type m:val="lin"/>
+                                  <m:ctrlPr>
+                                    <a:rPr lang="en-US" sz="2800" i="1">
+                                      <a:latin typeface="Cambria Math" panose="02040503050406030204" pitchFamily="18" charset="0"/>
+                                      <a:ea typeface="Cambria Math" panose="02040503050406030204" pitchFamily="18" charset="0"/>
+                                    </a:rPr>
+                                  </m:ctrlPr>
+                                </m:fPr>
+                                <m:num>
+                                  <m:r>
+                                    <a:rPr lang="en-US" sz="2800" i="1">
+                                      <a:latin typeface="Cambria Math" panose="02040503050406030204" pitchFamily="18" charset="0"/>
+                                      <a:ea typeface="Cambria Math" panose="02040503050406030204" pitchFamily="18" charset="0"/>
+                                    </a:rPr>
+                                    <m:t>𝐺</m:t>
+                                  </m:r>
+                                </m:num>
+                                <m:den>
+                                  <m:r>
+                                    <a:rPr lang="en-US" sz="2800" i="1">
+                                      <a:latin typeface="Cambria Math" panose="02040503050406030204" pitchFamily="18" charset="0"/>
+                                      <a:ea typeface="Cambria Math" panose="02040503050406030204" pitchFamily="18" charset="0"/>
+                                    </a:rPr>
+                                    <m:t>𝑃</m:t>
+                                  </m:r>
+                                </m:den>
+                              </m:f>
+                            </m:sub>
+                          </m:sSub>
+                        </m:e>
+                      </m:acc>
+                      <m:r>
+                        <a:rPr lang="en-US" sz="2800" i="1">
+                          <a:latin typeface="Cambria Math" panose="02040503050406030204" pitchFamily="18" charset="0"/>
+                          <a:ea typeface="Cambria Math" panose="02040503050406030204" pitchFamily="18" charset="0"/>
+                        </a:rPr>
+                        <m:t>×</m:t>
+                      </m:r>
+                      <m:d>
+                        <m:dPr>
+                          <m:ctrlPr>
+                            <a:rPr lang="en-US" sz="2800" i="1">
+                              <a:latin typeface="Cambria Math" panose="02040503050406030204" pitchFamily="18" charset="0"/>
+                              <a:ea typeface="Cambria Math" panose="02040503050406030204" pitchFamily="18" charset="0"/>
+                            </a:rPr>
+                          </m:ctrlPr>
+                        </m:dPr>
+                        <m:e>
+                          <m:r>
+                            <a:rPr lang="en-US" sz="2800" i="1">
+                              <a:latin typeface="Cambria Math" panose="02040503050406030204" pitchFamily="18" charset="0"/>
+                              <a:ea typeface="Cambria Math" panose="02040503050406030204" pitchFamily="18" charset="0"/>
+                            </a:rPr>
+                            <m:t>𝑚</m:t>
+                          </m:r>
+                          <m:r>
+                            <a:rPr lang="en-US" sz="2800" i="1">
+                              <a:latin typeface="Cambria Math" panose="02040503050406030204" pitchFamily="18" charset="0"/>
+                              <a:ea typeface="Cambria Math" panose="02040503050406030204" pitchFamily="18" charset="0"/>
+                            </a:rPr>
+                            <m:t>∗</m:t>
+                          </m:r>
+                          <m:acc>
+                            <m:accPr>
+                              <m:chr m:val="⃗"/>
+                              <m:ctrlPr>
+                                <a:rPr lang="en-US" sz="2800" i="1">
+                                  <a:latin typeface="Cambria Math" panose="02040503050406030204" pitchFamily="18" charset="0"/>
+                                  <a:ea typeface="Cambria Math" panose="02040503050406030204" pitchFamily="18" charset="0"/>
+                                </a:rPr>
+                              </m:ctrlPr>
+                            </m:accPr>
+                            <m:e>
+                              <m:sSub>
+                                <m:sSubPr>
+                                  <m:ctrlPr>
+                                    <a:rPr lang="en-US" sz="2800" i="1">
+                                      <a:latin typeface="Cambria Math" panose="02040503050406030204" pitchFamily="18" charset="0"/>
+                                      <a:ea typeface="Cambria Math" panose="02040503050406030204" pitchFamily="18" charset="0"/>
+                                    </a:rPr>
+                                  </m:ctrlPr>
+                                </m:sSubPr>
+                                <m:e>
+                                  <m:r>
+                                    <a:rPr lang="en-US" sz="2800" i="1">
+                                      <a:latin typeface="Cambria Math" panose="02040503050406030204" pitchFamily="18" charset="0"/>
+                                      <a:ea typeface="Cambria Math" panose="02040503050406030204" pitchFamily="18" charset="0"/>
+                                    </a:rPr>
+                                    <m:t>𝑣</m:t>
+                                  </m:r>
+                                </m:e>
+                                <m:sub>
+                                  <m:r>
+                                    <a:rPr lang="en-US" sz="2800" i="1">
+                                      <a:latin typeface="Cambria Math" panose="02040503050406030204" pitchFamily="18" charset="0"/>
+                                      <a:ea typeface="Cambria Math" panose="02040503050406030204" pitchFamily="18" charset="0"/>
+                                    </a:rPr>
+                                    <m:t>𝐺𝑖</m:t>
+                                  </m:r>
+                                </m:sub>
+                              </m:sSub>
+                            </m:e>
+                          </m:acc>
+                        </m:e>
+                      </m:d>
+                      <m:r>
+                        <a:rPr lang="en-US" sz="2800" i="1">
+                          <a:latin typeface="Cambria Math" panose="02040503050406030204" pitchFamily="18" charset="0"/>
+                          <a:ea typeface="Cambria Math" panose="02040503050406030204" pitchFamily="18" charset="0"/>
+                        </a:rPr>
+                        <m:t>=</m:t>
+                      </m:r>
+                      <m:sSub>
+                        <m:sSubPr>
+                          <m:ctrlPr>
+                            <a:rPr lang="en-US" sz="2800" i="1">
+                              <a:latin typeface="Cambria Math" panose="02040503050406030204" pitchFamily="18" charset="0"/>
+                            </a:rPr>
+                          </m:ctrlPr>
+                        </m:sSubPr>
+                        <m:e>
+                          <m:r>
+                            <a:rPr lang="en-US" sz="2800" i="1">
+                              <a:latin typeface="Cambria Math" panose="02040503050406030204" pitchFamily="18" charset="0"/>
+                            </a:rPr>
+                            <m:t>𝐼</m:t>
+                          </m:r>
+                        </m:e>
+                        <m:sub>
+                          <m:r>
+                            <a:rPr lang="en-US" sz="2800" i="1">
+                              <a:latin typeface="Cambria Math" panose="02040503050406030204" pitchFamily="18" charset="0"/>
+                            </a:rPr>
+                            <m:t>𝐺</m:t>
+                          </m:r>
+                        </m:sub>
+                      </m:sSub>
+                      <m:r>
+                        <a:rPr lang="en-US" sz="2800" i="1">
+                          <a:latin typeface="Cambria Math" panose="02040503050406030204" pitchFamily="18" charset="0"/>
+                        </a:rPr>
+                        <m:t>∗</m:t>
+                      </m:r>
+                      <m:acc>
+                        <m:accPr>
+                          <m:chr m:val="⃑"/>
+                          <m:ctrlPr>
+                            <a:rPr lang="en-US" sz="2800" i="1">
+                              <a:latin typeface="Cambria Math" panose="02040503050406030204" pitchFamily="18" charset="0"/>
+                            </a:rPr>
+                          </m:ctrlPr>
+                        </m:accPr>
+                        <m:e>
+                          <m:sSub>
+                            <m:sSubPr>
+                              <m:ctrlPr>
+                                <a:rPr lang="en-US" sz="2800" i="1">
+                                  <a:latin typeface="Cambria Math" panose="02040503050406030204" pitchFamily="18" charset="0"/>
+                                  <a:ea typeface="Cambria Math" panose="02040503050406030204" pitchFamily="18" charset="0"/>
+                                </a:rPr>
+                              </m:ctrlPr>
+                            </m:sSubPr>
+                            <m:e>
+                              <m:r>
+                                <m:rPr>
+                                  <m:sty m:val="p"/>
+                                </m:rPr>
+                                <a:rPr lang="en-US" sz="2800">
+                                  <a:latin typeface="Cambria Math" panose="02040503050406030204" pitchFamily="18" charset="0"/>
+                                  <a:ea typeface="Cambria Math" panose="02040503050406030204" pitchFamily="18" charset="0"/>
+                                </a:rPr>
+                                <m:t>ω</m:t>
+                              </m:r>
+                            </m:e>
+                            <m:sub>
+                              <m:r>
+                                <a:rPr lang="en-US" sz="2800" i="1">
+                                  <a:latin typeface="Cambria Math" panose="02040503050406030204" pitchFamily="18" charset="0"/>
+                                  <a:ea typeface="Cambria Math" panose="02040503050406030204" pitchFamily="18" charset="0"/>
+                                </a:rPr>
+                                <m:t>𝑓</m:t>
+                              </m:r>
+                            </m:sub>
+                          </m:sSub>
+                        </m:e>
+                      </m:acc>
+                      <m:r>
+                        <a:rPr lang="en-US" sz="2800" i="1">
+                          <a:latin typeface="Cambria Math" panose="02040503050406030204" pitchFamily="18" charset="0"/>
+                          <a:ea typeface="Cambria Math" panose="02040503050406030204" pitchFamily="18" charset="0"/>
+                        </a:rPr>
+                        <m:t>+</m:t>
+                      </m:r>
+                      <m:acc>
+                        <m:accPr>
+                          <m:chr m:val="⃗"/>
+                          <m:ctrlPr>
+                            <a:rPr lang="en-US" sz="2800" i="1">
+                              <a:latin typeface="Cambria Math" panose="02040503050406030204" pitchFamily="18" charset="0"/>
+                              <a:ea typeface="Cambria Math" panose="02040503050406030204" pitchFamily="18" charset="0"/>
+                            </a:rPr>
+                          </m:ctrlPr>
+                        </m:accPr>
+                        <m:e>
+                          <m:sSub>
+                            <m:sSubPr>
+                              <m:ctrlPr>
+                                <a:rPr lang="en-US" sz="2800" i="1">
+                                  <a:latin typeface="Cambria Math" panose="02040503050406030204" pitchFamily="18" charset="0"/>
+                                  <a:ea typeface="Cambria Math" panose="02040503050406030204" pitchFamily="18" charset="0"/>
+                                </a:rPr>
+                              </m:ctrlPr>
+                            </m:sSubPr>
+                            <m:e>
+                              <m:r>
+                                <a:rPr lang="en-US" sz="2800" i="1">
+                                  <a:latin typeface="Cambria Math" panose="02040503050406030204" pitchFamily="18" charset="0"/>
+                                  <a:ea typeface="Cambria Math" panose="02040503050406030204" pitchFamily="18" charset="0"/>
+                                </a:rPr>
+                                <m:t>𝑟</m:t>
+                              </m:r>
+                            </m:e>
+                            <m:sub>
+                              <m:f>
+                                <m:fPr>
+                                  <m:type m:val="lin"/>
+                                  <m:ctrlPr>
+                                    <a:rPr lang="en-US" sz="2800" i="1">
+                                      <a:latin typeface="Cambria Math" panose="02040503050406030204" pitchFamily="18" charset="0"/>
+                                      <a:ea typeface="Cambria Math" panose="02040503050406030204" pitchFamily="18" charset="0"/>
+                                    </a:rPr>
+                                  </m:ctrlPr>
+                                </m:fPr>
+                                <m:num>
+                                  <m:r>
+                                    <a:rPr lang="en-US" sz="2800" i="1">
+                                      <a:latin typeface="Cambria Math" panose="02040503050406030204" pitchFamily="18" charset="0"/>
+                                      <a:ea typeface="Cambria Math" panose="02040503050406030204" pitchFamily="18" charset="0"/>
+                                    </a:rPr>
+                                    <m:t>𝐺</m:t>
+                                  </m:r>
+                                </m:num>
+                                <m:den>
+                                  <m:r>
+                                    <a:rPr lang="en-US" sz="2800" i="1">
+                                      <a:latin typeface="Cambria Math" panose="02040503050406030204" pitchFamily="18" charset="0"/>
+                                      <a:ea typeface="Cambria Math" panose="02040503050406030204" pitchFamily="18" charset="0"/>
+                                    </a:rPr>
+                                    <m:t>𝑃</m:t>
+                                  </m:r>
+                                </m:den>
+                              </m:f>
+                            </m:sub>
+                          </m:sSub>
+                        </m:e>
+                      </m:acc>
+                      <m:r>
+                        <a:rPr lang="en-US" sz="2800" i="1">
+                          <a:latin typeface="Cambria Math" panose="02040503050406030204" pitchFamily="18" charset="0"/>
+                          <a:ea typeface="Cambria Math" panose="02040503050406030204" pitchFamily="18" charset="0"/>
+                        </a:rPr>
+                        <m:t>×</m:t>
+                      </m:r>
+                      <m:d>
+                        <m:dPr>
+                          <m:ctrlPr>
+                            <a:rPr lang="en-US" sz="2800" i="1">
+                              <a:latin typeface="Cambria Math" panose="02040503050406030204" pitchFamily="18" charset="0"/>
+                              <a:ea typeface="Cambria Math" panose="02040503050406030204" pitchFamily="18" charset="0"/>
+                            </a:rPr>
+                          </m:ctrlPr>
+                        </m:dPr>
+                        <m:e>
+                          <m:r>
+                            <a:rPr lang="en-US" sz="2800" i="1">
+                              <a:latin typeface="Cambria Math" panose="02040503050406030204" pitchFamily="18" charset="0"/>
+                              <a:ea typeface="Cambria Math" panose="02040503050406030204" pitchFamily="18" charset="0"/>
+                            </a:rPr>
+                            <m:t>𝑚</m:t>
+                          </m:r>
+                          <m:r>
+                            <a:rPr lang="en-US" sz="2800" i="1">
+                              <a:latin typeface="Cambria Math" panose="02040503050406030204" pitchFamily="18" charset="0"/>
+                              <a:ea typeface="Cambria Math" panose="02040503050406030204" pitchFamily="18" charset="0"/>
+                            </a:rPr>
+                            <m:t>∗</m:t>
+                          </m:r>
+                          <m:acc>
+                            <m:accPr>
+                              <m:chr m:val="⃗"/>
+                              <m:ctrlPr>
+                                <a:rPr lang="en-US" sz="2800" i="1">
+                                  <a:latin typeface="Cambria Math" panose="02040503050406030204" pitchFamily="18" charset="0"/>
+                                  <a:ea typeface="Cambria Math" panose="02040503050406030204" pitchFamily="18" charset="0"/>
+                                </a:rPr>
+                              </m:ctrlPr>
+                            </m:accPr>
+                            <m:e>
+                              <m:sSub>
+                                <m:sSubPr>
+                                  <m:ctrlPr>
+                                    <a:rPr lang="en-US" sz="2800" i="1">
+                                      <a:latin typeface="Cambria Math" panose="02040503050406030204" pitchFamily="18" charset="0"/>
+                                      <a:ea typeface="Cambria Math" panose="02040503050406030204" pitchFamily="18" charset="0"/>
+                                    </a:rPr>
+                                  </m:ctrlPr>
+                                </m:sSubPr>
+                                <m:e>
+                                  <m:r>
+                                    <a:rPr lang="en-US" sz="2800" i="1">
+                                      <a:latin typeface="Cambria Math" panose="02040503050406030204" pitchFamily="18" charset="0"/>
+                                      <a:ea typeface="Cambria Math" panose="02040503050406030204" pitchFamily="18" charset="0"/>
+                                    </a:rPr>
+                                    <m:t>𝑣</m:t>
+                                  </m:r>
+                                </m:e>
+                                <m:sub>
+                                  <m:r>
+                                    <a:rPr lang="en-US" sz="2800" i="1">
+                                      <a:latin typeface="Cambria Math" panose="02040503050406030204" pitchFamily="18" charset="0"/>
+                                      <a:ea typeface="Cambria Math" panose="02040503050406030204" pitchFamily="18" charset="0"/>
+                                    </a:rPr>
+                                    <m:t>𝐺</m:t>
+                                  </m:r>
+                                  <m:r>
+                                    <a:rPr lang="en-US" sz="2800" b="0" i="1" smtClean="0">
+                                      <a:latin typeface="Cambria Math" panose="02040503050406030204" pitchFamily="18" charset="0"/>
+                                      <a:ea typeface="Cambria Math" panose="02040503050406030204" pitchFamily="18" charset="0"/>
+                                    </a:rPr>
+                                    <m:t>𝑓</m:t>
+                                  </m:r>
+                                </m:sub>
+                              </m:sSub>
+                            </m:e>
+                          </m:acc>
+                        </m:e>
+                      </m:d>
+                    </m:oMath>
+                  </m:oMathPara>
+                </a14:m>
+                <a:endParaRPr lang="en-US" dirty="0"/>
+              </a:p>
+              <a:p>
+                <a:pPr marL="0" indent="0">
+                  <a:buFont typeface="Arial" panose="020B0604020202020204" pitchFamily="34" charset="0"/>
+                  <a:buNone/>
+                </a:pPr>
+                <a:endParaRPr lang="en-US" dirty="0"/>
+              </a:p>
+              <a:p>
+                <a:endParaRPr lang="en-US" dirty="0"/>
+              </a:p>
+            </p:txBody>
+          </p:sp>
+        </mc:Choice>
+        <mc:Fallback>
+          <p:sp>
+            <p:nvSpPr>
+              <p:cNvPr id="22" name="Content Placeholder 2">
+                <a:extLst>
+                  <a:ext uri="{FF2B5EF4-FFF2-40B4-BE49-F238E27FC236}">
+                    <a16:creationId xmlns:a16="http://schemas.microsoft.com/office/drawing/2014/main" id="{14297BB5-4029-BF63-7EDF-224D8E66F203}"/>
+                  </a:ext>
+                </a:extLst>
+              </p:cNvPr>
+              <p:cNvSpPr txBox="1">
+                <a:spLocks noRot="1" noChangeAspect="1" noMove="1" noResize="1" noEditPoints="1" noAdjustHandles="1" noChangeArrowheads="1" noChangeShapeType="1" noTextEdit="1"/>
+              </p:cNvSpPr>
+              <p:nvPr/>
+            </p:nvSpPr>
+            <p:spPr>
+              <a:xfrm>
+                <a:off x="234772" y="5822232"/>
+                <a:ext cx="8674456" cy="623735"/>
+              </a:xfrm>
+              <a:prstGeom prst="rect">
+                <a:avLst/>
+              </a:prstGeom>
+              <a:blipFill>
+                <a:blip r:embed="rId3"/>
+                <a:stretch>
+                  <a:fillRect/>
+                </a:stretch>
+              </a:blipFill>
+            </p:spPr>
+            <p:txBody>
+              <a:bodyPr/>
+              <a:lstStyle/>
+              <a:p>
+                <a:r>
+                  <a:rPr lang="en-US">
+                    <a:noFill/>
+                  </a:rPr>
+                  <a:t> </a:t>
+                </a:r>
+              </a:p>
+            </p:txBody>
+          </p:sp>
+        </mc:Fallback>
+      </mc:AlternateContent>
+    </p:spTree>
+    <p:extLst>
+      <p:ext uri="{BB962C8B-B14F-4D97-AF65-F5344CB8AC3E}">
+        <p14:creationId xmlns:p14="http://schemas.microsoft.com/office/powerpoint/2010/main" val="3089954168"/>
+      </p:ext>
+    </p:extLst>
+  </p:cSld>
+  <p:clrMapOvr>
+    <a:masterClrMapping/>
+  </p:clrMapOvr>
+  <p:timing>
+    <p:tnLst>
+      <p:par>
+        <p:cTn id="1" dur="indefinite" restart="never" nodeType="tmRoot">
+          <p:childTnLst>
+            <p:seq concurrent="1" nextAc="seek">
+              <p:cTn id="2" dur="indefinite" nodeType="mainSeq">
+                <p:childTnLst>
+                  <p:par>
+                    <p:cTn id="3" fill="hold">
+                      <p:stCondLst>
+                        <p:cond delay="indefinite"/>
+                      </p:stCondLst>
+                      <p:childTnLst>
+                        <p:par>
+                          <p:cTn id="4" fill="hold">
+                            <p:stCondLst>
+                              <p:cond delay="0"/>
+                            </p:stCondLst>
+                            <p:childTnLst>
+                              <p:par>
+                                <p:cTn id="5" presetID="1" presetClass="entr" presetSubtype="0" fill="hold" grpId="0" nodeType="clickEffect">
+                                  <p:stCondLst>
+                                    <p:cond delay="0"/>
+                                  </p:stCondLst>
+                                  <p:childTnLst>
+                                    <p:set>
+                                      <p:cBhvr>
+                                        <p:cTn id="6" dur="1" fill="hold">
+                                          <p:stCondLst>
+                                            <p:cond delay="0"/>
+                                          </p:stCondLst>
+                                        </p:cTn>
+                                        <p:tgtEl>
+                                          <p:spTgt spid="3">
+                                            <p:txEl>
+                                              <p:pRg st="0" end="0"/>
+                                            </p:txEl>
+                                          </p:spTgt>
+                                        </p:tgtEl>
+                                        <p:attrNameLst>
+                                          <p:attrName>style.visibility</p:attrName>
+                                        </p:attrNameLst>
+                                      </p:cBhvr>
+                                      <p:to>
+                                        <p:strVal val="visible"/>
+                                      </p:to>
+                                    </p:set>
+                                  </p:childTnLst>
+                                </p:cTn>
+                              </p:par>
+                            </p:childTnLst>
+                          </p:cTn>
+                        </p:par>
+                      </p:childTnLst>
+                    </p:cTn>
+                  </p:par>
+                  <p:par>
+                    <p:cTn id="7" fill="hold">
+                      <p:stCondLst>
+                        <p:cond delay="indefinite"/>
+                      </p:stCondLst>
+                      <p:childTnLst>
+                        <p:par>
+                          <p:cTn id="8" fill="hold">
+                            <p:stCondLst>
+                              <p:cond delay="0"/>
+                            </p:stCondLst>
+                            <p:childTnLst>
+                              <p:par>
+                                <p:cTn id="9" presetID="1" presetClass="entr" presetSubtype="0" fill="hold" grpId="0" nodeType="clickEffect">
+                                  <p:stCondLst>
+                                    <p:cond delay="0"/>
+                                  </p:stCondLst>
+                                  <p:childTnLst>
+                                    <p:set>
+                                      <p:cBhvr>
+                                        <p:cTn id="10" dur="1" fill="hold">
+                                          <p:stCondLst>
+                                            <p:cond delay="0"/>
+                                          </p:stCondLst>
+                                        </p:cTn>
+                                        <p:tgtEl>
+                                          <p:spTgt spid="3">
+                                            <p:txEl>
+                                              <p:pRg st="1" end="1"/>
+                                            </p:txEl>
+                                          </p:spTgt>
+                                        </p:tgtEl>
+                                        <p:attrNameLst>
+                                          <p:attrName>style.visibility</p:attrName>
+                                        </p:attrNameLst>
+                                      </p:cBhvr>
+                                      <p:to>
+                                        <p:strVal val="visible"/>
+                                      </p:to>
+                                    </p:set>
+                                  </p:childTnLst>
+                                </p:cTn>
+                              </p:par>
+                            </p:childTnLst>
+                          </p:cTn>
+                        </p:par>
+                      </p:childTnLst>
+                    </p:cTn>
+                  </p:par>
+                  <p:par>
+                    <p:cTn id="11" fill="hold">
+                      <p:stCondLst>
+                        <p:cond delay="indefinite"/>
+                      </p:stCondLst>
+                      <p:childTnLst>
+                        <p:par>
+                          <p:cTn id="12" fill="hold">
+                            <p:stCondLst>
+                              <p:cond delay="0"/>
+                            </p:stCondLst>
+                            <p:childTnLst>
+                              <p:par>
+                                <p:cTn id="13" presetID="1" presetClass="entr" presetSubtype="0" fill="hold" grpId="0" nodeType="clickEffect">
+                                  <p:stCondLst>
+                                    <p:cond delay="0"/>
+                                  </p:stCondLst>
+                                  <p:childTnLst>
+                                    <p:set>
+                                      <p:cBhvr>
+                                        <p:cTn id="14" dur="1" fill="hold">
+                                          <p:stCondLst>
+                                            <p:cond delay="0"/>
+                                          </p:stCondLst>
+                                        </p:cTn>
+                                        <p:tgtEl>
+                                          <p:spTgt spid="22">
+                                            <p:txEl>
+                                              <p:pRg st="0" end="0"/>
+                                            </p:txEl>
+                                          </p:spTgt>
+                                        </p:tgtEl>
+                                        <p:attrNameLst>
+                                          <p:attrName>style.visibility</p:attrName>
+                                        </p:attrNameLst>
+                                      </p:cBhvr>
+                                      <p:to>
+                                        <p:strVal val="visible"/>
+                                      </p:to>
+                                    </p:set>
+                                  </p:childTnLst>
+                                </p:cTn>
+                              </p:par>
+                            </p:childTnLst>
+                          </p:cTn>
+                        </p:par>
+                      </p:childTnLst>
+                    </p:cTn>
+                  </p:par>
+                </p:childTnLst>
+              </p:cTn>
+              <p:prevCondLst>
+                <p:cond evt="onPrev" delay="0">
+                  <p:tgtEl>
+                    <p:sldTgt/>
+                  </p:tgtEl>
+                </p:cond>
+              </p:prevCondLst>
+              <p:nextCondLst>
+                <p:cond evt="onNext" delay="0">
+                  <p:tgtEl>
+                    <p:sldTgt/>
+                  </p:tgtEl>
+                </p:cond>
+              </p:nextCondLst>
+            </p:seq>
+          </p:childTnLst>
+        </p:cTn>
+      </p:par>
+    </p:tnLst>
+    <p:bldLst>
+      <p:bldP spid="3" grpId="0" build="p"/>
+      <p:bldP spid="22" grpId="0" build="p"/>
+    </p:bldLst>
+  </p:timing>
+</p:sld>
+</file>
+
+<file path=ppt/slides/slide8.xml><?xml version="1.0" encoding="utf-8"?>
+<p:sld xmlns:a="http://schemas.openxmlformats.org/drawingml/2006/main" xmlns:r="http://schemas.openxmlformats.org/officeDocument/2006/relationships" xmlns:p="http://schemas.openxmlformats.org/presentationml/2006/main">
+  <p:cSld>
+    <p:spTree>
+      <p:nvGrpSpPr>
+        <p:cNvPr id="1" name=""/>
+        <p:cNvGrpSpPr/>
+        <p:nvPr/>
+      </p:nvGrpSpPr>
+      <p:grpSpPr>
+        <a:xfrm>
+          <a:off x="0" y="0"/>
+          <a:ext cx="0" cy="0"/>
+          <a:chOff x="0" y="0"/>
+          <a:chExt cx="0" cy="0"/>
+        </a:xfrm>
+      </p:grpSpPr>
+      <p:sp>
+        <p:nvSpPr>
+          <p:cNvPr id="2" name="Title 1">
+            <a:extLst>
+              <a:ext uri="{FF2B5EF4-FFF2-40B4-BE49-F238E27FC236}">
+                <a16:creationId xmlns:a16="http://schemas.microsoft.com/office/drawing/2014/main" id="{F4392BAB-C952-4615-8017-326C9C8D2293}"/>
+              </a:ext>
+            </a:extLst>
+          </p:cNvPr>
+          <p:cNvSpPr>
+            <a:spLocks noGrp="1"/>
+          </p:cNvSpPr>
+          <p:nvPr>
+            <p:ph type="title"/>
+          </p:nvPr>
+        </p:nvSpPr>
+        <p:spPr/>
+        <p:txBody>
+          <a:bodyPr/>
+          <a:lstStyle/>
+          <a:p>
+            <a:r>
+              <a:rPr lang="en-US" dirty="0"/>
+              <a:t>Rigid Body Surface Collisions</a:t>
+            </a:r>
+          </a:p>
+        </p:txBody>
+      </p:sp>
+      <mc:AlternateContent xmlns:mc="http://schemas.openxmlformats.org/markup-compatibility/2006">
+        <mc:Choice xmlns:a14="http://schemas.microsoft.com/office/drawing/2010/main" Requires="a14">
           <p:sp>
             <p:nvSpPr>
               <p:cNvPr id="3" name="Content Placeholder 2">
                 <a:extLst>
                   <a:ext uri="{FF2B5EF4-FFF2-40B4-BE49-F238E27FC236}">
-                    <a16:creationId xmlns:a16="http://schemas.microsoft.com/office/drawing/2014/main" id="{0733E3D0-D68F-440F-BA6F-B73521BC8944}"/>
+                    <a16:creationId xmlns:a16="http://schemas.microsoft.com/office/drawing/2014/main" id="{D67A592A-BC94-44AB-B9DE-1C18398D660D}"/>
                   </a:ext>
                 </a:extLst>
               </p:cNvPr>
@@ -6504,22 +11559,216 @@
             <p:spPr>
               <a:xfrm>
                 <a:off x="457200" y="1600200"/>
-                <a:ext cx="4343400" cy="4983162"/>
+                <a:ext cx="8229600" cy="4876800"/>
               </a:xfrm>
             </p:spPr>
             <p:txBody>
               <a:bodyPr>
-                <a:normAutofit fontScale="92500" lnSpcReduction="20000"/>
+                <a:normAutofit fontScale="77500" lnSpcReduction="20000"/>
               </a:bodyPr>
               <a:lstStyle/>
               <a:p>
                 <a:r>
                   <a:rPr lang="en-US" dirty="0"/>
-                  <a:t>Finally, the coefficient of restitution can also be used to relate the kinetic energies before and after the impact</a:t>
+                  <a:t>Putting this all together, we have three equations that should allow us to solve for up to three unknowns.</a:t>
                 </a:r>
               </a:p>
               <a:p>
-                <a:pPr marL="0" indent="0">
+                <a:endParaRPr lang="en-US" dirty="0"/>
+              </a:p>
+              <a:p>
+                <a:pPr marL="0" indent="0" algn="ctr">
+                  <a:buNone/>
+                </a:pPr>
+                <a14:m>
+                  <m:oMath xmlns:m="http://schemas.openxmlformats.org/officeDocument/2006/math">
+                    <m:sSub>
+                      <m:sSubPr>
+                        <m:ctrlPr>
+                          <a:rPr lang="en-US" i="1">
+                            <a:latin typeface="Cambria Math" panose="02040503050406030204" pitchFamily="18" charset="0"/>
+                          </a:rPr>
+                        </m:ctrlPr>
+                      </m:sSubPr>
+                      <m:e>
+                        <m:r>
+                          <a:rPr lang="en-US" i="1">
+                            <a:latin typeface="Cambria Math"/>
+                          </a:rPr>
+                          <m:t>𝑣</m:t>
+                        </m:r>
+                      </m:e>
+                      <m:sub>
+                        <m:r>
+                          <a:rPr lang="en-US" i="1">
+                            <a:latin typeface="Cambria Math" panose="02040503050406030204" pitchFamily="18" charset="0"/>
+                          </a:rPr>
+                          <m:t>𝑡𝐺</m:t>
+                        </m:r>
+                        <m:r>
+                          <a:rPr lang="en-US" i="1">
+                            <a:latin typeface="Cambria Math"/>
+                          </a:rPr>
+                          <m:t>𝑓</m:t>
+                        </m:r>
+                      </m:sub>
+                    </m:sSub>
+                    <m:r>
+                      <a:rPr lang="en-US" i="1">
+                        <a:latin typeface="Cambria Math"/>
+                      </a:rPr>
+                      <m:t>=</m:t>
+                    </m:r>
+                    <m:sSub>
+                      <m:sSubPr>
+                        <m:ctrlPr>
+                          <a:rPr lang="en-US" i="1">
+                            <a:latin typeface="Cambria Math" panose="02040503050406030204" pitchFamily="18" charset="0"/>
+                          </a:rPr>
+                        </m:ctrlPr>
+                      </m:sSubPr>
+                      <m:e>
+                        <m:r>
+                          <a:rPr lang="en-US" i="1">
+                            <a:latin typeface="Cambria Math"/>
+                          </a:rPr>
+                          <m:t>𝑣</m:t>
+                        </m:r>
+                      </m:e>
+                      <m:sub>
+                        <m:r>
+                          <a:rPr lang="en-US" i="1">
+                            <a:latin typeface="Cambria Math" panose="02040503050406030204" pitchFamily="18" charset="0"/>
+                          </a:rPr>
+                          <m:t>𝑡</m:t>
+                        </m:r>
+                        <m:r>
+                          <a:rPr lang="en-US" i="1">
+                            <a:latin typeface="Cambria Math" panose="02040503050406030204" pitchFamily="18" charset="0"/>
+                          </a:rPr>
+                          <m:t>𝐺𝑖</m:t>
+                        </m:r>
+                      </m:sub>
+                    </m:sSub>
+                  </m:oMath>
+                </a14:m>
+                <a:r>
+                  <a:rPr lang="en-US" dirty="0"/>
+                  <a:t>       </a:t>
+                </a:r>
+                <a14:m>
+                  <m:oMath xmlns:m="http://schemas.openxmlformats.org/officeDocument/2006/math">
+                    <m:r>
+                      <a:rPr lang="en-US" i="1">
+                        <a:latin typeface="Cambria Math"/>
+                      </a:rPr>
+                      <m:t>𝑒</m:t>
+                    </m:r>
+                    <m:r>
+                      <a:rPr lang="en-US" i="1">
+                        <a:latin typeface="Cambria Math"/>
+                      </a:rPr>
+                      <m:t>=−</m:t>
+                    </m:r>
+                    <m:f>
+                      <m:fPr>
+                        <m:ctrlPr>
+                          <a:rPr lang="en-US" i="1">
+                            <a:latin typeface="Cambria Math" panose="02040503050406030204" pitchFamily="18" charset="0"/>
+                          </a:rPr>
+                        </m:ctrlPr>
+                      </m:fPr>
+                      <m:num>
+                        <m:sSub>
+                          <m:sSubPr>
+                            <m:ctrlPr>
+                              <a:rPr lang="en-US" i="1">
+                                <a:latin typeface="Cambria Math" panose="02040503050406030204" pitchFamily="18" charset="0"/>
+                              </a:rPr>
+                            </m:ctrlPr>
+                          </m:sSubPr>
+                          <m:e>
+                            <m:r>
+                              <a:rPr lang="en-US" i="1">
+                                <a:latin typeface="Cambria Math"/>
+                              </a:rPr>
+                              <m:t>𝑣</m:t>
+                            </m:r>
+                          </m:e>
+                          <m:sub>
+                            <m:r>
+                              <a:rPr lang="en-US" i="1">
+                                <a:latin typeface="Cambria Math" panose="02040503050406030204" pitchFamily="18" charset="0"/>
+                              </a:rPr>
+                              <m:t>𝑛</m:t>
+                            </m:r>
+                            <m:r>
+                              <a:rPr lang="en-US" i="1">
+                                <a:latin typeface="Cambria Math" panose="02040503050406030204" pitchFamily="18" charset="0"/>
+                              </a:rPr>
+                              <m:t>𝑃</m:t>
+                            </m:r>
+                            <m:r>
+                              <a:rPr lang="en-US" i="1">
+                                <a:latin typeface="Cambria Math"/>
+                              </a:rPr>
+                              <m:t>𝑓</m:t>
+                            </m:r>
+                          </m:sub>
+                        </m:sSub>
+                      </m:num>
+                      <m:den>
+                        <m:sSub>
+                          <m:sSubPr>
+                            <m:ctrlPr>
+                              <a:rPr lang="en-US" i="1">
+                                <a:latin typeface="Cambria Math" panose="02040503050406030204" pitchFamily="18" charset="0"/>
+                              </a:rPr>
+                            </m:ctrlPr>
+                          </m:sSubPr>
+                          <m:e>
+                            <m:r>
+                              <a:rPr lang="en-US" i="1">
+                                <a:latin typeface="Cambria Math"/>
+                              </a:rPr>
+                              <m:t>𝑣</m:t>
+                            </m:r>
+                          </m:e>
+                          <m:sub>
+                            <m:r>
+                              <a:rPr lang="en-US" i="1">
+                                <a:latin typeface="Cambria Math" panose="02040503050406030204" pitchFamily="18" charset="0"/>
+                              </a:rPr>
+                              <m:t>𝑛</m:t>
+                            </m:r>
+                            <m:r>
+                              <a:rPr lang="en-US" i="1">
+                                <a:latin typeface="Cambria Math" panose="02040503050406030204" pitchFamily="18" charset="0"/>
+                              </a:rPr>
+                              <m:t>𝑃</m:t>
+                            </m:r>
+                            <m:r>
+                              <a:rPr lang="en-US" i="1">
+                                <a:latin typeface="Cambria Math"/>
+                              </a:rPr>
+                              <m:t>𝑖</m:t>
+                            </m:r>
+                          </m:sub>
+                        </m:sSub>
+                      </m:den>
+                    </m:f>
+                  </m:oMath>
+                </a14:m>
+                <a:endParaRPr lang="en-US" dirty="0"/>
+              </a:p>
+              <a:p>
+                <a:pPr marL="0" indent="0" algn="ctr">
+                  <a:buNone/>
+                </a:pPr>
+                <a:endParaRPr lang="en-US" dirty="0"/>
+              </a:p>
+              <a:p>
+                <a:pPr marL="0" indent="0" algn="ctr">
                   <a:buNone/>
                 </a:pPr>
                 <a14:m>
@@ -6528,124 +11777,489 @@
                       <m:jc m:val="centerGroup"/>
                     </m:oMathParaPr>
                     <m:oMath xmlns:m="http://schemas.openxmlformats.org/officeDocument/2006/math">
-                      <m:sSup>
-                        <m:sSupPr>
+                      <m:sSub>
+                        <m:sSubPr>
                           <m:ctrlPr>
-                            <a:rPr lang="en-US" b="0" i="1" smtClean="0">
+                            <a:rPr lang="en-US" sz="2800" i="1">
                               <a:latin typeface="Cambria Math" panose="02040503050406030204" pitchFamily="18" charset="0"/>
                             </a:rPr>
                           </m:ctrlPr>
-                        </m:sSupPr>
+                        </m:sSubPr>
                         <m:e>
                           <m:r>
-                            <a:rPr lang="en-US" i="1">
-                              <a:latin typeface="Cambria Math"/>
+                            <a:rPr lang="en-US" sz="2800" i="1">
+                              <a:latin typeface="Cambria Math" panose="02040503050406030204" pitchFamily="18" charset="0"/>
                             </a:rPr>
-                            <m:t>𝑒</m:t>
+                            <m:t>𝐼</m:t>
                           </m:r>
                         </m:e>
-                        <m:sup>
+                        <m:sub>
                           <m:r>
-                            <a:rPr lang="en-US" b="0" i="1" smtClean="0">
+                            <a:rPr lang="en-US" sz="2800" i="1">
                               <a:latin typeface="Cambria Math" panose="02040503050406030204" pitchFamily="18" charset="0"/>
                             </a:rPr>
-                            <m:t>2</m:t>
+                            <m:t>𝐺</m:t>
                           </m:r>
-                        </m:sup>
-                      </m:sSup>
+                        </m:sub>
+                      </m:sSub>
                       <m:r>
-                        <a:rPr lang="en-US" i="1">
-                          <a:latin typeface="Cambria Math"/>
+                        <a:rPr lang="en-US" sz="2800" i="1">
+                          <a:latin typeface="Cambria Math" panose="02040503050406030204" pitchFamily="18" charset="0"/>
                         </a:rPr>
-                        <m:t>=</m:t>
+                        <m:t>∗</m:t>
                       </m:r>
-                      <m:f>
-                        <m:fPr>
+                      <m:acc>
+                        <m:accPr>
+                          <m:chr m:val="⃑"/>
                           <m:ctrlPr>
-                            <a:rPr lang="en-US" i="1">
+                            <a:rPr lang="en-US" sz="2800" i="1">
                               <a:latin typeface="Cambria Math" panose="02040503050406030204" pitchFamily="18" charset="0"/>
                             </a:rPr>
                           </m:ctrlPr>
-                        </m:fPr>
-                        <m:num>
+                        </m:accPr>
+                        <m:e>
                           <m:sSub>
                             <m:sSubPr>
                               <m:ctrlPr>
-                                <a:rPr lang="en-US" i="1" smtClean="0">
+                                <a:rPr lang="en-US" sz="2800" i="1">
                                   <a:latin typeface="Cambria Math" panose="02040503050406030204" pitchFamily="18" charset="0"/>
+                                  <a:ea typeface="Cambria Math" panose="02040503050406030204" pitchFamily="18" charset="0"/>
                                 </a:rPr>
                               </m:ctrlPr>
                             </m:sSubPr>
                             <m:e>
                               <m:r>
-                                <a:rPr lang="en-US" b="0" i="1" smtClean="0">
+                                <m:rPr>
+                                  <m:sty m:val="p"/>
+                                </m:rPr>
+                                <a:rPr lang="en-US" sz="2800">
                                   <a:latin typeface="Cambria Math" panose="02040503050406030204" pitchFamily="18" charset="0"/>
+                                  <a:ea typeface="Cambria Math" panose="02040503050406030204" pitchFamily="18" charset="0"/>
                                 </a:rPr>
-                                <m:t>𝐾𝐸</m:t>
+                                <m:t>ω</m:t>
                               </m:r>
                             </m:e>
                             <m:sub>
                               <m:r>
-                                <a:rPr lang="en-US" b="0" i="1" smtClean="0">
+                                <a:rPr lang="en-US" sz="2800" i="1">
                                   <a:latin typeface="Cambria Math" panose="02040503050406030204" pitchFamily="18" charset="0"/>
+                                  <a:ea typeface="Cambria Math" panose="02040503050406030204" pitchFamily="18" charset="0"/>
+                                </a:rPr>
+                                <m:t>𝑖</m:t>
+                              </m:r>
+                            </m:sub>
+                          </m:sSub>
+                        </m:e>
+                      </m:acc>
+                      <m:r>
+                        <a:rPr lang="en-US" sz="2800" i="1">
+                          <a:latin typeface="Cambria Math" panose="02040503050406030204" pitchFamily="18" charset="0"/>
+                          <a:ea typeface="Cambria Math" panose="02040503050406030204" pitchFamily="18" charset="0"/>
+                        </a:rPr>
+                        <m:t>+</m:t>
+                      </m:r>
+                      <m:acc>
+                        <m:accPr>
+                          <m:chr m:val="⃗"/>
+                          <m:ctrlPr>
+                            <a:rPr lang="en-US" sz="2800" i="1">
+                              <a:latin typeface="Cambria Math" panose="02040503050406030204" pitchFamily="18" charset="0"/>
+                              <a:ea typeface="Cambria Math" panose="02040503050406030204" pitchFamily="18" charset="0"/>
+                            </a:rPr>
+                          </m:ctrlPr>
+                        </m:accPr>
+                        <m:e>
+                          <m:sSub>
+                            <m:sSubPr>
+                              <m:ctrlPr>
+                                <a:rPr lang="en-US" sz="2800" i="1">
+                                  <a:latin typeface="Cambria Math" panose="02040503050406030204" pitchFamily="18" charset="0"/>
+                                  <a:ea typeface="Cambria Math" panose="02040503050406030204" pitchFamily="18" charset="0"/>
+                                </a:rPr>
+                              </m:ctrlPr>
+                            </m:sSubPr>
+                            <m:e>
+                              <m:r>
+                                <a:rPr lang="en-US" sz="2800" i="1">
+                                  <a:latin typeface="Cambria Math" panose="02040503050406030204" pitchFamily="18" charset="0"/>
+                                  <a:ea typeface="Cambria Math" panose="02040503050406030204" pitchFamily="18" charset="0"/>
+                                </a:rPr>
+                                <m:t>𝑟</m:t>
+                              </m:r>
+                            </m:e>
+                            <m:sub>
+                              <m:f>
+                                <m:fPr>
+                                  <m:type m:val="lin"/>
+                                  <m:ctrlPr>
+                                    <a:rPr lang="en-US" sz="2800" i="1">
+                                      <a:latin typeface="Cambria Math" panose="02040503050406030204" pitchFamily="18" charset="0"/>
+                                      <a:ea typeface="Cambria Math" panose="02040503050406030204" pitchFamily="18" charset="0"/>
+                                    </a:rPr>
+                                  </m:ctrlPr>
+                                </m:fPr>
+                                <m:num>
+                                  <m:r>
+                                    <a:rPr lang="en-US" sz="2800" i="1">
+                                      <a:latin typeface="Cambria Math" panose="02040503050406030204" pitchFamily="18" charset="0"/>
+                                      <a:ea typeface="Cambria Math" panose="02040503050406030204" pitchFamily="18" charset="0"/>
+                                    </a:rPr>
+                                    <m:t>𝐺</m:t>
+                                  </m:r>
+                                </m:num>
+                                <m:den>
+                                  <m:r>
+                                    <a:rPr lang="en-US" sz="2800" i="1">
+                                      <a:latin typeface="Cambria Math" panose="02040503050406030204" pitchFamily="18" charset="0"/>
+                                      <a:ea typeface="Cambria Math" panose="02040503050406030204" pitchFamily="18" charset="0"/>
+                                    </a:rPr>
+                                    <m:t>𝑃</m:t>
+                                  </m:r>
+                                </m:den>
+                              </m:f>
+                            </m:sub>
+                          </m:sSub>
+                        </m:e>
+                      </m:acc>
+                      <m:r>
+                        <a:rPr lang="en-US" sz="2800" i="1">
+                          <a:latin typeface="Cambria Math" panose="02040503050406030204" pitchFamily="18" charset="0"/>
+                          <a:ea typeface="Cambria Math" panose="02040503050406030204" pitchFamily="18" charset="0"/>
+                        </a:rPr>
+                        <m:t>×</m:t>
+                      </m:r>
+                      <m:d>
+                        <m:dPr>
+                          <m:ctrlPr>
+                            <a:rPr lang="en-US" sz="2800" i="1">
+                              <a:latin typeface="Cambria Math" panose="02040503050406030204" pitchFamily="18" charset="0"/>
+                              <a:ea typeface="Cambria Math" panose="02040503050406030204" pitchFamily="18" charset="0"/>
+                            </a:rPr>
+                          </m:ctrlPr>
+                        </m:dPr>
+                        <m:e>
+                          <m:r>
+                            <a:rPr lang="en-US" sz="2800" i="1">
+                              <a:latin typeface="Cambria Math" panose="02040503050406030204" pitchFamily="18" charset="0"/>
+                              <a:ea typeface="Cambria Math" panose="02040503050406030204" pitchFamily="18" charset="0"/>
+                            </a:rPr>
+                            <m:t>𝑚</m:t>
+                          </m:r>
+                          <m:r>
+                            <a:rPr lang="en-US" sz="2800" i="1">
+                              <a:latin typeface="Cambria Math" panose="02040503050406030204" pitchFamily="18" charset="0"/>
+                              <a:ea typeface="Cambria Math" panose="02040503050406030204" pitchFamily="18" charset="0"/>
+                            </a:rPr>
+                            <m:t>∗</m:t>
+                          </m:r>
+                          <m:acc>
+                            <m:accPr>
+                              <m:chr m:val="⃗"/>
+                              <m:ctrlPr>
+                                <a:rPr lang="en-US" sz="2800" i="1">
+                                  <a:latin typeface="Cambria Math" panose="02040503050406030204" pitchFamily="18" charset="0"/>
+                                  <a:ea typeface="Cambria Math" panose="02040503050406030204" pitchFamily="18" charset="0"/>
+                                </a:rPr>
+                              </m:ctrlPr>
+                            </m:accPr>
+                            <m:e>
+                              <m:sSub>
+                                <m:sSubPr>
+                                  <m:ctrlPr>
+                                    <a:rPr lang="en-US" sz="2800" i="1">
+                                      <a:latin typeface="Cambria Math" panose="02040503050406030204" pitchFamily="18" charset="0"/>
+                                      <a:ea typeface="Cambria Math" panose="02040503050406030204" pitchFamily="18" charset="0"/>
+                                    </a:rPr>
+                                  </m:ctrlPr>
+                                </m:sSubPr>
+                                <m:e>
+                                  <m:r>
+                                    <a:rPr lang="en-US" sz="2800" i="1">
+                                      <a:latin typeface="Cambria Math" panose="02040503050406030204" pitchFamily="18" charset="0"/>
+                                      <a:ea typeface="Cambria Math" panose="02040503050406030204" pitchFamily="18" charset="0"/>
+                                    </a:rPr>
+                                    <m:t>𝑣</m:t>
+                                  </m:r>
+                                </m:e>
+                                <m:sub>
+                                  <m:r>
+                                    <a:rPr lang="en-US" sz="2800" i="1">
+                                      <a:latin typeface="Cambria Math" panose="02040503050406030204" pitchFamily="18" charset="0"/>
+                                      <a:ea typeface="Cambria Math" panose="02040503050406030204" pitchFamily="18" charset="0"/>
+                                    </a:rPr>
+                                    <m:t>𝐺𝑖</m:t>
+                                  </m:r>
+                                </m:sub>
+                              </m:sSub>
+                            </m:e>
+                          </m:acc>
+                        </m:e>
+                      </m:d>
+                      <m:r>
+                        <a:rPr lang="en-US" sz="2800" i="1">
+                          <a:latin typeface="Cambria Math" panose="02040503050406030204" pitchFamily="18" charset="0"/>
+                          <a:ea typeface="Cambria Math" panose="02040503050406030204" pitchFamily="18" charset="0"/>
+                        </a:rPr>
+                        <m:t>=</m:t>
+                      </m:r>
+                      <m:sSub>
+                        <m:sSubPr>
+                          <m:ctrlPr>
+                            <a:rPr lang="en-US" sz="2800" i="1">
+                              <a:latin typeface="Cambria Math" panose="02040503050406030204" pitchFamily="18" charset="0"/>
+                            </a:rPr>
+                          </m:ctrlPr>
+                        </m:sSubPr>
+                        <m:e>
+                          <m:r>
+                            <a:rPr lang="en-US" sz="2800" i="1">
+                              <a:latin typeface="Cambria Math" panose="02040503050406030204" pitchFamily="18" charset="0"/>
+                            </a:rPr>
+                            <m:t>𝐼</m:t>
+                          </m:r>
+                        </m:e>
+                        <m:sub>
+                          <m:r>
+                            <a:rPr lang="en-US" sz="2800" i="1">
+                              <a:latin typeface="Cambria Math" panose="02040503050406030204" pitchFamily="18" charset="0"/>
+                            </a:rPr>
+                            <m:t>𝐺</m:t>
+                          </m:r>
+                        </m:sub>
+                      </m:sSub>
+                      <m:r>
+                        <a:rPr lang="en-US" sz="2800" i="1">
+                          <a:latin typeface="Cambria Math" panose="02040503050406030204" pitchFamily="18" charset="0"/>
+                        </a:rPr>
+                        <m:t>∗</m:t>
+                      </m:r>
+                      <m:acc>
+                        <m:accPr>
+                          <m:chr m:val="⃑"/>
+                          <m:ctrlPr>
+                            <a:rPr lang="en-US" sz="2800" i="1">
+                              <a:latin typeface="Cambria Math" panose="02040503050406030204" pitchFamily="18" charset="0"/>
+                            </a:rPr>
+                          </m:ctrlPr>
+                        </m:accPr>
+                        <m:e>
+                          <m:sSub>
+                            <m:sSubPr>
+                              <m:ctrlPr>
+                                <a:rPr lang="en-US" sz="2800" i="1">
+                                  <a:latin typeface="Cambria Math" panose="02040503050406030204" pitchFamily="18" charset="0"/>
+                                  <a:ea typeface="Cambria Math" panose="02040503050406030204" pitchFamily="18" charset="0"/>
+                                </a:rPr>
+                              </m:ctrlPr>
+                            </m:sSubPr>
+                            <m:e>
+                              <m:r>
+                                <m:rPr>
+                                  <m:sty m:val="p"/>
+                                </m:rPr>
+                                <a:rPr lang="en-US" sz="2800">
+                                  <a:latin typeface="Cambria Math" panose="02040503050406030204" pitchFamily="18" charset="0"/>
+                                  <a:ea typeface="Cambria Math" panose="02040503050406030204" pitchFamily="18" charset="0"/>
+                                </a:rPr>
+                                <m:t>ω</m:t>
+                              </m:r>
+                            </m:e>
+                            <m:sub>
+                              <m:r>
+                                <a:rPr lang="en-US" sz="2800" i="1">
+                                  <a:latin typeface="Cambria Math" panose="02040503050406030204" pitchFamily="18" charset="0"/>
+                                  <a:ea typeface="Cambria Math" panose="02040503050406030204" pitchFamily="18" charset="0"/>
                                 </a:rPr>
                                 <m:t>𝑓</m:t>
                               </m:r>
                             </m:sub>
                           </m:sSub>
-                        </m:num>
-                        <m:den>
+                        </m:e>
+                      </m:acc>
+                      <m:r>
+                        <a:rPr lang="en-US" sz="2800" i="1">
+                          <a:latin typeface="Cambria Math" panose="02040503050406030204" pitchFamily="18" charset="0"/>
+                          <a:ea typeface="Cambria Math" panose="02040503050406030204" pitchFamily="18" charset="0"/>
+                        </a:rPr>
+                        <m:t>+</m:t>
+                      </m:r>
+                      <m:acc>
+                        <m:accPr>
+                          <m:chr m:val="⃗"/>
+                          <m:ctrlPr>
+                            <a:rPr lang="en-US" sz="2800" i="1">
+                              <a:latin typeface="Cambria Math" panose="02040503050406030204" pitchFamily="18" charset="0"/>
+                              <a:ea typeface="Cambria Math" panose="02040503050406030204" pitchFamily="18" charset="0"/>
+                            </a:rPr>
+                          </m:ctrlPr>
+                        </m:accPr>
+                        <m:e>
                           <m:sSub>
                             <m:sSubPr>
                               <m:ctrlPr>
-                                <a:rPr lang="en-US" i="1">
+                                <a:rPr lang="en-US" sz="2800" i="1">
                                   <a:latin typeface="Cambria Math" panose="02040503050406030204" pitchFamily="18" charset="0"/>
+                                  <a:ea typeface="Cambria Math" panose="02040503050406030204" pitchFamily="18" charset="0"/>
                                 </a:rPr>
                               </m:ctrlPr>
                             </m:sSubPr>
                             <m:e>
                               <m:r>
-                                <a:rPr lang="en-US" i="1">
+                                <a:rPr lang="en-US" sz="2800" i="1">
                                   <a:latin typeface="Cambria Math" panose="02040503050406030204" pitchFamily="18" charset="0"/>
+                                  <a:ea typeface="Cambria Math" panose="02040503050406030204" pitchFamily="18" charset="0"/>
                                 </a:rPr>
-                                <m:t>𝐾𝐸</m:t>
+                                <m:t>𝑟</m:t>
                               </m:r>
                             </m:e>
                             <m:sub>
-                              <m:r>
-                                <a:rPr lang="en-US" b="0" i="1" smtClean="0">
-                                  <a:latin typeface="Cambria Math" panose="02040503050406030204" pitchFamily="18" charset="0"/>
-                                </a:rPr>
-                                <m:t>𝑖</m:t>
-                              </m:r>
+                              <m:f>
+                                <m:fPr>
+                                  <m:type m:val="lin"/>
+                                  <m:ctrlPr>
+                                    <a:rPr lang="en-US" sz="2800" i="1">
+                                      <a:latin typeface="Cambria Math" panose="02040503050406030204" pitchFamily="18" charset="0"/>
+                                      <a:ea typeface="Cambria Math" panose="02040503050406030204" pitchFamily="18" charset="0"/>
+                                    </a:rPr>
+                                  </m:ctrlPr>
+                                </m:fPr>
+                                <m:num>
+                                  <m:r>
+                                    <a:rPr lang="en-US" sz="2800" i="1">
+                                      <a:latin typeface="Cambria Math" panose="02040503050406030204" pitchFamily="18" charset="0"/>
+                                      <a:ea typeface="Cambria Math" panose="02040503050406030204" pitchFamily="18" charset="0"/>
+                                    </a:rPr>
+                                    <m:t>𝐺</m:t>
+                                  </m:r>
+                                </m:num>
+                                <m:den>
+                                  <m:r>
+                                    <a:rPr lang="en-US" sz="2800" i="1">
+                                      <a:latin typeface="Cambria Math" panose="02040503050406030204" pitchFamily="18" charset="0"/>
+                                      <a:ea typeface="Cambria Math" panose="02040503050406030204" pitchFamily="18" charset="0"/>
+                                    </a:rPr>
+                                    <m:t>𝑃</m:t>
+                                  </m:r>
+                                </m:den>
+                              </m:f>
                             </m:sub>
                           </m:sSub>
-                        </m:den>
-                      </m:f>
+                        </m:e>
+                      </m:acc>
+                      <m:r>
+                        <a:rPr lang="en-US" sz="2800" i="1">
+                          <a:latin typeface="Cambria Math" panose="02040503050406030204" pitchFamily="18" charset="0"/>
+                          <a:ea typeface="Cambria Math" panose="02040503050406030204" pitchFamily="18" charset="0"/>
+                        </a:rPr>
+                        <m:t>×</m:t>
+                      </m:r>
+                      <m:d>
+                        <m:dPr>
+                          <m:ctrlPr>
+                            <a:rPr lang="en-US" sz="2800" i="1">
+                              <a:latin typeface="Cambria Math" panose="02040503050406030204" pitchFamily="18" charset="0"/>
+                              <a:ea typeface="Cambria Math" panose="02040503050406030204" pitchFamily="18" charset="0"/>
+                            </a:rPr>
+                          </m:ctrlPr>
+                        </m:dPr>
+                        <m:e>
+                          <m:r>
+                            <a:rPr lang="en-US" sz="2800" i="1">
+                              <a:latin typeface="Cambria Math" panose="02040503050406030204" pitchFamily="18" charset="0"/>
+                              <a:ea typeface="Cambria Math" panose="02040503050406030204" pitchFamily="18" charset="0"/>
+                            </a:rPr>
+                            <m:t>𝑚</m:t>
+                          </m:r>
+                          <m:r>
+                            <a:rPr lang="en-US" sz="2800" i="1">
+                              <a:latin typeface="Cambria Math" panose="02040503050406030204" pitchFamily="18" charset="0"/>
+                              <a:ea typeface="Cambria Math" panose="02040503050406030204" pitchFamily="18" charset="0"/>
+                            </a:rPr>
+                            <m:t>∗</m:t>
+                          </m:r>
+                          <m:acc>
+                            <m:accPr>
+                              <m:chr m:val="⃗"/>
+                              <m:ctrlPr>
+                                <a:rPr lang="en-US" sz="2800" i="1">
+                                  <a:latin typeface="Cambria Math" panose="02040503050406030204" pitchFamily="18" charset="0"/>
+                                  <a:ea typeface="Cambria Math" panose="02040503050406030204" pitchFamily="18" charset="0"/>
+                                </a:rPr>
+                              </m:ctrlPr>
+                            </m:accPr>
+                            <m:e>
+                              <m:sSub>
+                                <m:sSubPr>
+                                  <m:ctrlPr>
+                                    <a:rPr lang="en-US" sz="2800" i="1">
+                                      <a:latin typeface="Cambria Math" panose="02040503050406030204" pitchFamily="18" charset="0"/>
+                                      <a:ea typeface="Cambria Math" panose="02040503050406030204" pitchFamily="18" charset="0"/>
+                                    </a:rPr>
+                                  </m:ctrlPr>
+                                </m:sSubPr>
+                                <m:e>
+                                  <m:r>
+                                    <a:rPr lang="en-US" sz="2800" i="1">
+                                      <a:latin typeface="Cambria Math" panose="02040503050406030204" pitchFamily="18" charset="0"/>
+                                      <a:ea typeface="Cambria Math" panose="02040503050406030204" pitchFamily="18" charset="0"/>
+                                    </a:rPr>
+                                    <m:t>𝑣</m:t>
+                                  </m:r>
+                                </m:e>
+                                <m:sub>
+                                  <m:r>
+                                    <a:rPr lang="en-US" sz="2800" i="1">
+                                      <a:latin typeface="Cambria Math" panose="02040503050406030204" pitchFamily="18" charset="0"/>
+                                      <a:ea typeface="Cambria Math" panose="02040503050406030204" pitchFamily="18" charset="0"/>
+                                    </a:rPr>
+                                    <m:t>𝐺</m:t>
+                                  </m:r>
+                                  <m:r>
+                                    <a:rPr lang="en-US" sz="2800" i="1">
+                                      <a:latin typeface="Cambria Math" panose="02040503050406030204" pitchFamily="18" charset="0"/>
+                                      <a:ea typeface="Cambria Math" panose="02040503050406030204" pitchFamily="18" charset="0"/>
+                                    </a:rPr>
+                                    <m:t>𝑓</m:t>
+                                  </m:r>
+                                </m:sub>
+                              </m:sSub>
+                            </m:e>
+                          </m:acc>
+                        </m:e>
+                      </m:d>
                     </m:oMath>
                   </m:oMathPara>
                 </a14:m>
                 <a:endParaRPr lang="en-US" dirty="0"/>
               </a:p>
               <a:p>
+                <a:pPr marL="0" indent="0" algn="ctr">
+                  <a:buNone/>
+                </a:pPr>
+                <a:endParaRPr lang="en-US" dirty="0"/>
+              </a:p>
+              <a:p>
                 <a:r>
                   <a:rPr lang="en-US" dirty="0"/>
-                  <a:t>These kinetic energies should include both the translational and rotational kinetic energies.</a:t>
+                  <a:t>We can see this includes some velocities at the center of mass (G) and some velocities at the point of impact (P)</a:t>
                 </a:r>
               </a:p>
               <a:p>
-                <a:endParaRPr lang="en-US" dirty="0"/>
+                <a:r>
+                  <a:rPr lang="en-US" dirty="0"/>
+                  <a:t>Because of this, the equations will usually need to be supplemented with kinematic relationships, in this case relating the velocity of the point of impact to the velocity of the center of mass and angular velocity.</a:t>
+                </a:r>
               </a:p>
             </p:txBody>
           </p:sp>
         </mc:Choice>
-        <mc:Fallback xmlns="">
+        <mc:Fallback>
           <p:sp>
             <p:nvSpPr>
               <p:cNvPr id="3" name="Content Placeholder 2">
                 <a:extLst>
                   <a:ext uri="{FF2B5EF4-FFF2-40B4-BE49-F238E27FC236}">
-                    <a16:creationId xmlns:a16="http://schemas.microsoft.com/office/drawing/2014/main" id="{0733E3D0-D68F-440F-BA6F-B73521BC8944}"/>
+                    <a16:creationId xmlns:a16="http://schemas.microsoft.com/office/drawing/2014/main" id="{D67A592A-BC94-44AB-B9DE-1C18398D660D}"/>
                   </a:ext>
                 </a:extLst>
               </p:cNvPr>
@@ -6659,12 +12273,12 @@
             <p:spPr>
               <a:xfrm>
                 <a:off x="457200" y="1600200"/>
-                <a:ext cx="4343400" cy="4983162"/>
+                <a:ext cx="8229600" cy="4876800"/>
               </a:xfrm>
               <a:blipFill>
                 <a:blip r:embed="rId2"/>
                 <a:stretch>
-                  <a:fillRect l="-2805" t="-3182" r="-4067"/>
+                  <a:fillRect l="-1037" t="-2375" r="-1778" b="-1375"/>
                 </a:stretch>
               </a:blipFill>
             </p:spPr>
@@ -6688,7 +12302,7 @@
           <p:cNvPr id="4" name="Slide Number Placeholder 3">
             <a:extLst>
               <a:ext uri="{FF2B5EF4-FFF2-40B4-BE49-F238E27FC236}">
-                <a16:creationId xmlns:a16="http://schemas.microsoft.com/office/drawing/2014/main" id="{9BB3DA46-FC30-4BC3-BB3B-F0EA9E371B04}"/>
+                <a16:creationId xmlns:a16="http://schemas.microsoft.com/office/drawing/2014/main" id="{1CDEEA48-041C-4F18-8182-2930A1F3E1EA}"/>
               </a:ext>
             </a:extLst>
           </p:cNvPr>
@@ -6706,63 +12320,435 @@
           <a:p>
             <a:fld id="{929262FE-7F58-4A1E-8AF3-5A510A86DEBD}" type="slidenum">
               <a:rPr lang="en-US" smtClean="0"/>
-              <a:t>7</a:t>
+              <a:t>8</a:t>
             </a:fld>
             <a:endParaRPr lang="en-US" dirty="0"/>
           </a:p>
         </p:txBody>
       </p:sp>
-      <p:pic>
-        <p:nvPicPr>
-          <p:cNvPr id="5" name="Picture 2" descr="A wrench dropped on a rigid floor">
+    </p:spTree>
+    <p:extLst>
+      <p:ext uri="{BB962C8B-B14F-4D97-AF65-F5344CB8AC3E}">
+        <p14:creationId xmlns:p14="http://schemas.microsoft.com/office/powerpoint/2010/main" val="49532671"/>
+      </p:ext>
+    </p:extLst>
+  </p:cSld>
+  <p:clrMapOvr>
+    <a:masterClrMapping/>
+  </p:clrMapOvr>
+  <p:timing>
+    <p:tnLst>
+      <p:par>
+        <p:cTn id="1" dur="indefinite" restart="never" nodeType="tmRoot">
+          <p:childTnLst>
+            <p:seq concurrent="1" nextAc="seek">
+              <p:cTn id="2" dur="indefinite" nodeType="mainSeq">
+                <p:childTnLst>
+                  <p:par>
+                    <p:cTn id="3" fill="hold">
+                      <p:stCondLst>
+                        <p:cond delay="indefinite"/>
+                      </p:stCondLst>
+                      <p:childTnLst>
+                        <p:par>
+                          <p:cTn id="4" fill="hold">
+                            <p:stCondLst>
+                              <p:cond delay="0"/>
+                            </p:stCondLst>
+                            <p:childTnLst>
+                              <p:par>
+                                <p:cTn id="5" presetID="1" presetClass="entr" presetSubtype="0" fill="hold" grpId="0" nodeType="clickEffect">
+                                  <p:stCondLst>
+                                    <p:cond delay="0"/>
+                                  </p:stCondLst>
+                                  <p:childTnLst>
+                                    <p:set>
+                                      <p:cBhvr>
+                                        <p:cTn id="6" dur="1" fill="hold">
+                                          <p:stCondLst>
+                                            <p:cond delay="0"/>
+                                          </p:stCondLst>
+                                        </p:cTn>
+                                        <p:tgtEl>
+                                          <p:spTgt spid="3">
+                                            <p:txEl>
+                                              <p:pRg st="0" end="0"/>
+                                            </p:txEl>
+                                          </p:spTgt>
+                                        </p:tgtEl>
+                                        <p:attrNameLst>
+                                          <p:attrName>style.visibility</p:attrName>
+                                        </p:attrNameLst>
+                                      </p:cBhvr>
+                                      <p:to>
+                                        <p:strVal val="visible"/>
+                                      </p:to>
+                                    </p:set>
+                                  </p:childTnLst>
+                                </p:cTn>
+                              </p:par>
+                            </p:childTnLst>
+                          </p:cTn>
+                        </p:par>
+                      </p:childTnLst>
+                    </p:cTn>
+                  </p:par>
+                  <p:par>
+                    <p:cTn id="7" fill="hold">
+                      <p:stCondLst>
+                        <p:cond delay="indefinite"/>
+                      </p:stCondLst>
+                      <p:childTnLst>
+                        <p:par>
+                          <p:cTn id="8" fill="hold">
+                            <p:stCondLst>
+                              <p:cond delay="0"/>
+                            </p:stCondLst>
+                            <p:childTnLst>
+                              <p:par>
+                                <p:cTn id="9" presetID="1" presetClass="entr" presetSubtype="0" fill="hold" grpId="0" nodeType="clickEffect">
+                                  <p:stCondLst>
+                                    <p:cond delay="0"/>
+                                  </p:stCondLst>
+                                  <p:childTnLst>
+                                    <p:set>
+                                      <p:cBhvr>
+                                        <p:cTn id="10" dur="1" fill="hold">
+                                          <p:stCondLst>
+                                            <p:cond delay="0"/>
+                                          </p:stCondLst>
+                                        </p:cTn>
+                                        <p:tgtEl>
+                                          <p:spTgt spid="3">
+                                            <p:txEl>
+                                              <p:pRg st="2" end="2"/>
+                                            </p:txEl>
+                                          </p:spTgt>
+                                        </p:tgtEl>
+                                        <p:attrNameLst>
+                                          <p:attrName>style.visibility</p:attrName>
+                                        </p:attrNameLst>
+                                      </p:cBhvr>
+                                      <p:to>
+                                        <p:strVal val="visible"/>
+                                      </p:to>
+                                    </p:set>
+                                  </p:childTnLst>
+                                </p:cTn>
+                              </p:par>
+                              <p:par>
+                                <p:cTn id="11" presetID="1" presetClass="entr" presetSubtype="0" fill="hold" grpId="0" nodeType="withEffect">
+                                  <p:stCondLst>
+                                    <p:cond delay="0"/>
+                                  </p:stCondLst>
+                                  <p:childTnLst>
+                                    <p:set>
+                                      <p:cBhvr>
+                                        <p:cTn id="12" dur="1" fill="hold">
+                                          <p:stCondLst>
+                                            <p:cond delay="0"/>
+                                          </p:stCondLst>
+                                        </p:cTn>
+                                        <p:tgtEl>
+                                          <p:spTgt spid="3">
+                                            <p:txEl>
+                                              <p:pRg st="4" end="4"/>
+                                            </p:txEl>
+                                          </p:spTgt>
+                                        </p:tgtEl>
+                                        <p:attrNameLst>
+                                          <p:attrName>style.visibility</p:attrName>
+                                        </p:attrNameLst>
+                                      </p:cBhvr>
+                                      <p:to>
+                                        <p:strVal val="visible"/>
+                                      </p:to>
+                                    </p:set>
+                                  </p:childTnLst>
+                                </p:cTn>
+                              </p:par>
+                            </p:childTnLst>
+                          </p:cTn>
+                        </p:par>
+                      </p:childTnLst>
+                    </p:cTn>
+                  </p:par>
+                  <p:par>
+                    <p:cTn id="13" fill="hold">
+                      <p:stCondLst>
+                        <p:cond delay="indefinite"/>
+                      </p:stCondLst>
+                      <p:childTnLst>
+                        <p:par>
+                          <p:cTn id="14" fill="hold">
+                            <p:stCondLst>
+                              <p:cond delay="0"/>
+                            </p:stCondLst>
+                            <p:childTnLst>
+                              <p:par>
+                                <p:cTn id="15" presetID="1" presetClass="entr" presetSubtype="0" fill="hold" grpId="0" nodeType="clickEffect">
+                                  <p:stCondLst>
+                                    <p:cond delay="0"/>
+                                  </p:stCondLst>
+                                  <p:childTnLst>
+                                    <p:set>
+                                      <p:cBhvr>
+                                        <p:cTn id="16" dur="1" fill="hold">
+                                          <p:stCondLst>
+                                            <p:cond delay="0"/>
+                                          </p:stCondLst>
+                                        </p:cTn>
+                                        <p:tgtEl>
+                                          <p:spTgt spid="3">
+                                            <p:txEl>
+                                              <p:pRg st="6" end="6"/>
+                                            </p:txEl>
+                                          </p:spTgt>
+                                        </p:tgtEl>
+                                        <p:attrNameLst>
+                                          <p:attrName>style.visibility</p:attrName>
+                                        </p:attrNameLst>
+                                      </p:cBhvr>
+                                      <p:to>
+                                        <p:strVal val="visible"/>
+                                      </p:to>
+                                    </p:set>
+                                  </p:childTnLst>
+                                </p:cTn>
+                              </p:par>
+                            </p:childTnLst>
+                          </p:cTn>
+                        </p:par>
+                      </p:childTnLst>
+                    </p:cTn>
+                  </p:par>
+                  <p:par>
+                    <p:cTn id="17" fill="hold">
+                      <p:stCondLst>
+                        <p:cond delay="indefinite"/>
+                      </p:stCondLst>
+                      <p:childTnLst>
+                        <p:par>
+                          <p:cTn id="18" fill="hold">
+                            <p:stCondLst>
+                              <p:cond delay="0"/>
+                            </p:stCondLst>
+                            <p:childTnLst>
+                              <p:par>
+                                <p:cTn id="19" presetID="1" presetClass="entr" presetSubtype="0" fill="hold" grpId="0" nodeType="clickEffect">
+                                  <p:stCondLst>
+                                    <p:cond delay="0"/>
+                                  </p:stCondLst>
+                                  <p:childTnLst>
+                                    <p:set>
+                                      <p:cBhvr>
+                                        <p:cTn id="20" dur="1" fill="hold">
+                                          <p:stCondLst>
+                                            <p:cond delay="0"/>
+                                          </p:stCondLst>
+                                        </p:cTn>
+                                        <p:tgtEl>
+                                          <p:spTgt spid="3">
+                                            <p:txEl>
+                                              <p:pRg st="7" end="7"/>
+                                            </p:txEl>
+                                          </p:spTgt>
+                                        </p:tgtEl>
+                                        <p:attrNameLst>
+                                          <p:attrName>style.visibility</p:attrName>
+                                        </p:attrNameLst>
+                                      </p:cBhvr>
+                                      <p:to>
+                                        <p:strVal val="visible"/>
+                                      </p:to>
+                                    </p:set>
+                                  </p:childTnLst>
+                                </p:cTn>
+                              </p:par>
+                            </p:childTnLst>
+                          </p:cTn>
+                        </p:par>
+                      </p:childTnLst>
+                    </p:cTn>
+                  </p:par>
+                </p:childTnLst>
+              </p:cTn>
+              <p:prevCondLst>
+                <p:cond evt="onPrev" delay="0">
+                  <p:tgtEl>
+                    <p:sldTgt/>
+                  </p:tgtEl>
+                </p:cond>
+              </p:prevCondLst>
+              <p:nextCondLst>
+                <p:cond evt="onNext" delay="0">
+                  <p:tgtEl>
+                    <p:sldTgt/>
+                  </p:tgtEl>
+                </p:cond>
+              </p:nextCondLst>
+            </p:seq>
+          </p:childTnLst>
+        </p:cTn>
+      </p:par>
+    </p:tnLst>
+    <p:bldLst>
+      <p:bldP spid="3" grpId="0" uiExpand="1" build="p"/>
+    </p:bldLst>
+  </p:timing>
+</p:sld>
+</file>
+
+<file path=ppt/slides/slide9.xml><?xml version="1.0" encoding="utf-8"?>
+<p:sld xmlns:a="http://schemas.openxmlformats.org/drawingml/2006/main" xmlns:r="http://schemas.openxmlformats.org/officeDocument/2006/relationships" xmlns:p="http://schemas.openxmlformats.org/presentationml/2006/main">
+  <p:cSld>
+    <p:spTree>
+      <p:nvGrpSpPr>
+        <p:cNvPr id="1" name=""/>
+        <p:cNvGrpSpPr/>
+        <p:nvPr/>
+      </p:nvGrpSpPr>
+      <p:grpSpPr>
+        <a:xfrm>
+          <a:off x="0" y="0"/>
+          <a:ext cx="0" cy="0"/>
+          <a:chOff x="0" y="0"/>
+          <a:chExt cx="0" cy="0"/>
+        </a:xfrm>
+      </p:grpSpPr>
+      <p:sp>
+        <p:nvSpPr>
+          <p:cNvPr id="2" name="Title 1">
             <a:extLst>
               <a:ext uri="{FF2B5EF4-FFF2-40B4-BE49-F238E27FC236}">
-                <a16:creationId xmlns:a16="http://schemas.microsoft.com/office/drawing/2014/main" id="{C7C20865-EED8-468C-9F12-9F9A051A017F}"/>
+                <a16:creationId xmlns:a16="http://schemas.microsoft.com/office/drawing/2014/main" id="{6683EA3D-F53A-2173-54E0-60A1F3B68233}"/>
               </a:ext>
             </a:extLst>
           </p:cNvPr>
-          <p:cNvPicPr>
-            <a:picLocks noChangeAspect="1" noChangeArrowheads="1"/>
-          </p:cNvPicPr>
-          <p:nvPr/>
-        </p:nvPicPr>
-        <p:blipFill>
-          <a:blip r:embed="rId3">
+          <p:cNvSpPr>
+            <a:spLocks noGrp="1"/>
+          </p:cNvSpPr>
+          <p:nvPr>
+            <p:ph type="title"/>
+          </p:nvPr>
+        </p:nvSpPr>
+        <p:spPr/>
+        <p:txBody>
+          <a:bodyPr>
+            <a:normAutofit fontScale="90000"/>
+          </a:bodyPr>
+          <a:lstStyle/>
+          <a:p>
+            <a:r>
+              <a:rPr lang="en-US" dirty="0"/>
+              <a:t>Solving Rigid Body Surface Impact Problems</a:t>
+            </a:r>
+          </a:p>
+        </p:txBody>
+      </p:sp>
+      <p:sp>
+        <p:nvSpPr>
+          <p:cNvPr id="3" name="Content Placeholder 2">
             <a:extLst>
-              <a:ext uri="{28A0092B-C50C-407E-A947-70E740481C1C}">
-                <a14:useLocalDpi xmlns:a14="http://schemas.microsoft.com/office/drawing/2010/main" val="0"/>
+              <a:ext uri="{FF2B5EF4-FFF2-40B4-BE49-F238E27FC236}">
+                <a16:creationId xmlns:a16="http://schemas.microsoft.com/office/drawing/2014/main" id="{80DEE6E2-D2CF-FAB0-F187-F8A88B95DEAC}"/>
               </a:ext>
             </a:extLst>
-          </a:blip>
-          <a:srcRect/>
-          <a:stretch>
-            <a:fillRect/>
-          </a:stretch>
-        </p:blipFill>
-        <p:spPr bwMode="auto">
-          <a:xfrm>
-            <a:off x="4933950" y="2285999"/>
-            <a:ext cx="3714750" cy="2790825"/>
-          </a:xfrm>
-          <a:prstGeom prst="rect">
-            <a:avLst/>
-          </a:prstGeom>
-          <a:noFill/>
-          <a:extLst>
-            <a:ext uri="{909E8E84-426E-40DD-AFC4-6F175D3DCCD1}">
-              <a14:hiddenFill xmlns:a14="http://schemas.microsoft.com/office/drawing/2010/main">
-                <a:solidFill>
-                  <a:srgbClr val="FFFFFF"/>
-                </a:solidFill>
-              </a14:hiddenFill>
-            </a:ext>
-          </a:extLst>
-        </p:spPr>
-      </p:pic>
+          </p:cNvPr>
+          <p:cNvSpPr>
+            <a:spLocks noGrp="1"/>
+          </p:cNvSpPr>
+          <p:nvPr>
+            <p:ph idx="1"/>
+          </p:nvPr>
+        </p:nvSpPr>
+        <p:spPr/>
+        <p:txBody>
+          <a:bodyPr>
+            <a:normAutofit fontScale="92500" lnSpcReduction="20000"/>
+          </a:bodyPr>
+          <a:lstStyle/>
+          <a:p>
+            <a:r>
+              <a:rPr lang="en-US" dirty="0"/>
+              <a:t>Start by creating a diagram showing the initial and final states.</a:t>
+            </a:r>
+          </a:p>
+          <a:p>
+            <a:pPr lvl="1"/>
+            <a:r>
+              <a:rPr lang="en-US" dirty="0"/>
+              <a:t>Identify any known and unknown values.</a:t>
+            </a:r>
+          </a:p>
+          <a:p>
+            <a:pPr lvl="1"/>
+            <a:r>
+              <a:rPr lang="en-US" dirty="0"/>
+              <a:t>Identify the normal and tangential directions.</a:t>
+            </a:r>
+          </a:p>
+          <a:p>
+            <a:pPr lvl="1"/>
+            <a:r>
+              <a:rPr lang="en-US" dirty="0"/>
+              <a:t>Identify the point of impact (P) and the center of mass (G) of your body.</a:t>
+            </a:r>
+          </a:p>
+          <a:p>
+            <a:r>
+              <a:rPr lang="en-US" dirty="0"/>
+              <a:t>Next, write out the equations discussed in the slides and enter in known values.</a:t>
+            </a:r>
+          </a:p>
+          <a:p>
+            <a:pPr lvl="1"/>
+            <a:r>
+              <a:rPr lang="en-US" dirty="0"/>
+              <a:t>Add an equation relating motion at P to motion at G if necessary.</a:t>
+            </a:r>
+          </a:p>
+          <a:p>
+            <a:r>
+              <a:rPr lang="en-US" dirty="0"/>
+              <a:t>Solve your equations for the unknown values.</a:t>
+            </a:r>
+          </a:p>
+        </p:txBody>
+      </p:sp>
+      <p:sp>
+        <p:nvSpPr>
+          <p:cNvPr id="4" name="Slide Number Placeholder 3">
+            <a:extLst>
+              <a:ext uri="{FF2B5EF4-FFF2-40B4-BE49-F238E27FC236}">
+                <a16:creationId xmlns:a16="http://schemas.microsoft.com/office/drawing/2014/main" id="{63E23932-3BA0-5B5B-45C7-C54FC881AEF5}"/>
+              </a:ext>
+            </a:extLst>
+          </p:cNvPr>
+          <p:cNvSpPr>
+            <a:spLocks noGrp="1"/>
+          </p:cNvSpPr>
+          <p:nvPr>
+            <p:ph type="sldNum" sz="quarter" idx="12"/>
+          </p:nvPr>
+        </p:nvSpPr>
+        <p:spPr/>
+        <p:txBody>
+          <a:bodyPr/>
+          <a:lstStyle/>
+          <a:p>
+            <a:fld id="{929262FE-7F58-4A1E-8AF3-5A510A86DEBD}" type="slidenum">
+              <a:rPr lang="en-US" smtClean="0"/>
+              <a:t>9</a:t>
+            </a:fld>
+            <a:endParaRPr lang="en-US" dirty="0"/>
+          </a:p>
+        </p:txBody>
+      </p:sp>
     </p:spTree>
     <p:extLst>
       <p:ext uri="{BB962C8B-B14F-4D97-AF65-F5344CB8AC3E}">
-        <p14:creationId xmlns:p14="http://schemas.microsoft.com/office/powerpoint/2010/main" val="3089954168"/>
+        <p14:creationId xmlns:p14="http://schemas.microsoft.com/office/powerpoint/2010/main" val="1160878164"/>
       </p:ext>
     </p:extLst>
   </p:cSld>
@@ -6924,519 +12910,27 @@
                       </p:childTnLst>
                     </p:cTn>
                   </p:par>
-                </p:childTnLst>
-              </p:cTn>
-              <p:prevCondLst>
-                <p:cond evt="onPrev" delay="0">
-                  <p:tgtEl>
-                    <p:sldTgt/>
-                  </p:tgtEl>
-                </p:cond>
-              </p:prevCondLst>
-              <p:nextCondLst>
-                <p:cond evt="onNext" delay="0">
-                  <p:tgtEl>
-                    <p:sldTgt/>
-                  </p:tgtEl>
-                </p:cond>
-              </p:nextCondLst>
-            </p:seq>
-          </p:childTnLst>
-        </p:cTn>
-      </p:par>
-    </p:tnLst>
-    <p:bldLst>
-      <p:bldP spid="3" grpId="0" build="p"/>
-    </p:bldLst>
-  </p:timing>
-</p:sld>
-</file>
-
-<file path=ppt/slides/slide8.xml><?xml version="1.0" encoding="utf-8"?>
-<p:sld xmlns:a="http://schemas.openxmlformats.org/drawingml/2006/main" xmlns:r="http://schemas.openxmlformats.org/officeDocument/2006/relationships" xmlns:p="http://schemas.openxmlformats.org/presentationml/2006/main">
-  <p:cSld>
-    <p:spTree>
-      <p:nvGrpSpPr>
-        <p:cNvPr id="1" name=""/>
-        <p:cNvGrpSpPr/>
-        <p:nvPr/>
-      </p:nvGrpSpPr>
-      <p:grpSpPr>
-        <a:xfrm>
-          <a:off x="0" y="0"/>
-          <a:ext cx="0" cy="0"/>
-          <a:chOff x="0" y="0"/>
-          <a:chExt cx="0" cy="0"/>
-        </a:xfrm>
-      </p:grpSpPr>
-      <p:sp>
-        <p:nvSpPr>
-          <p:cNvPr id="2" name="Title 1">
-            <a:extLst>
-              <a:ext uri="{FF2B5EF4-FFF2-40B4-BE49-F238E27FC236}">
-                <a16:creationId xmlns:a16="http://schemas.microsoft.com/office/drawing/2014/main" id="{F4392BAB-C952-4615-8017-326C9C8D2293}"/>
-              </a:ext>
-            </a:extLst>
-          </p:cNvPr>
-          <p:cNvSpPr>
-            <a:spLocks noGrp="1"/>
-          </p:cNvSpPr>
-          <p:nvPr>
-            <p:ph type="title"/>
-          </p:nvPr>
-        </p:nvSpPr>
-        <p:spPr/>
-        <p:txBody>
-          <a:bodyPr/>
-          <a:lstStyle/>
-          <a:p>
-            <a:r>
-              <a:rPr lang="en-US" dirty="0"/>
-              <a:t>Rigid Body Surface Collisions</a:t>
-            </a:r>
-          </a:p>
-        </p:txBody>
-      </p:sp>
-      <mc:AlternateContent xmlns:mc="http://schemas.openxmlformats.org/markup-compatibility/2006" xmlns:a14="http://schemas.microsoft.com/office/drawing/2010/main">
-        <mc:Choice Requires="a14">
-          <p:sp>
-            <p:nvSpPr>
-              <p:cNvPr id="3" name="Content Placeholder 2">
-                <a:extLst>
-                  <a:ext uri="{FF2B5EF4-FFF2-40B4-BE49-F238E27FC236}">
-                    <a16:creationId xmlns:a16="http://schemas.microsoft.com/office/drawing/2014/main" id="{D67A592A-BC94-44AB-B9DE-1C18398D660D}"/>
-                  </a:ext>
-                </a:extLst>
-              </p:cNvPr>
-              <p:cNvSpPr>
-                <a:spLocks noGrp="1"/>
-              </p:cNvSpPr>
-              <p:nvPr>
-                <p:ph idx="1"/>
-              </p:nvPr>
-            </p:nvSpPr>
-            <p:spPr>
-              <a:xfrm>
-                <a:off x="457200" y="1600200"/>
-                <a:ext cx="8229600" cy="4876800"/>
-              </a:xfrm>
-            </p:spPr>
-            <p:txBody>
-              <a:bodyPr>
-                <a:normAutofit fontScale="92500" lnSpcReduction="20000"/>
-              </a:bodyPr>
-              <a:lstStyle/>
-              <a:p>
-                <a:r>
-                  <a:rPr lang="en-US" dirty="0"/>
-                  <a:t>Putting this all together, we have three equations that should allow us to solve for up to three unknowns.</a:t>
-                </a:r>
-              </a:p>
-              <a:p>
-                <a:endParaRPr lang="en-US" dirty="0"/>
-              </a:p>
-              <a:p>
-                <a:pPr marL="0" indent="0" algn="ctr">
-                  <a:buNone/>
-                </a:pPr>
-                <a14:m>
-                  <m:oMath xmlns:m="http://schemas.openxmlformats.org/officeDocument/2006/math">
-                    <m:sSub>
-                      <m:sSubPr>
-                        <m:ctrlPr>
-                          <a:rPr lang="en-US" i="1">
-                            <a:latin typeface="Cambria Math" panose="02040503050406030204" pitchFamily="18" charset="0"/>
-                          </a:rPr>
-                        </m:ctrlPr>
-                      </m:sSubPr>
-                      <m:e>
-                        <m:r>
-                          <a:rPr lang="en-US" i="1">
-                            <a:latin typeface="Cambria Math"/>
-                          </a:rPr>
-                          <m:t>𝑣</m:t>
-                        </m:r>
-                      </m:e>
-                      <m:sub>
-                        <m:r>
-                          <a:rPr lang="en-US" i="1">
-                            <a:latin typeface="Cambria Math" panose="02040503050406030204" pitchFamily="18" charset="0"/>
-                          </a:rPr>
-                          <m:t>𝑡𝐶</m:t>
-                        </m:r>
-                        <m:r>
-                          <a:rPr lang="en-US" i="1">
-                            <a:latin typeface="Cambria Math"/>
-                          </a:rPr>
-                          <m:t>𝑓</m:t>
-                        </m:r>
-                      </m:sub>
-                    </m:sSub>
-                    <m:r>
-                      <a:rPr lang="en-US" i="1">
-                        <a:latin typeface="Cambria Math"/>
-                      </a:rPr>
-                      <m:t>=</m:t>
-                    </m:r>
-                    <m:sSub>
-                      <m:sSubPr>
-                        <m:ctrlPr>
-                          <a:rPr lang="en-US" i="1">
-                            <a:latin typeface="Cambria Math" panose="02040503050406030204" pitchFamily="18" charset="0"/>
-                          </a:rPr>
-                        </m:ctrlPr>
-                      </m:sSubPr>
-                      <m:e>
-                        <m:r>
-                          <a:rPr lang="en-US" i="1">
-                            <a:latin typeface="Cambria Math"/>
-                          </a:rPr>
-                          <m:t>𝑣</m:t>
-                        </m:r>
-                      </m:e>
-                      <m:sub>
-                        <m:r>
-                          <a:rPr lang="en-US" i="1">
-                            <a:latin typeface="Cambria Math" panose="02040503050406030204" pitchFamily="18" charset="0"/>
-                          </a:rPr>
-                          <m:t>𝑡𝐶𝑖</m:t>
-                        </m:r>
-                      </m:sub>
-                    </m:sSub>
-                  </m:oMath>
-                </a14:m>
-                <a:r>
-                  <a:rPr lang="en-US" dirty="0"/>
-                  <a:t>      </a:t>
-                </a:r>
-                <a14:m>
-                  <m:oMath xmlns:m="http://schemas.openxmlformats.org/officeDocument/2006/math">
-                    <m:r>
-                      <a:rPr lang="en-US" i="1">
-                        <a:latin typeface="Cambria Math"/>
-                      </a:rPr>
-                      <m:t>𝑒</m:t>
-                    </m:r>
-                    <m:r>
-                      <a:rPr lang="en-US" i="1">
-                        <a:latin typeface="Cambria Math"/>
-                      </a:rPr>
-                      <m:t>=−</m:t>
-                    </m:r>
-                    <m:f>
-                      <m:fPr>
-                        <m:ctrlPr>
-                          <a:rPr lang="en-US" i="1">
-                            <a:latin typeface="Cambria Math" panose="02040503050406030204" pitchFamily="18" charset="0"/>
-                          </a:rPr>
-                        </m:ctrlPr>
-                      </m:fPr>
-                      <m:num>
-                        <m:sSub>
-                          <m:sSubPr>
-                            <m:ctrlPr>
-                              <a:rPr lang="en-US" i="1">
-                                <a:latin typeface="Cambria Math" panose="02040503050406030204" pitchFamily="18" charset="0"/>
-                              </a:rPr>
-                            </m:ctrlPr>
-                          </m:sSubPr>
-                          <m:e>
-                            <m:r>
-                              <a:rPr lang="en-US" i="1">
-                                <a:latin typeface="Cambria Math"/>
-                              </a:rPr>
-                              <m:t>𝑣</m:t>
-                            </m:r>
-                          </m:e>
-                          <m:sub>
-                            <m:r>
-                              <a:rPr lang="en-US" i="1">
-                                <a:latin typeface="Cambria Math" panose="02040503050406030204" pitchFamily="18" charset="0"/>
-                              </a:rPr>
-                              <m:t>𝑛𝐴</m:t>
-                            </m:r>
-                            <m:r>
-                              <a:rPr lang="en-US" i="1">
-                                <a:latin typeface="Cambria Math"/>
-                              </a:rPr>
-                              <m:t>𝑓</m:t>
-                            </m:r>
-                          </m:sub>
-                        </m:sSub>
-                      </m:num>
-                      <m:den>
-                        <m:sSub>
-                          <m:sSubPr>
-                            <m:ctrlPr>
-                              <a:rPr lang="en-US" i="1">
-                                <a:latin typeface="Cambria Math" panose="02040503050406030204" pitchFamily="18" charset="0"/>
-                              </a:rPr>
-                            </m:ctrlPr>
-                          </m:sSubPr>
-                          <m:e>
-                            <m:r>
-                              <a:rPr lang="en-US" i="1">
-                                <a:latin typeface="Cambria Math"/>
-                              </a:rPr>
-                              <m:t>𝑣</m:t>
-                            </m:r>
-                          </m:e>
-                          <m:sub>
-                            <m:r>
-                              <a:rPr lang="en-US" i="1">
-                                <a:latin typeface="Cambria Math" panose="02040503050406030204" pitchFamily="18" charset="0"/>
-                              </a:rPr>
-                              <m:t>𝑛𝐴</m:t>
-                            </m:r>
-                            <m:r>
-                              <a:rPr lang="en-US" i="1">
-                                <a:latin typeface="Cambria Math"/>
-                              </a:rPr>
-                              <m:t>𝑖</m:t>
-                            </m:r>
-                          </m:sub>
-                        </m:sSub>
-                      </m:den>
-                    </m:f>
-                  </m:oMath>
-                </a14:m>
-                <a:r>
-                  <a:rPr lang="en-US" dirty="0"/>
-                  <a:t> </a:t>
-                </a:r>
-                <a14:m>
-                  <m:oMath xmlns:m="http://schemas.openxmlformats.org/officeDocument/2006/math">
-                    <m:r>
-                      <a:rPr lang="en-US" b="0" i="0" smtClean="0">
-                        <a:latin typeface="Cambria Math" panose="02040503050406030204" pitchFamily="18" charset="0"/>
-                      </a:rPr>
-                      <m:t>         </m:t>
-                    </m:r>
-                    <m:sSup>
-                      <m:sSupPr>
-                        <m:ctrlPr>
-                          <a:rPr lang="en-US" i="1">
-                            <a:latin typeface="Cambria Math" panose="02040503050406030204" pitchFamily="18" charset="0"/>
-                          </a:rPr>
-                        </m:ctrlPr>
-                      </m:sSupPr>
-                      <m:e>
-                        <m:r>
-                          <a:rPr lang="en-US" i="1">
-                            <a:latin typeface="Cambria Math"/>
-                          </a:rPr>
-                          <m:t>𝑒</m:t>
-                        </m:r>
-                      </m:e>
-                      <m:sup>
-                        <m:r>
-                          <a:rPr lang="en-US" i="1">
-                            <a:latin typeface="Cambria Math" panose="02040503050406030204" pitchFamily="18" charset="0"/>
-                          </a:rPr>
-                          <m:t>2</m:t>
-                        </m:r>
-                      </m:sup>
-                    </m:sSup>
-                    <m:r>
-                      <a:rPr lang="en-US" i="1">
-                        <a:latin typeface="Cambria Math"/>
-                      </a:rPr>
-                      <m:t>=</m:t>
-                    </m:r>
-                    <m:f>
-                      <m:fPr>
-                        <m:ctrlPr>
-                          <a:rPr lang="en-US" i="1">
-                            <a:latin typeface="Cambria Math" panose="02040503050406030204" pitchFamily="18" charset="0"/>
-                          </a:rPr>
-                        </m:ctrlPr>
-                      </m:fPr>
-                      <m:num>
-                        <m:sSub>
-                          <m:sSubPr>
-                            <m:ctrlPr>
-                              <a:rPr lang="en-US" i="1">
-                                <a:latin typeface="Cambria Math" panose="02040503050406030204" pitchFamily="18" charset="0"/>
-                              </a:rPr>
-                            </m:ctrlPr>
-                          </m:sSubPr>
-                          <m:e>
-                            <m:r>
-                              <a:rPr lang="en-US" i="1">
-                                <a:latin typeface="Cambria Math" panose="02040503050406030204" pitchFamily="18" charset="0"/>
-                              </a:rPr>
-                              <m:t>𝐾𝐸</m:t>
-                            </m:r>
-                          </m:e>
-                          <m:sub>
-                            <m:r>
-                              <a:rPr lang="en-US" i="1">
-                                <a:latin typeface="Cambria Math" panose="02040503050406030204" pitchFamily="18" charset="0"/>
-                              </a:rPr>
-                              <m:t>𝑓</m:t>
-                            </m:r>
-                          </m:sub>
-                        </m:sSub>
-                      </m:num>
-                      <m:den>
-                        <m:sSub>
-                          <m:sSubPr>
-                            <m:ctrlPr>
-                              <a:rPr lang="en-US" i="1">
-                                <a:latin typeface="Cambria Math" panose="02040503050406030204" pitchFamily="18" charset="0"/>
-                              </a:rPr>
-                            </m:ctrlPr>
-                          </m:sSubPr>
-                          <m:e>
-                            <m:r>
-                              <a:rPr lang="en-US" i="1">
-                                <a:latin typeface="Cambria Math" panose="02040503050406030204" pitchFamily="18" charset="0"/>
-                              </a:rPr>
-                              <m:t>𝐾𝐸</m:t>
-                            </m:r>
-                          </m:e>
-                          <m:sub>
-                            <m:r>
-                              <a:rPr lang="en-US" i="1">
-                                <a:latin typeface="Cambria Math" panose="02040503050406030204" pitchFamily="18" charset="0"/>
-                              </a:rPr>
-                              <m:t>𝑖</m:t>
-                            </m:r>
-                          </m:sub>
-                        </m:sSub>
-                      </m:den>
-                    </m:f>
-                  </m:oMath>
-                </a14:m>
-                <a:endParaRPr lang="en-US" dirty="0"/>
-              </a:p>
-              <a:p>
-                <a:pPr marL="0" indent="0" algn="ctr">
-                  <a:buNone/>
-                </a:pPr>
-                <a:endParaRPr lang="en-US" dirty="0"/>
-              </a:p>
-              <a:p>
-                <a:r>
-                  <a:rPr lang="en-US" dirty="0"/>
-                  <a:t>The equations will sometimes need to be supplemented with kinematics relationships, in this case relating the velocity of the point of impact to the velocity of the center of mass and angular velocity.</a:t>
-                </a:r>
-              </a:p>
-            </p:txBody>
-          </p:sp>
-        </mc:Choice>
-        <mc:Fallback xmlns="">
-          <p:sp>
-            <p:nvSpPr>
-              <p:cNvPr id="3" name="Content Placeholder 2">
-                <a:extLst>
-                  <a:ext uri="{FF2B5EF4-FFF2-40B4-BE49-F238E27FC236}">
-                    <a16:creationId xmlns:a16="http://schemas.microsoft.com/office/drawing/2014/main" id="{D67A592A-BC94-44AB-B9DE-1C18398D660D}"/>
-                  </a:ext>
-                </a:extLst>
-              </p:cNvPr>
-              <p:cNvSpPr>
-                <a:spLocks noGrp="1" noRot="1" noChangeAspect="1" noMove="1" noResize="1" noEditPoints="1" noAdjustHandles="1" noChangeArrowheads="1" noChangeShapeType="1" noTextEdit="1"/>
-              </p:cNvSpPr>
-              <p:nvPr>
-                <p:ph idx="1"/>
-              </p:nvPr>
-            </p:nvSpPr>
-            <p:spPr>
-              <a:xfrm>
-                <a:off x="457200" y="1600200"/>
-                <a:ext cx="8229600" cy="4876800"/>
-              </a:xfrm>
-              <a:blipFill>
-                <a:blip r:embed="rId2"/>
-                <a:stretch>
-                  <a:fillRect l="-1481" t="-3250" r="-1333" b="-1625"/>
-                </a:stretch>
-              </a:blipFill>
-            </p:spPr>
-            <p:txBody>
-              <a:bodyPr/>
-              <a:lstStyle/>
-              <a:p>
-                <a:r>
-                  <a:rPr lang="en-US">
-                    <a:noFill/>
-                  </a:rPr>
-                  <a:t> </a:t>
-                </a:r>
-              </a:p>
-            </p:txBody>
-          </p:sp>
-        </mc:Fallback>
-      </mc:AlternateContent>
-      <p:sp>
-        <p:nvSpPr>
-          <p:cNvPr id="4" name="Slide Number Placeholder 3">
-            <a:extLst>
-              <a:ext uri="{FF2B5EF4-FFF2-40B4-BE49-F238E27FC236}">
-                <a16:creationId xmlns:a16="http://schemas.microsoft.com/office/drawing/2014/main" id="{1CDEEA48-041C-4F18-8182-2930A1F3E1EA}"/>
-              </a:ext>
-            </a:extLst>
-          </p:cNvPr>
-          <p:cNvSpPr>
-            <a:spLocks noGrp="1"/>
-          </p:cNvSpPr>
-          <p:nvPr>
-            <p:ph type="sldNum" sz="quarter" idx="12"/>
-          </p:nvPr>
-        </p:nvSpPr>
-        <p:spPr/>
-        <p:txBody>
-          <a:bodyPr/>
-          <a:lstStyle/>
-          <a:p>
-            <a:fld id="{929262FE-7F58-4A1E-8AF3-5A510A86DEBD}" type="slidenum">
-              <a:rPr lang="en-US" smtClean="0"/>
-              <a:t>8</a:t>
-            </a:fld>
-            <a:endParaRPr lang="en-US" dirty="0"/>
-          </a:p>
-        </p:txBody>
-      </p:sp>
-    </p:spTree>
-    <p:extLst>
-      <p:ext uri="{BB962C8B-B14F-4D97-AF65-F5344CB8AC3E}">
-        <p14:creationId xmlns:p14="http://schemas.microsoft.com/office/powerpoint/2010/main" val="49532671"/>
-      </p:ext>
-    </p:extLst>
-  </p:cSld>
-  <p:clrMapOvr>
-    <a:masterClrMapping/>
-  </p:clrMapOvr>
-  <p:timing>
-    <p:tnLst>
-      <p:par>
-        <p:cTn id="1" dur="indefinite" restart="never" nodeType="tmRoot">
-          <p:childTnLst>
-            <p:seq concurrent="1" nextAc="seek">
-              <p:cTn id="2" dur="indefinite" nodeType="mainSeq">
-                <p:childTnLst>
                   <p:par>
-                    <p:cTn id="3" fill="hold">
+                    <p:cTn id="15" fill="hold">
                       <p:stCondLst>
                         <p:cond delay="indefinite"/>
                       </p:stCondLst>
                       <p:childTnLst>
                         <p:par>
-                          <p:cTn id="4" fill="hold">
+                          <p:cTn id="16" fill="hold">
                             <p:stCondLst>
                               <p:cond delay="0"/>
                             </p:stCondLst>
                             <p:childTnLst>
                               <p:par>
-                                <p:cTn id="5" presetID="1" presetClass="entr" presetSubtype="0" fill="hold" grpId="0" nodeType="clickEffect">
+                                <p:cTn id="17" presetID="1" presetClass="entr" presetSubtype="0" fill="hold" grpId="0" nodeType="clickEffect">
                                   <p:stCondLst>
                                     <p:cond delay="0"/>
                                   </p:stCondLst>
                                   <p:childTnLst>
                                     <p:set>
                                       <p:cBhvr>
-                                        <p:cTn id="6" dur="1" fill="hold">
+                                        <p:cTn id="18" dur="1" fill="hold">
                                           <p:stCondLst>
                                             <p:cond delay="0"/>
                                           </p:stCondLst>
@@ -7444,7 +12938,7 @@
                                         <p:tgtEl>
                                           <p:spTgt spid="3">
                                             <p:txEl>
-                                              <p:pRg st="0" end="0"/>
+                                              <p:pRg st="3" end="3"/>
                                             </p:txEl>
                                           </p:spTgt>
                                         </p:tgtEl>
@@ -7466,26 +12960,26 @@
                     </p:cTn>
                   </p:par>
                   <p:par>
-                    <p:cTn id="7" fill="hold">
+                    <p:cTn id="19" fill="hold">
                       <p:stCondLst>
                         <p:cond delay="indefinite"/>
                       </p:stCondLst>
                       <p:childTnLst>
                         <p:par>
-                          <p:cTn id="8" fill="hold">
+                          <p:cTn id="20" fill="hold">
                             <p:stCondLst>
                               <p:cond delay="0"/>
                             </p:stCondLst>
                             <p:childTnLst>
                               <p:par>
-                                <p:cTn id="9" presetID="1" presetClass="entr" presetSubtype="0" fill="hold" grpId="0" nodeType="clickEffect">
+                                <p:cTn id="21" presetID="1" presetClass="entr" presetSubtype="0" fill="hold" grpId="0" nodeType="clickEffect">
                                   <p:stCondLst>
                                     <p:cond delay="0"/>
                                   </p:stCondLst>
                                   <p:childTnLst>
                                     <p:set>
                                       <p:cBhvr>
-                                        <p:cTn id="10" dur="1" fill="hold">
+                                        <p:cTn id="22" dur="1" fill="hold">
                                           <p:stCondLst>
                                             <p:cond delay="0"/>
                                           </p:stCondLst>
@@ -7493,7 +12987,7 @@
                                         <p:tgtEl>
                                           <p:spTgt spid="3">
                                             <p:txEl>
-                                              <p:pRg st="2" end="2"/>
+                                              <p:pRg st="4" end="4"/>
                                             </p:txEl>
                                           </p:spTgt>
                                         </p:tgtEl>
@@ -7515,26 +13009,26 @@
                     </p:cTn>
                   </p:par>
                   <p:par>
-                    <p:cTn id="11" fill="hold">
+                    <p:cTn id="23" fill="hold">
                       <p:stCondLst>
                         <p:cond delay="indefinite"/>
                       </p:stCondLst>
                       <p:childTnLst>
                         <p:par>
-                          <p:cTn id="12" fill="hold">
+                          <p:cTn id="24" fill="hold">
                             <p:stCondLst>
                               <p:cond delay="0"/>
                             </p:stCondLst>
                             <p:childTnLst>
                               <p:par>
-                                <p:cTn id="13" presetID="1" presetClass="entr" presetSubtype="0" fill="hold" grpId="0" nodeType="clickEffect">
+                                <p:cTn id="25" presetID="1" presetClass="entr" presetSubtype="0" fill="hold" grpId="0" nodeType="clickEffect">
                                   <p:stCondLst>
                                     <p:cond delay="0"/>
                                   </p:stCondLst>
                                   <p:childTnLst>
                                     <p:set>
                                       <p:cBhvr>
-                                        <p:cTn id="14" dur="1" fill="hold">
+                                        <p:cTn id="26" dur="1" fill="hold">
                                           <p:stCondLst>
                                             <p:cond delay="0"/>
                                           </p:stCondLst>
@@ -7542,7 +13036,56 @@
                                         <p:tgtEl>
                                           <p:spTgt spid="3">
                                             <p:txEl>
-                                              <p:pRg st="4" end="4"/>
+                                              <p:pRg st="5" end="5"/>
+                                            </p:txEl>
+                                          </p:spTgt>
+                                        </p:tgtEl>
+                                        <p:attrNameLst>
+                                          <p:attrName>style.visibility</p:attrName>
+                                        </p:attrNameLst>
+                                      </p:cBhvr>
+                                      <p:to>
+                                        <p:strVal val="visible"/>
+                                      </p:to>
+                                    </p:set>
+                                  </p:childTnLst>
+                                </p:cTn>
+                              </p:par>
+                            </p:childTnLst>
+                          </p:cTn>
+                        </p:par>
+                      </p:childTnLst>
+                    </p:cTn>
+                  </p:par>
+                  <p:par>
+                    <p:cTn id="27" fill="hold">
+                      <p:stCondLst>
+                        <p:cond delay="indefinite"/>
+                      </p:stCondLst>
+                      <p:childTnLst>
+                        <p:par>
+                          <p:cTn id="28" fill="hold">
+                            <p:stCondLst>
+                              <p:cond delay="0"/>
+                            </p:stCondLst>
+                            <p:childTnLst>
+                              <p:par>
+                                <p:cTn id="29" presetID="1" presetClass="entr" presetSubtype="0" fill="hold" grpId="0" nodeType="clickEffect">
+                                  <p:stCondLst>
+                                    <p:cond delay="0"/>
+                                  </p:stCondLst>
+                                  <p:childTnLst>
+                                    <p:set>
+                                      <p:cBhvr>
+                                        <p:cTn id="30" dur="1" fill="hold">
+                                          <p:stCondLst>
+                                            <p:cond delay="0"/>
+                                          </p:stCondLst>
+                                        </p:cTn>
+                                        <p:tgtEl>
+                                          <p:spTgt spid="3">
+                                            <p:txEl>
+                                              <p:pRg st="6" end="6"/>
                                             </p:txEl>
                                           </p:spTgt>
                                         </p:tgtEl>
@@ -7586,945 +13129,6 @@
     </p:tnLst>
     <p:bldLst>
       <p:bldP spid="3" grpId="0" build="p"/>
-    </p:bldLst>
-  </p:timing>
-</p:sld>
-</file>
-
-<file path=ppt/slides/slide9.xml><?xml version="1.0" encoding="utf-8"?>
-<p:sld xmlns:a="http://schemas.openxmlformats.org/drawingml/2006/main" xmlns:r="http://schemas.openxmlformats.org/officeDocument/2006/relationships" xmlns:p="http://schemas.openxmlformats.org/presentationml/2006/main">
-  <p:cSld>
-    <p:spTree>
-      <p:nvGrpSpPr>
-        <p:cNvPr id="1" name=""/>
-        <p:cNvGrpSpPr/>
-        <p:nvPr/>
-      </p:nvGrpSpPr>
-      <p:grpSpPr>
-        <a:xfrm>
-          <a:off x="0" y="0"/>
-          <a:ext cx="0" cy="0"/>
-          <a:chOff x="0" y="0"/>
-          <a:chExt cx="0" cy="0"/>
-        </a:xfrm>
-      </p:grpSpPr>
-      <p:sp>
-        <p:nvSpPr>
-          <p:cNvPr id="2" name="Title 1">
-            <a:extLst>
-              <a:ext uri="{FF2B5EF4-FFF2-40B4-BE49-F238E27FC236}">
-                <a16:creationId xmlns:a16="http://schemas.microsoft.com/office/drawing/2014/main" id="{61A07C29-9A58-4871-BDC5-A36C637901C2}"/>
-              </a:ext>
-            </a:extLst>
-          </p:cNvPr>
-          <p:cNvSpPr>
-            <a:spLocks noGrp="1"/>
-          </p:cNvSpPr>
-          <p:nvPr>
-            <p:ph type="title"/>
-          </p:nvPr>
-        </p:nvSpPr>
-        <p:spPr/>
-        <p:txBody>
-          <a:bodyPr>
-            <a:normAutofit fontScale="90000"/>
-          </a:bodyPr>
-          <a:lstStyle/>
-          <a:p>
-            <a:r>
-              <a:rPr lang="en-US" dirty="0"/>
-              <a:t>Solving a Collision Problem</a:t>
-            </a:r>
-            <a:br>
-              <a:rPr lang="en-US" dirty="0"/>
-            </a:br>
-            <a:r>
-              <a:rPr lang="en-US" dirty="0"/>
-              <a:t>(The Process)</a:t>
-            </a:r>
-          </a:p>
-        </p:txBody>
-      </p:sp>
-      <mc:AlternateContent xmlns:mc="http://schemas.openxmlformats.org/markup-compatibility/2006" xmlns:a14="http://schemas.microsoft.com/office/drawing/2010/main">
-        <mc:Choice Requires="a14">
-          <p:sp>
-            <p:nvSpPr>
-              <p:cNvPr id="3" name="Content Placeholder 2">
-                <a:extLst>
-                  <a:ext uri="{FF2B5EF4-FFF2-40B4-BE49-F238E27FC236}">
-                    <a16:creationId xmlns:a16="http://schemas.microsoft.com/office/drawing/2014/main" id="{A0280897-CDB5-4D78-9300-B055EC7031D9}"/>
-                  </a:ext>
-                </a:extLst>
-              </p:cNvPr>
-              <p:cNvSpPr>
-                <a:spLocks noGrp="1"/>
-              </p:cNvSpPr>
-              <p:nvPr>
-                <p:ph idx="1"/>
-              </p:nvPr>
-            </p:nvSpPr>
-            <p:spPr>
-              <a:xfrm>
-                <a:off x="457200" y="1600200"/>
-                <a:ext cx="8229600" cy="4983162"/>
-              </a:xfrm>
-            </p:spPr>
-            <p:txBody>
-              <a:bodyPr>
-                <a:normAutofit fontScale="62500" lnSpcReduction="20000"/>
-              </a:bodyPr>
-              <a:lstStyle/>
-              <a:p>
-                <a:r>
-                  <a:rPr lang="en-US" dirty="0"/>
-                  <a:t>Solving collision involves three steps, carefully accounting for the factors at play between some initial state and some final state.</a:t>
-                </a:r>
-              </a:p>
-              <a:p>
-                <a:pPr marL="514350" indent="-514350">
-                  <a:buFont typeface="+mj-lt"/>
-                  <a:buAutoNum type="arabicPeriod"/>
-                </a:pPr>
-                <a:r>
-                  <a:rPr lang="en-US" dirty="0"/>
-                  <a:t>Set up a diagram showing the object bouncing off the surface</a:t>
-                </a:r>
-              </a:p>
-              <a:p>
-                <a:pPr marL="914400" lvl="1" indent="-514350"/>
-                <a:r>
-                  <a:rPr lang="en-US" dirty="0"/>
-                  <a:t>Identify the known or unknown </a:t>
-                </a:r>
-                <a:r>
-                  <a:rPr lang="en-US" dirty="0">
-                    <a:solidFill>
-                      <a:schemeClr val="accent1"/>
-                    </a:solidFill>
-                  </a:rPr>
-                  <a:t>velocities</a:t>
-                </a:r>
-                <a:r>
-                  <a:rPr lang="en-US" dirty="0"/>
-                  <a:t> in each state, including magnitudes and directions</a:t>
-                </a:r>
-              </a:p>
-              <a:p>
-                <a:pPr marL="914400" lvl="1" indent="-514350"/>
-                <a:r>
-                  <a:rPr lang="en-US" dirty="0"/>
-                  <a:t>Identify the type of collision, and the coefficient of restitution if applicable</a:t>
-                </a:r>
-              </a:p>
-              <a:p>
-                <a:pPr marL="914400" lvl="1" indent="-514350"/>
-                <a:r>
-                  <a:rPr lang="en-US" dirty="0"/>
-                  <a:t>Identify the normal and tangential directions in your diagram</a:t>
-                </a:r>
-              </a:p>
-              <a:p>
-                <a:pPr marL="514350" indent="-514350">
-                  <a:buFont typeface="+mj-lt"/>
-                  <a:buAutoNum type="arabicPeriod"/>
-                </a:pPr>
-                <a:r>
-                  <a:rPr lang="en-US" dirty="0"/>
-                  <a:t>Use the diagram to break down velocities into the normal and tangential components, and use the equations discussed earlier to relate initial and final velocities</a:t>
-                </a:r>
-              </a:p>
-              <a:p>
-                <a:pPr marL="914400" lvl="1" indent="-514350"/>
-                <a14:m>
-                  <m:oMath xmlns:m="http://schemas.openxmlformats.org/officeDocument/2006/math">
-                    <m:sSub>
-                      <m:sSubPr>
-                        <m:ctrlPr>
-                          <a:rPr lang="en-US" i="1">
-                            <a:latin typeface="Cambria Math" panose="02040503050406030204" pitchFamily="18" charset="0"/>
-                          </a:rPr>
-                        </m:ctrlPr>
-                      </m:sSubPr>
-                      <m:e>
-                        <m:r>
-                          <a:rPr lang="en-US" i="1">
-                            <a:latin typeface="Cambria Math"/>
-                          </a:rPr>
-                          <m:t>𝑣</m:t>
-                        </m:r>
-                      </m:e>
-                      <m:sub>
-                        <m:r>
-                          <a:rPr lang="en-US" i="1">
-                            <a:latin typeface="Cambria Math" panose="02040503050406030204" pitchFamily="18" charset="0"/>
-                          </a:rPr>
-                          <m:t>𝑡𝐶</m:t>
-                        </m:r>
-                        <m:r>
-                          <a:rPr lang="en-US" i="1">
-                            <a:latin typeface="Cambria Math"/>
-                          </a:rPr>
-                          <m:t>𝑓</m:t>
-                        </m:r>
-                      </m:sub>
-                    </m:sSub>
-                    <m:r>
-                      <a:rPr lang="en-US" i="1">
-                        <a:latin typeface="Cambria Math"/>
-                      </a:rPr>
-                      <m:t>=</m:t>
-                    </m:r>
-                    <m:sSub>
-                      <m:sSubPr>
-                        <m:ctrlPr>
-                          <a:rPr lang="en-US" i="1">
-                            <a:latin typeface="Cambria Math" panose="02040503050406030204" pitchFamily="18" charset="0"/>
-                          </a:rPr>
-                        </m:ctrlPr>
-                      </m:sSubPr>
-                      <m:e>
-                        <m:r>
-                          <a:rPr lang="en-US" i="1">
-                            <a:latin typeface="Cambria Math"/>
-                          </a:rPr>
-                          <m:t>𝑣</m:t>
-                        </m:r>
-                      </m:e>
-                      <m:sub>
-                        <m:r>
-                          <a:rPr lang="en-US" i="1">
-                            <a:latin typeface="Cambria Math" panose="02040503050406030204" pitchFamily="18" charset="0"/>
-                          </a:rPr>
-                          <m:t>𝑡𝐶𝑖</m:t>
-                        </m:r>
-                      </m:sub>
-                    </m:sSub>
-                  </m:oMath>
-                </a14:m>
-                <a:endParaRPr lang="en-US" dirty="0"/>
-              </a:p>
-              <a:p>
-                <a:pPr marL="914400" lvl="1" indent="-514350"/>
-                <a14:m>
-                  <m:oMath xmlns:m="http://schemas.openxmlformats.org/officeDocument/2006/math">
-                    <m:r>
-                      <a:rPr lang="en-US" i="1">
-                        <a:latin typeface="Cambria Math"/>
-                      </a:rPr>
-                      <m:t>𝑒</m:t>
-                    </m:r>
-                    <m:r>
-                      <a:rPr lang="en-US" i="1">
-                        <a:latin typeface="Cambria Math"/>
-                      </a:rPr>
-                      <m:t>=−</m:t>
-                    </m:r>
-                    <m:f>
-                      <m:fPr>
-                        <m:ctrlPr>
-                          <a:rPr lang="en-US" i="1">
-                            <a:latin typeface="Cambria Math" panose="02040503050406030204" pitchFamily="18" charset="0"/>
-                          </a:rPr>
-                        </m:ctrlPr>
-                      </m:fPr>
-                      <m:num>
-                        <m:sSub>
-                          <m:sSubPr>
-                            <m:ctrlPr>
-                              <a:rPr lang="en-US" i="1">
-                                <a:latin typeface="Cambria Math" panose="02040503050406030204" pitchFamily="18" charset="0"/>
-                              </a:rPr>
-                            </m:ctrlPr>
-                          </m:sSubPr>
-                          <m:e>
-                            <m:r>
-                              <a:rPr lang="en-US" i="1">
-                                <a:latin typeface="Cambria Math"/>
-                              </a:rPr>
-                              <m:t>𝑣</m:t>
-                            </m:r>
-                          </m:e>
-                          <m:sub>
-                            <m:r>
-                              <a:rPr lang="en-US" i="1">
-                                <a:latin typeface="Cambria Math" panose="02040503050406030204" pitchFamily="18" charset="0"/>
-                              </a:rPr>
-                              <m:t>𝑛𝐴</m:t>
-                            </m:r>
-                            <m:r>
-                              <a:rPr lang="en-US" i="1">
-                                <a:latin typeface="Cambria Math"/>
-                              </a:rPr>
-                              <m:t>𝑓</m:t>
-                            </m:r>
-                          </m:sub>
-                        </m:sSub>
-                      </m:num>
-                      <m:den>
-                        <m:sSub>
-                          <m:sSubPr>
-                            <m:ctrlPr>
-                              <a:rPr lang="en-US" i="1">
-                                <a:latin typeface="Cambria Math" panose="02040503050406030204" pitchFamily="18" charset="0"/>
-                              </a:rPr>
-                            </m:ctrlPr>
-                          </m:sSubPr>
-                          <m:e>
-                            <m:r>
-                              <a:rPr lang="en-US" i="1">
-                                <a:latin typeface="Cambria Math"/>
-                              </a:rPr>
-                              <m:t>𝑣</m:t>
-                            </m:r>
-                          </m:e>
-                          <m:sub>
-                            <m:r>
-                              <a:rPr lang="en-US" i="1">
-                                <a:latin typeface="Cambria Math" panose="02040503050406030204" pitchFamily="18" charset="0"/>
-                              </a:rPr>
-                              <m:t>𝑛𝐴</m:t>
-                            </m:r>
-                            <m:r>
-                              <a:rPr lang="en-US" i="1">
-                                <a:latin typeface="Cambria Math"/>
-                              </a:rPr>
-                              <m:t>𝑖</m:t>
-                            </m:r>
-                          </m:sub>
-                        </m:sSub>
-                      </m:den>
-                    </m:f>
-                  </m:oMath>
-                </a14:m>
-                <a:endParaRPr lang="en-US" dirty="0"/>
-              </a:p>
-              <a:p>
-                <a:pPr marL="914400" lvl="1" indent="-514350"/>
-                <a14:m>
-                  <m:oMath xmlns:m="http://schemas.openxmlformats.org/officeDocument/2006/math">
-                    <m:sSup>
-                      <m:sSupPr>
-                        <m:ctrlPr>
-                          <a:rPr lang="en-US" i="1">
-                            <a:latin typeface="Cambria Math" panose="02040503050406030204" pitchFamily="18" charset="0"/>
-                          </a:rPr>
-                        </m:ctrlPr>
-                      </m:sSupPr>
-                      <m:e>
-                        <m:r>
-                          <a:rPr lang="en-US" i="1">
-                            <a:latin typeface="Cambria Math"/>
-                          </a:rPr>
-                          <m:t>𝑒</m:t>
-                        </m:r>
-                      </m:e>
-                      <m:sup>
-                        <m:r>
-                          <a:rPr lang="en-US" i="1">
-                            <a:latin typeface="Cambria Math" panose="02040503050406030204" pitchFamily="18" charset="0"/>
-                          </a:rPr>
-                          <m:t>2</m:t>
-                        </m:r>
-                      </m:sup>
-                    </m:sSup>
-                    <m:r>
-                      <a:rPr lang="en-US" i="1">
-                        <a:latin typeface="Cambria Math"/>
-                      </a:rPr>
-                      <m:t>=</m:t>
-                    </m:r>
-                    <m:f>
-                      <m:fPr>
-                        <m:ctrlPr>
-                          <a:rPr lang="en-US" i="1">
-                            <a:latin typeface="Cambria Math" panose="02040503050406030204" pitchFamily="18" charset="0"/>
-                          </a:rPr>
-                        </m:ctrlPr>
-                      </m:fPr>
-                      <m:num>
-                        <m:sSub>
-                          <m:sSubPr>
-                            <m:ctrlPr>
-                              <a:rPr lang="en-US" i="1">
-                                <a:latin typeface="Cambria Math" panose="02040503050406030204" pitchFamily="18" charset="0"/>
-                              </a:rPr>
-                            </m:ctrlPr>
-                          </m:sSubPr>
-                          <m:e>
-                            <m:r>
-                              <a:rPr lang="en-US" i="1">
-                                <a:latin typeface="Cambria Math" panose="02040503050406030204" pitchFamily="18" charset="0"/>
-                              </a:rPr>
-                              <m:t>𝐾𝐸</m:t>
-                            </m:r>
-                          </m:e>
-                          <m:sub>
-                            <m:r>
-                              <a:rPr lang="en-US" i="1">
-                                <a:latin typeface="Cambria Math" panose="02040503050406030204" pitchFamily="18" charset="0"/>
-                              </a:rPr>
-                              <m:t>𝑓</m:t>
-                            </m:r>
-                          </m:sub>
-                        </m:sSub>
-                      </m:num>
-                      <m:den>
-                        <m:sSub>
-                          <m:sSubPr>
-                            <m:ctrlPr>
-                              <a:rPr lang="en-US" i="1">
-                                <a:latin typeface="Cambria Math" panose="02040503050406030204" pitchFamily="18" charset="0"/>
-                              </a:rPr>
-                            </m:ctrlPr>
-                          </m:sSubPr>
-                          <m:e>
-                            <m:r>
-                              <a:rPr lang="en-US" i="1">
-                                <a:latin typeface="Cambria Math" panose="02040503050406030204" pitchFamily="18" charset="0"/>
-                              </a:rPr>
-                              <m:t>𝐾𝐸</m:t>
-                            </m:r>
-                          </m:e>
-                          <m:sub>
-                            <m:r>
-                              <a:rPr lang="en-US" i="1">
-                                <a:latin typeface="Cambria Math" panose="02040503050406030204" pitchFamily="18" charset="0"/>
-                              </a:rPr>
-                              <m:t>𝑖</m:t>
-                            </m:r>
-                          </m:sub>
-                        </m:sSub>
-                      </m:den>
-                    </m:f>
-                  </m:oMath>
-                </a14:m>
-                <a:endParaRPr lang="en-US" dirty="0"/>
-              </a:p>
-              <a:p>
-                <a:pPr marL="914400" lvl="1" indent="-514350"/>
-                <a:r>
-                  <a:rPr lang="en-US" dirty="0"/>
-                  <a:t>Supplement with kinematics relationships as needed</a:t>
-                </a:r>
-              </a:p>
-              <a:p>
-                <a:pPr marL="514350" indent="-514350">
-                  <a:buFont typeface="+mj-lt"/>
-                  <a:buAutoNum type="arabicPeriod"/>
-                </a:pPr>
-                <a:r>
-                  <a:rPr lang="en-US" dirty="0"/>
-                  <a:t>Solve the equations for the unknown quantities</a:t>
-                </a:r>
-              </a:p>
-              <a:p>
-                <a:pPr marL="514350" indent="-514350">
-                  <a:buFont typeface="+mj-lt"/>
-                  <a:buAutoNum type="arabicPeriod"/>
-                </a:pPr>
-                <a:endParaRPr lang="en-US" dirty="0"/>
-              </a:p>
-            </p:txBody>
-          </p:sp>
-        </mc:Choice>
-        <mc:Fallback xmlns="">
-          <p:sp>
-            <p:nvSpPr>
-              <p:cNvPr id="3" name="Content Placeholder 2">
-                <a:extLst>
-                  <a:ext uri="{FF2B5EF4-FFF2-40B4-BE49-F238E27FC236}">
-                    <a16:creationId xmlns:a16="http://schemas.microsoft.com/office/drawing/2014/main" id="{A0280897-CDB5-4D78-9300-B055EC7031D9}"/>
-                  </a:ext>
-                </a:extLst>
-              </p:cNvPr>
-              <p:cNvSpPr>
-                <a:spLocks noGrp="1" noRot="1" noChangeAspect="1" noMove="1" noResize="1" noEditPoints="1" noAdjustHandles="1" noChangeArrowheads="1" noChangeShapeType="1" noTextEdit="1"/>
-              </p:cNvSpPr>
-              <p:nvPr>
-                <p:ph idx="1"/>
-              </p:nvPr>
-            </p:nvSpPr>
-            <p:spPr>
-              <a:xfrm>
-                <a:off x="457200" y="1600200"/>
-                <a:ext cx="8229600" cy="4983162"/>
-              </a:xfrm>
-              <a:blipFill>
-                <a:blip r:embed="rId2"/>
-                <a:stretch>
-                  <a:fillRect l="-815" t="-1836" r="-1407"/>
-                </a:stretch>
-              </a:blipFill>
-            </p:spPr>
-            <p:txBody>
-              <a:bodyPr/>
-              <a:lstStyle/>
-              <a:p>
-                <a:r>
-                  <a:rPr lang="en-US">
-                    <a:noFill/>
-                  </a:rPr>
-                  <a:t> </a:t>
-                </a:r>
-              </a:p>
-            </p:txBody>
-          </p:sp>
-        </mc:Fallback>
-      </mc:AlternateContent>
-    </p:spTree>
-    <p:extLst>
-      <p:ext uri="{BB962C8B-B14F-4D97-AF65-F5344CB8AC3E}">
-        <p14:creationId xmlns:p14="http://schemas.microsoft.com/office/powerpoint/2010/main" val="2175471731"/>
-      </p:ext>
-    </p:extLst>
-  </p:cSld>
-  <p:clrMapOvr>
-    <a:masterClrMapping/>
-  </p:clrMapOvr>
-  <p:timing>
-    <p:tnLst>
-      <p:par>
-        <p:cTn id="1" dur="indefinite" restart="never" nodeType="tmRoot">
-          <p:childTnLst>
-            <p:seq concurrent="1" nextAc="seek">
-              <p:cTn id="2" dur="indefinite" nodeType="mainSeq">
-                <p:childTnLst>
-                  <p:par>
-                    <p:cTn id="3" fill="hold">
-                      <p:stCondLst>
-                        <p:cond delay="indefinite"/>
-                      </p:stCondLst>
-                      <p:childTnLst>
-                        <p:par>
-                          <p:cTn id="4" fill="hold">
-                            <p:stCondLst>
-                              <p:cond delay="0"/>
-                            </p:stCondLst>
-                            <p:childTnLst>
-                              <p:par>
-                                <p:cTn id="5" presetID="1" presetClass="entr" presetSubtype="0" fill="hold" grpId="0" nodeType="clickEffect">
-                                  <p:stCondLst>
-                                    <p:cond delay="0"/>
-                                  </p:stCondLst>
-                                  <p:childTnLst>
-                                    <p:set>
-                                      <p:cBhvr>
-                                        <p:cTn id="6" dur="1" fill="hold">
-                                          <p:stCondLst>
-                                            <p:cond delay="0"/>
-                                          </p:stCondLst>
-                                        </p:cTn>
-                                        <p:tgtEl>
-                                          <p:spTgt spid="3">
-                                            <p:txEl>
-                                              <p:pRg st="0" end="0"/>
-                                            </p:txEl>
-                                          </p:spTgt>
-                                        </p:tgtEl>
-                                        <p:attrNameLst>
-                                          <p:attrName>style.visibility</p:attrName>
-                                        </p:attrNameLst>
-                                      </p:cBhvr>
-                                      <p:to>
-                                        <p:strVal val="visible"/>
-                                      </p:to>
-                                    </p:set>
-                                  </p:childTnLst>
-                                </p:cTn>
-                              </p:par>
-                            </p:childTnLst>
-                          </p:cTn>
-                        </p:par>
-                      </p:childTnLst>
-                    </p:cTn>
-                  </p:par>
-                  <p:par>
-                    <p:cTn id="7" fill="hold">
-                      <p:stCondLst>
-                        <p:cond delay="indefinite"/>
-                      </p:stCondLst>
-                      <p:childTnLst>
-                        <p:par>
-                          <p:cTn id="8" fill="hold">
-                            <p:stCondLst>
-                              <p:cond delay="0"/>
-                            </p:stCondLst>
-                            <p:childTnLst>
-                              <p:par>
-                                <p:cTn id="9" presetID="1" presetClass="entr" presetSubtype="0" fill="hold" grpId="0" nodeType="clickEffect">
-                                  <p:stCondLst>
-                                    <p:cond delay="0"/>
-                                  </p:stCondLst>
-                                  <p:childTnLst>
-                                    <p:set>
-                                      <p:cBhvr>
-                                        <p:cTn id="10" dur="1" fill="hold">
-                                          <p:stCondLst>
-                                            <p:cond delay="0"/>
-                                          </p:stCondLst>
-                                        </p:cTn>
-                                        <p:tgtEl>
-                                          <p:spTgt spid="3">
-                                            <p:txEl>
-                                              <p:pRg st="1" end="1"/>
-                                            </p:txEl>
-                                          </p:spTgt>
-                                        </p:tgtEl>
-                                        <p:attrNameLst>
-                                          <p:attrName>style.visibility</p:attrName>
-                                        </p:attrNameLst>
-                                      </p:cBhvr>
-                                      <p:to>
-                                        <p:strVal val="visible"/>
-                                      </p:to>
-                                    </p:set>
-                                  </p:childTnLst>
-                                </p:cTn>
-                              </p:par>
-                              <p:par>
-                                <p:cTn id="11" presetID="1" presetClass="entr" presetSubtype="0" fill="hold" grpId="0" nodeType="withEffect">
-                                  <p:stCondLst>
-                                    <p:cond delay="0"/>
-                                  </p:stCondLst>
-                                  <p:childTnLst>
-                                    <p:set>
-                                      <p:cBhvr>
-                                        <p:cTn id="12" dur="1" fill="hold">
-                                          <p:stCondLst>
-                                            <p:cond delay="0"/>
-                                          </p:stCondLst>
-                                        </p:cTn>
-                                        <p:tgtEl>
-                                          <p:spTgt spid="3">
-                                            <p:txEl>
-                                              <p:pRg st="2" end="2"/>
-                                            </p:txEl>
-                                          </p:spTgt>
-                                        </p:tgtEl>
-                                        <p:attrNameLst>
-                                          <p:attrName>style.visibility</p:attrName>
-                                        </p:attrNameLst>
-                                      </p:cBhvr>
-                                      <p:to>
-                                        <p:strVal val="visible"/>
-                                      </p:to>
-                                    </p:set>
-                                  </p:childTnLst>
-                                </p:cTn>
-                              </p:par>
-                              <p:par>
-                                <p:cTn id="13" presetID="1" presetClass="entr" presetSubtype="0" fill="hold" grpId="0" nodeType="withEffect">
-                                  <p:stCondLst>
-                                    <p:cond delay="0"/>
-                                  </p:stCondLst>
-                                  <p:childTnLst>
-                                    <p:set>
-                                      <p:cBhvr>
-                                        <p:cTn id="14" dur="1" fill="hold">
-                                          <p:stCondLst>
-                                            <p:cond delay="0"/>
-                                          </p:stCondLst>
-                                        </p:cTn>
-                                        <p:tgtEl>
-                                          <p:spTgt spid="3">
-                                            <p:txEl>
-                                              <p:pRg st="3" end="3"/>
-                                            </p:txEl>
-                                          </p:spTgt>
-                                        </p:tgtEl>
-                                        <p:attrNameLst>
-                                          <p:attrName>style.visibility</p:attrName>
-                                        </p:attrNameLst>
-                                      </p:cBhvr>
-                                      <p:to>
-                                        <p:strVal val="visible"/>
-                                      </p:to>
-                                    </p:set>
-                                  </p:childTnLst>
-                                </p:cTn>
-                              </p:par>
-                              <p:par>
-                                <p:cTn id="15" presetID="1" presetClass="entr" presetSubtype="0" fill="hold" grpId="0" nodeType="withEffect">
-                                  <p:stCondLst>
-                                    <p:cond delay="0"/>
-                                  </p:stCondLst>
-                                  <p:childTnLst>
-                                    <p:set>
-                                      <p:cBhvr>
-                                        <p:cTn id="16" dur="1" fill="hold">
-                                          <p:stCondLst>
-                                            <p:cond delay="0"/>
-                                          </p:stCondLst>
-                                        </p:cTn>
-                                        <p:tgtEl>
-                                          <p:spTgt spid="3">
-                                            <p:txEl>
-                                              <p:pRg st="4" end="4"/>
-                                            </p:txEl>
-                                          </p:spTgt>
-                                        </p:tgtEl>
-                                        <p:attrNameLst>
-                                          <p:attrName>style.visibility</p:attrName>
-                                        </p:attrNameLst>
-                                      </p:cBhvr>
-                                      <p:to>
-                                        <p:strVal val="visible"/>
-                                      </p:to>
-                                    </p:set>
-                                  </p:childTnLst>
-                                </p:cTn>
-                              </p:par>
-                            </p:childTnLst>
-                          </p:cTn>
-                        </p:par>
-                      </p:childTnLst>
-                    </p:cTn>
-                  </p:par>
-                  <p:par>
-                    <p:cTn id="17" fill="hold">
-                      <p:stCondLst>
-                        <p:cond delay="indefinite"/>
-                      </p:stCondLst>
-                      <p:childTnLst>
-                        <p:par>
-                          <p:cTn id="18" fill="hold">
-                            <p:stCondLst>
-                              <p:cond delay="0"/>
-                            </p:stCondLst>
-                            <p:childTnLst>
-                              <p:par>
-                                <p:cTn id="19" presetID="1" presetClass="entr" presetSubtype="0" fill="hold" grpId="0" nodeType="clickEffect">
-                                  <p:stCondLst>
-                                    <p:cond delay="0"/>
-                                  </p:stCondLst>
-                                  <p:childTnLst>
-                                    <p:set>
-                                      <p:cBhvr>
-                                        <p:cTn id="20" dur="1" fill="hold">
-                                          <p:stCondLst>
-                                            <p:cond delay="0"/>
-                                          </p:stCondLst>
-                                        </p:cTn>
-                                        <p:tgtEl>
-                                          <p:spTgt spid="3">
-                                            <p:txEl>
-                                              <p:pRg st="5" end="5"/>
-                                            </p:txEl>
-                                          </p:spTgt>
-                                        </p:tgtEl>
-                                        <p:attrNameLst>
-                                          <p:attrName>style.visibility</p:attrName>
-                                        </p:attrNameLst>
-                                      </p:cBhvr>
-                                      <p:to>
-                                        <p:strVal val="visible"/>
-                                      </p:to>
-                                    </p:set>
-                                  </p:childTnLst>
-                                </p:cTn>
-                              </p:par>
-                              <p:par>
-                                <p:cTn id="21" presetID="1" presetClass="entr" presetSubtype="0" fill="hold" grpId="0" nodeType="withEffect">
-                                  <p:stCondLst>
-                                    <p:cond delay="0"/>
-                                  </p:stCondLst>
-                                  <p:childTnLst>
-                                    <p:set>
-                                      <p:cBhvr>
-                                        <p:cTn id="22" dur="1" fill="hold">
-                                          <p:stCondLst>
-                                            <p:cond delay="0"/>
-                                          </p:stCondLst>
-                                        </p:cTn>
-                                        <p:tgtEl>
-                                          <p:spTgt spid="3">
-                                            <p:txEl>
-                                              <p:pRg st="6" end="6"/>
-                                            </p:txEl>
-                                          </p:spTgt>
-                                        </p:tgtEl>
-                                        <p:attrNameLst>
-                                          <p:attrName>style.visibility</p:attrName>
-                                        </p:attrNameLst>
-                                      </p:cBhvr>
-                                      <p:to>
-                                        <p:strVal val="visible"/>
-                                      </p:to>
-                                    </p:set>
-                                  </p:childTnLst>
-                                </p:cTn>
-                              </p:par>
-                              <p:par>
-                                <p:cTn id="23" presetID="1" presetClass="entr" presetSubtype="0" fill="hold" grpId="0" nodeType="withEffect">
-                                  <p:stCondLst>
-                                    <p:cond delay="0"/>
-                                  </p:stCondLst>
-                                  <p:childTnLst>
-                                    <p:set>
-                                      <p:cBhvr>
-                                        <p:cTn id="24" dur="1" fill="hold">
-                                          <p:stCondLst>
-                                            <p:cond delay="0"/>
-                                          </p:stCondLst>
-                                        </p:cTn>
-                                        <p:tgtEl>
-                                          <p:spTgt spid="3">
-                                            <p:txEl>
-                                              <p:pRg st="7" end="7"/>
-                                            </p:txEl>
-                                          </p:spTgt>
-                                        </p:tgtEl>
-                                        <p:attrNameLst>
-                                          <p:attrName>style.visibility</p:attrName>
-                                        </p:attrNameLst>
-                                      </p:cBhvr>
-                                      <p:to>
-                                        <p:strVal val="visible"/>
-                                      </p:to>
-                                    </p:set>
-                                  </p:childTnLst>
-                                </p:cTn>
-                              </p:par>
-                              <p:par>
-                                <p:cTn id="25" presetID="1" presetClass="entr" presetSubtype="0" fill="hold" grpId="0" nodeType="withEffect">
-                                  <p:stCondLst>
-                                    <p:cond delay="0"/>
-                                  </p:stCondLst>
-                                  <p:childTnLst>
-                                    <p:set>
-                                      <p:cBhvr>
-                                        <p:cTn id="26" dur="1" fill="hold">
-                                          <p:stCondLst>
-                                            <p:cond delay="0"/>
-                                          </p:stCondLst>
-                                        </p:cTn>
-                                        <p:tgtEl>
-                                          <p:spTgt spid="3">
-                                            <p:txEl>
-                                              <p:pRg st="8" end="8"/>
-                                            </p:txEl>
-                                          </p:spTgt>
-                                        </p:tgtEl>
-                                        <p:attrNameLst>
-                                          <p:attrName>style.visibility</p:attrName>
-                                        </p:attrNameLst>
-                                      </p:cBhvr>
-                                      <p:to>
-                                        <p:strVal val="visible"/>
-                                      </p:to>
-                                    </p:set>
-                                  </p:childTnLst>
-                                </p:cTn>
-                              </p:par>
-                              <p:par>
-                                <p:cTn id="27" presetID="1" presetClass="entr" presetSubtype="0" fill="hold" grpId="0" nodeType="withEffect">
-                                  <p:stCondLst>
-                                    <p:cond delay="0"/>
-                                  </p:stCondLst>
-                                  <p:childTnLst>
-                                    <p:set>
-                                      <p:cBhvr>
-                                        <p:cTn id="28" dur="1" fill="hold">
-                                          <p:stCondLst>
-                                            <p:cond delay="0"/>
-                                          </p:stCondLst>
-                                        </p:cTn>
-                                        <p:tgtEl>
-                                          <p:spTgt spid="3">
-                                            <p:txEl>
-                                              <p:pRg st="9" end="9"/>
-                                            </p:txEl>
-                                          </p:spTgt>
-                                        </p:tgtEl>
-                                        <p:attrNameLst>
-                                          <p:attrName>style.visibility</p:attrName>
-                                        </p:attrNameLst>
-                                      </p:cBhvr>
-                                      <p:to>
-                                        <p:strVal val="visible"/>
-                                      </p:to>
-                                    </p:set>
-                                  </p:childTnLst>
-                                </p:cTn>
-                              </p:par>
-                            </p:childTnLst>
-                          </p:cTn>
-                        </p:par>
-                      </p:childTnLst>
-                    </p:cTn>
-                  </p:par>
-                  <p:par>
-                    <p:cTn id="29" fill="hold">
-                      <p:stCondLst>
-                        <p:cond delay="indefinite"/>
-                      </p:stCondLst>
-                      <p:childTnLst>
-                        <p:par>
-                          <p:cTn id="30" fill="hold">
-                            <p:stCondLst>
-                              <p:cond delay="0"/>
-                            </p:stCondLst>
-                            <p:childTnLst>
-                              <p:par>
-                                <p:cTn id="31" presetID="1" presetClass="entr" presetSubtype="0" fill="hold" grpId="0" nodeType="clickEffect">
-                                  <p:stCondLst>
-                                    <p:cond delay="0"/>
-                                  </p:stCondLst>
-                                  <p:childTnLst>
-                                    <p:set>
-                                      <p:cBhvr>
-                                        <p:cTn id="32" dur="1" fill="hold">
-                                          <p:stCondLst>
-                                            <p:cond delay="0"/>
-                                          </p:stCondLst>
-                                        </p:cTn>
-                                        <p:tgtEl>
-                                          <p:spTgt spid="3">
-                                            <p:txEl>
-                                              <p:pRg st="10" end="10"/>
-                                            </p:txEl>
-                                          </p:spTgt>
-                                        </p:tgtEl>
-                                        <p:attrNameLst>
-                                          <p:attrName>style.visibility</p:attrName>
-                                        </p:attrNameLst>
-                                      </p:cBhvr>
-                                      <p:to>
-                                        <p:strVal val="visible"/>
-                                      </p:to>
-                                    </p:set>
-                                  </p:childTnLst>
-                                </p:cTn>
-                              </p:par>
-                            </p:childTnLst>
-                          </p:cTn>
-                        </p:par>
-                      </p:childTnLst>
-                    </p:cTn>
-                  </p:par>
-                </p:childTnLst>
-              </p:cTn>
-              <p:prevCondLst>
-                <p:cond evt="onPrev" delay="0">
-                  <p:tgtEl>
-                    <p:sldTgt/>
-                  </p:tgtEl>
-                </p:cond>
-              </p:prevCondLst>
-              <p:nextCondLst>
-                <p:cond evt="onNext" delay="0">
-                  <p:tgtEl>
-                    <p:sldTgt/>
-                  </p:tgtEl>
-                </p:cond>
-              </p:nextCondLst>
-            </p:seq>
-          </p:childTnLst>
-        </p:cTn>
-      </p:par>
-    </p:tnLst>
-    <p:bldLst>
-      <p:bldP spid="3" grpId="0" uiExpand="1" build="p"/>
     </p:bldLst>
   </p:timing>
 </p:sld>
@@ -9101,21 +13705,6 @@
 </file>
 
 <file path=customXml/item1.xml><?xml version="1.0" encoding="utf-8"?>
-<?mso-contentType ?>
-<FormTemplates xmlns="http://schemas.microsoft.com/sharepoint/v3/contenttype/forms">
-  <Display>DocumentLibraryForm</Display>
-  <Edit>DocumentLibraryForm</Edit>
-  <New>DocumentLibraryForm</New>
-</FormTemplates>
-</file>
-
-<file path=customXml/item2.xml><?xml version="1.0" encoding="utf-8"?>
-<p:properties xmlns:p="http://schemas.microsoft.com/office/2006/metadata/properties" xmlns:xsi="http://www.w3.org/2001/XMLSchema-instance" xmlns:pc="http://schemas.microsoft.com/office/infopath/2007/PartnerControls">
-  <documentManagement/>
-</p:properties>
-</file>
-
-<file path=customXml/item3.xml><?xml version="1.0" encoding="utf-8"?>
 <ct:contentTypeSchema xmlns:ct="http://schemas.microsoft.com/office/2006/metadata/contentType" xmlns:ma="http://schemas.microsoft.com/office/2006/metadata/properties/metaAttributes" ct:_="" ma:_="" ma:contentTypeName="Document" ma:contentTypeID="0x010100A06DF21F5BB2734A800ED30F3F452129" ma:contentTypeVersion="12" ma:contentTypeDescription="Create a new document." ma:contentTypeScope="" ma:versionID="544d96a5fbac5de9d5d902b535c73fb2">
   <xsd:schema xmlns:xsd="http://www.w3.org/2001/XMLSchema" xmlns:xs="http://www.w3.org/2001/XMLSchema" xmlns:p="http://schemas.microsoft.com/office/2006/metadata/properties" xmlns:ns3="90d05cb5-950f-4f68-bc2c-e17794455b92" xmlns:ns4="b4eab9fa-dbb0-4082-8491-8bd54207a265" targetNamespace="http://schemas.microsoft.com/office/2006/metadata/properties" ma:root="true" ma:fieldsID="7a710efc71c2169bf9c05e5a40dddf12" ns3:_="" ns4:_="">
     <xsd:import namespace="90d05cb5-950f-4f68-bc2c-e17794455b92"/>
@@ -9332,10 +13921,36 @@
 </ct:contentTypeSchema>
 </file>
 
+<file path=customXml/item2.xml><?xml version="1.0" encoding="utf-8"?>
+<p:properties xmlns:p="http://schemas.microsoft.com/office/2006/metadata/properties" xmlns:xsi="http://www.w3.org/2001/XMLSchema-instance" xmlns:pc="http://schemas.microsoft.com/office/infopath/2007/PartnerControls">
+  <documentManagement/>
+</p:properties>
+</file>
+
+<file path=customXml/item3.xml><?xml version="1.0" encoding="utf-8"?>
+<?mso-contentType ?>
+<FormTemplates xmlns="http://schemas.microsoft.com/sharepoint/v3/contenttype/forms">
+  <Display>DocumentLibraryForm</Display>
+  <Edit>DocumentLibraryForm</Edit>
+  <New>DocumentLibraryForm</New>
+</FormTemplates>
+</file>
+
 <file path=customXml/itemProps1.xml><?xml version="1.0" encoding="utf-8"?>
-<ds:datastoreItem xmlns:ds="http://schemas.openxmlformats.org/officeDocument/2006/customXml" ds:itemID="{F5CF5F32-56DC-4068-8B04-457CF34A96F3}">
+<ds:datastoreItem xmlns:ds="http://schemas.openxmlformats.org/officeDocument/2006/customXml" ds:itemID="{A43B8A4B-79FE-4529-931C-D64224FA70E3}">
   <ds:schemaRefs>
-    <ds:schemaRef ds:uri="http://schemas.microsoft.com/sharepoint/v3/contenttype/forms"/>
+    <ds:schemaRef ds:uri="http://schemas.microsoft.com/office/2006/metadata/contentType"/>
+    <ds:schemaRef ds:uri="http://schemas.microsoft.com/office/2006/metadata/properties/metaAttributes"/>
+    <ds:schemaRef ds:uri="http://www.w3.org/2001/XMLSchema"/>
+    <ds:schemaRef ds:uri="http://schemas.microsoft.com/office/2006/metadata/properties"/>
+    <ds:schemaRef ds:uri="90d05cb5-950f-4f68-bc2c-e17794455b92"/>
+    <ds:schemaRef ds:uri="b4eab9fa-dbb0-4082-8491-8bd54207a265"/>
+    <ds:schemaRef ds:uri="http://schemas.microsoft.com/office/2006/documentManagement/types"/>
+    <ds:schemaRef ds:uri="http://schemas.microsoft.com/office/infopath/2007/PartnerControls"/>
+    <ds:schemaRef ds:uri="http://schemas.openxmlformats.org/package/2006/metadata/core-properties"/>
+    <ds:schemaRef ds:uri="http://purl.org/dc/elements/1.1/"/>
+    <ds:schemaRef ds:uri="http://purl.org/dc/terms/"/>
+    <ds:schemaRef ds:uri="http://schemas.microsoft.com/internal/obd"/>
   </ds:schemaRefs>
 </ds:datastoreItem>
 </file>
@@ -9358,20 +13973,9 @@
 </file>
 
 <file path=customXml/itemProps3.xml><?xml version="1.0" encoding="utf-8"?>
-<ds:datastoreItem xmlns:ds="http://schemas.openxmlformats.org/officeDocument/2006/customXml" ds:itemID="{A43B8A4B-79FE-4529-931C-D64224FA70E3}">
+<ds:datastoreItem xmlns:ds="http://schemas.openxmlformats.org/officeDocument/2006/customXml" ds:itemID="{F5CF5F32-56DC-4068-8B04-457CF34A96F3}">
   <ds:schemaRefs>
-    <ds:schemaRef ds:uri="http://schemas.microsoft.com/office/2006/metadata/contentType"/>
-    <ds:schemaRef ds:uri="http://schemas.microsoft.com/office/2006/metadata/properties/metaAttributes"/>
-    <ds:schemaRef ds:uri="http://www.w3.org/2001/XMLSchema"/>
-    <ds:schemaRef ds:uri="http://schemas.microsoft.com/office/2006/metadata/properties"/>
-    <ds:schemaRef ds:uri="90d05cb5-950f-4f68-bc2c-e17794455b92"/>
-    <ds:schemaRef ds:uri="b4eab9fa-dbb0-4082-8491-8bd54207a265"/>
-    <ds:schemaRef ds:uri="http://schemas.microsoft.com/office/2006/documentManagement/types"/>
-    <ds:schemaRef ds:uri="http://schemas.microsoft.com/office/infopath/2007/PartnerControls"/>
-    <ds:schemaRef ds:uri="http://schemas.openxmlformats.org/package/2006/metadata/core-properties"/>
-    <ds:schemaRef ds:uri="http://purl.org/dc/elements/1.1/"/>
-    <ds:schemaRef ds:uri="http://purl.org/dc/terms/"/>
-    <ds:schemaRef ds:uri="http://schemas.microsoft.com/internal/obd"/>
+    <ds:schemaRef ds:uri="http://schemas.microsoft.com/sharepoint/v3/contenttype/forms"/>
   </ds:schemaRefs>
 </ds:datastoreItem>
 </file>